--- a/oko/template rapportage oko.pptx
+++ b/oko/template rapportage oko.pptx
@@ -174,12 +174,12 @@
   <pc:docChgLst>
     <pc:chgData name="Vermeulen - van Gent, Sander" userId="e08259fd-81d2-4a86-9b20-28ba02d67a18" providerId="ADAL" clId="{CD1B3BBE-56CC-4974-BC5E-9FCD75B07556}"/>
     <pc:docChg chg="undo custSel addSld delSld modSld modMainMaster">
-      <pc:chgData name="Vermeulen - van Gent, Sander" userId="e08259fd-81d2-4a86-9b20-28ba02d67a18" providerId="ADAL" clId="{CD1B3BBE-56CC-4974-BC5E-9FCD75B07556}" dt="2025-12-16T19:43:15.367" v="2741" actId="20577"/>
+      <pc:chgData name="Vermeulen - van Gent, Sander" userId="e08259fd-81d2-4a86-9b20-28ba02d67a18" providerId="ADAL" clId="{CD1B3BBE-56CC-4974-BC5E-9FCD75B07556}" dt="2025-12-17T14:41:24.643" v="2759" actId="20577"/>
       <pc:docMkLst>
         <pc:docMk/>
       </pc:docMkLst>
       <pc:sldMasterChg chg="addSldLayout modSldLayout">
-        <pc:chgData name="Vermeulen - van Gent, Sander" userId="e08259fd-81d2-4a86-9b20-28ba02d67a18" providerId="ADAL" clId="{CD1B3BBE-56CC-4974-BC5E-9FCD75B07556}" dt="2025-12-16T19:43:15.367" v="2741" actId="20577"/>
+        <pc:chgData name="Vermeulen - van Gent, Sander" userId="e08259fd-81d2-4a86-9b20-28ba02d67a18" providerId="ADAL" clId="{CD1B3BBE-56CC-4974-BC5E-9FCD75B07556}" dt="2025-12-17T14:41:24.643" v="2759" actId="20577"/>
         <pc:sldMasterMkLst>
           <pc:docMk/>
           <pc:sldMasterMk cId="582609979" sldId="2147483648"/>
@@ -491,7 +491,7 @@
           </pc:spChg>
         </pc:sldLayoutChg>
         <pc:sldLayoutChg chg="addSp modSp mod">
-          <pc:chgData name="Vermeulen - van Gent, Sander" userId="e08259fd-81d2-4a86-9b20-28ba02d67a18" providerId="ADAL" clId="{CD1B3BBE-56CC-4974-BC5E-9FCD75B07556}" dt="2025-11-27T13:37:49.237" v="2721" actId="1076"/>
+          <pc:chgData name="Vermeulen - van Gent, Sander" userId="e08259fd-81d2-4a86-9b20-28ba02d67a18" providerId="ADAL" clId="{CD1B3BBE-56CC-4974-BC5E-9FCD75B07556}" dt="2025-12-17T14:41:24.643" v="2759" actId="20577"/>
           <pc:sldLayoutMkLst>
             <pc:docMk/>
             <pc:sldMasterMk cId="582609979" sldId="2147483648"/>
@@ -516,7 +516,7 @@
             </ac:spMkLst>
           </pc:spChg>
           <pc:spChg chg="mod">
-            <ac:chgData name="Vermeulen - van Gent, Sander" userId="e08259fd-81d2-4a86-9b20-28ba02d67a18" providerId="ADAL" clId="{CD1B3BBE-56CC-4974-BC5E-9FCD75B07556}" dt="2025-11-20T11:55:27.959" v="2607"/>
+            <ac:chgData name="Vermeulen - van Gent, Sander" userId="e08259fd-81d2-4a86-9b20-28ba02d67a18" providerId="ADAL" clId="{CD1B3BBE-56CC-4974-BC5E-9FCD75B07556}" dt="2025-12-17T14:41:24.643" v="2759" actId="20577"/>
             <ac:spMkLst>
               <pc:docMk/>
               <pc:sldMasterMk cId="582609979" sldId="2147483648"/>
@@ -695,7 +695,7 @@
           <a:p>
             <a:fld id="{BBEDBBAB-6028-4680-9556-A8238B314949}" type="datetimeFigureOut">
               <a:rPr lang="nl-NL" smtClean="0"/>
-              <a:t>16-12-2025</a:t>
+              <a:t>17-12-2025</a:t>
             </a:fld>
             <a:endParaRPr lang="nl-NL"/>
           </a:p>
@@ -871,7 +871,7 @@
           </a:lstStyle>
           <a:p>
             <a:fld id="{37F81271-B6F7-4A7E-8F6C-1E1DF4AA2733}" type="datetimeFigureOut">
-              <a:t>16-12-2025</a:t>
+              <a:t>17-12-2025</a:t>
             </a:fld>
             <a:endParaRPr lang="nl-NL"/>
           </a:p>
@@ -12956,7 +12956,7 @@
             <a:pPr marL="0" lvl="0" defTabSz="839852"/>
             <a:r>
               <a:rPr lang="nl-NL" dirty="0"/>
-              <a:t>De houding van ouders ten opzichte van hangt samen met het alcoholgebruik van jongeren. Van de jongeren die geen (of alleen een slokje) alcohol drinken geeft xx% aan dat hun ouders het goed zouden vinden als ze toch alcohol zouden drinken. Van de jongeren die alcohol drinken geeft xx% aan dat hun ouders alcohol drinken goed vinden.</a:t>
+              <a:t>De houding van ouders ten opzichte van alcohol hangt samen met het alcoholgebruik van jongeren. Van de jongeren die geen (of alleen een slokje) alcohol drinken geeft xx% aan dat hun ouders het goed zouden vinden als ze toch alcohol zouden drinken. Van de jongeren die alcohol drinken geeft xx% aan dat hun ouders alcohol drinken goed vinden.</a:t>
             </a:r>
           </a:p>
         </p:txBody>
@@ -17794,6 +17794,22 @@
 </file>
 
 <file path=customXml/item1.xml><?xml version="1.0" encoding="utf-8"?>
+<p:properties xmlns:p="http://schemas.microsoft.com/office/2006/metadata/properties" xmlns:xsi="http://www.w3.org/2001/XMLSchema-instance" xmlns:pc="http://schemas.microsoft.com/office/infopath/2007/PartnerControls">
+  <documentManagement>
+    <_ip_UnifiedCompliancePolicyUIAction xmlns="http://schemas.microsoft.com/sharepoint/v3" xsi:nil="true"/>
+    <lcf76f155ced4ddcb4097134ff3c332f xmlns="4e95bed8-6d15-4403-ad70-a53422338dca">
+      <Terms xmlns="http://schemas.microsoft.com/office/infopath/2007/PartnerControls"/>
+    </lcf76f155ced4ddcb4097134ff3c332f>
+    <_ip_UnifiedCompliancePolicyProperties xmlns="http://schemas.microsoft.com/sharepoint/v3" xsi:nil="true"/>
+    <TaxCatchAll xmlns="d045ab76-3bb7-45f5-ab41-d7b04aa0dc94" xsi:nil="true"/>
+    <TaxKeywordTaxHTField xmlns="d045ab76-3bb7-45f5-ab41-d7b04aa0dc94">
+      <Terms xmlns="http://schemas.microsoft.com/office/infopath/2007/PartnerControls"/>
+    </TaxKeywordTaxHTField>
+  </documentManagement>
+</p:properties>
+</file>
+
+<file path=customXml/item2.xml><?xml version="1.0" encoding="utf-8"?>
 <ct:contentTypeSchema xmlns:ct="http://schemas.microsoft.com/office/2006/metadata/contentType" xmlns:ma="http://schemas.microsoft.com/office/2006/metadata/properties/metaAttributes" ct:_="" ma:_="" ma:contentTypeName="Document" ma:contentTypeID="0x010100C4EA295FB1FB9547A73C9F5819D6E613" ma:contentTypeVersion="22" ma:contentTypeDescription="Een nieuw document maken." ma:contentTypeScope="" ma:versionID="e49181b65574406c5282aee675d2d615">
   <xsd:schema xmlns:xsd="http://www.w3.org/2001/XMLSchema" xmlns:xs="http://www.w3.org/2001/XMLSchema" xmlns:p="http://schemas.microsoft.com/office/2006/metadata/properties" xmlns:ns1="http://schemas.microsoft.com/sharepoint/v3" xmlns:ns2="4e95bed8-6d15-4403-ad70-a53422338dca" xmlns:ns3="10d3344f-2d16-43d9-a145-97142f5cb288" xmlns:ns4="d045ab76-3bb7-45f5-ab41-d7b04aa0dc94" targetNamespace="http://schemas.microsoft.com/office/2006/metadata/properties" ma:root="true" ma:fieldsID="cc6d884b6a76c93e77d17ea8b02330de" ns1:_="" ns2:_="" ns3:_="" ns4:_="">
     <xsd:import namespace="http://schemas.microsoft.com/sharepoint/v3"/>
@@ -18078,22 +18094,6 @@
 </ct:contentTypeSchema>
 </file>
 
-<file path=customXml/item2.xml><?xml version="1.0" encoding="utf-8"?>
-<p:properties xmlns:p="http://schemas.microsoft.com/office/2006/metadata/properties" xmlns:xsi="http://www.w3.org/2001/XMLSchema-instance" xmlns:pc="http://schemas.microsoft.com/office/infopath/2007/PartnerControls">
-  <documentManagement>
-    <_ip_UnifiedCompliancePolicyUIAction xmlns="http://schemas.microsoft.com/sharepoint/v3" xsi:nil="true"/>
-    <lcf76f155ced4ddcb4097134ff3c332f xmlns="4e95bed8-6d15-4403-ad70-a53422338dca">
-      <Terms xmlns="http://schemas.microsoft.com/office/infopath/2007/PartnerControls"/>
-    </lcf76f155ced4ddcb4097134ff3c332f>
-    <_ip_UnifiedCompliancePolicyProperties xmlns="http://schemas.microsoft.com/sharepoint/v3" xsi:nil="true"/>
-    <TaxCatchAll xmlns="d045ab76-3bb7-45f5-ab41-d7b04aa0dc94" xsi:nil="true"/>
-    <TaxKeywordTaxHTField xmlns="d045ab76-3bb7-45f5-ab41-d7b04aa0dc94">
-      <Terms xmlns="http://schemas.microsoft.com/office/infopath/2007/PartnerControls"/>
-    </TaxKeywordTaxHTField>
-  </documentManagement>
-</p:properties>
-</file>
-
 <file path=customXml/item3.xml><?xml version="1.0" encoding="utf-8"?>
 <?mso-contentType ?>
 <FormTemplates xmlns="http://schemas.microsoft.com/sharepoint/v3/contenttype/forms">
@@ -18104,6 +18104,25 @@
 </file>
 
 <file path=customXml/itemProps1.xml><?xml version="1.0" encoding="utf-8"?>
+<ds:datastoreItem xmlns:ds="http://schemas.openxmlformats.org/officeDocument/2006/customXml" ds:itemID="{428373FD-713A-4C43-B3FE-80F0E3D63506}">
+  <ds:schemaRefs>
+    <ds:schemaRef ds:uri="http://schemas.microsoft.com/office/2006/documentManagement/types"/>
+    <ds:schemaRef ds:uri="http://purl.org/dc/terms/"/>
+    <ds:schemaRef ds:uri="http://www.w3.org/XML/1998/namespace"/>
+    <ds:schemaRef ds:uri="http://schemas.microsoft.com/office/2006/metadata/properties"/>
+    <ds:schemaRef ds:uri="http://schemas.openxmlformats.org/package/2006/metadata/core-properties"/>
+    <ds:schemaRef ds:uri="http://schemas.microsoft.com/office/infopath/2007/PartnerControls"/>
+    <ds:schemaRef ds:uri="c1085ce0-992b-4e2c-bc8b-9e7e29361dd3"/>
+    <ds:schemaRef ds:uri="http://purl.org/dc/dcmitype/"/>
+    <ds:schemaRef ds:uri="http://purl.org/dc/elements/1.1/"/>
+    <ds:schemaRef ds:uri="http://schemas.microsoft.com/sharepoint/v3"/>
+    <ds:schemaRef ds:uri="4e95bed8-6d15-4403-ad70-a53422338dca"/>
+    <ds:schemaRef ds:uri="d045ab76-3bb7-45f5-ab41-d7b04aa0dc94"/>
+  </ds:schemaRefs>
+</ds:datastoreItem>
+</file>
+
+<file path=customXml/itemProps2.xml><?xml version="1.0" encoding="utf-8"?>
 <ds:datastoreItem xmlns:ds="http://schemas.openxmlformats.org/officeDocument/2006/customXml" ds:itemID="{4F1CF73A-4EA0-4141-87E3-9F6DA2499A43}">
   <ds:schemaRefs>
     <ds:schemaRef ds:uri="http://schemas.microsoft.com/office/2006/metadata/contentType"/>
@@ -18124,25 +18143,6 @@
 </ds:datastoreItem>
 </file>
 
-<file path=customXml/itemProps2.xml><?xml version="1.0" encoding="utf-8"?>
-<ds:datastoreItem xmlns:ds="http://schemas.openxmlformats.org/officeDocument/2006/customXml" ds:itemID="{428373FD-713A-4C43-B3FE-80F0E3D63506}">
-  <ds:schemaRefs>
-    <ds:schemaRef ds:uri="http://schemas.microsoft.com/office/2006/documentManagement/types"/>
-    <ds:schemaRef ds:uri="http://purl.org/dc/terms/"/>
-    <ds:schemaRef ds:uri="http://www.w3.org/XML/1998/namespace"/>
-    <ds:schemaRef ds:uri="http://schemas.microsoft.com/office/2006/metadata/properties"/>
-    <ds:schemaRef ds:uri="http://schemas.openxmlformats.org/package/2006/metadata/core-properties"/>
-    <ds:schemaRef ds:uri="http://schemas.microsoft.com/office/infopath/2007/PartnerControls"/>
-    <ds:schemaRef ds:uri="c1085ce0-992b-4e2c-bc8b-9e7e29361dd3"/>
-    <ds:schemaRef ds:uri="http://purl.org/dc/dcmitype/"/>
-    <ds:schemaRef ds:uri="http://purl.org/dc/elements/1.1/"/>
-    <ds:schemaRef ds:uri="http://schemas.microsoft.com/sharepoint/v3"/>
-    <ds:schemaRef ds:uri="4e95bed8-6d15-4403-ad70-a53422338dca"/>
-    <ds:schemaRef ds:uri="d045ab76-3bb7-45f5-ab41-d7b04aa0dc94"/>
-  </ds:schemaRefs>
-</ds:datastoreItem>
-</file>
-
 <file path=customXml/itemProps3.xml><?xml version="1.0" encoding="utf-8"?>
 <ds:datastoreItem xmlns:ds="http://schemas.openxmlformats.org/officeDocument/2006/customXml" ds:itemID="{D4797234-1F06-4080-A1F9-30DCE4CF2F06}">
   <ds:schemaRefs>

--- a/oko/template rapportage oko.pptx
+++ b/oko/template rapportage oko.pptx
@@ -161,71 +161,37 @@
 </p188:authorLst>
 </file>
 
-<file path=ppt/revisionInfo.xml><?xml version="1.0" encoding="utf-8"?>
-<p1510:revInfo xmlns:a="http://schemas.openxmlformats.org/drawingml/2006/main" xmlns:r="http://schemas.openxmlformats.org/officeDocument/2006/relationships" xmlns:p1510="http://schemas.microsoft.com/office/powerpoint/2015/10/main">
-  <p1510:revLst>
-    <p1510:client id="{409A053D-0F75-48D0-BE3B-3DA82CD2BAFF}" v="962" dt="2025-11-27T14:36:23.504"/>
-  </p1510:revLst>
-</p1510:revInfo>
-</file>
-
 <file path=ppt/changesInfos/changesInfo1.xml><?xml version="1.0" encoding="utf-8"?>
 <pc:chgInfo xmlns:a="http://schemas.openxmlformats.org/drawingml/2006/main" xmlns:r="http://schemas.openxmlformats.org/officeDocument/2006/relationships" xmlns:ac="http://schemas.microsoft.com/office/drawing/2013/main/command" xmlns:pc="http://schemas.microsoft.com/office/powerpoint/2013/main/command">
   <pc:docChgLst>
     <pc:chgData name="Vermeulen - van Gent, Sander" userId="e08259fd-81d2-4a86-9b20-28ba02d67a18" providerId="ADAL" clId="{CD1B3BBE-56CC-4974-BC5E-9FCD75B07556}"/>
     <pc:docChg chg="undo custSel addSld delSld modSld modMainMaster">
-      <pc:chgData name="Vermeulen - van Gent, Sander" userId="e08259fd-81d2-4a86-9b20-28ba02d67a18" providerId="ADAL" clId="{CD1B3BBE-56CC-4974-BC5E-9FCD75B07556}" dt="2025-12-17T14:41:24.643" v="2759" actId="20577"/>
+      <pc:chgData name="Vermeulen - van Gent, Sander" userId="e08259fd-81d2-4a86-9b20-28ba02d67a18" providerId="ADAL" clId="{CD1B3BBE-56CC-4974-BC5E-9FCD75B07556}" dt="2026-01-07T18:05:38.979" v="2770" actId="14100"/>
       <pc:docMkLst>
         <pc:docMk/>
       </pc:docMkLst>
       <pc:sldMasterChg chg="addSldLayout modSldLayout">
-        <pc:chgData name="Vermeulen - van Gent, Sander" userId="e08259fd-81d2-4a86-9b20-28ba02d67a18" providerId="ADAL" clId="{CD1B3BBE-56CC-4974-BC5E-9FCD75B07556}" dt="2025-12-17T14:41:24.643" v="2759" actId="20577"/>
+        <pc:chgData name="Vermeulen - van Gent, Sander" userId="e08259fd-81d2-4a86-9b20-28ba02d67a18" providerId="ADAL" clId="{CD1B3BBE-56CC-4974-BC5E-9FCD75B07556}" dt="2026-01-07T18:05:38.979" v="2770" actId="14100"/>
         <pc:sldMasterMkLst>
           <pc:docMk/>
           <pc:sldMasterMk cId="582609979" sldId="2147483648"/>
         </pc:sldMasterMkLst>
-        <pc:sldLayoutChg chg="addSp delSp modSp mod">
-          <pc:chgData name="Vermeulen - van Gent, Sander" userId="e08259fd-81d2-4a86-9b20-28ba02d67a18" providerId="ADAL" clId="{CD1B3BBE-56CC-4974-BC5E-9FCD75B07556}" dt="2025-11-20T13:44:23.332" v="2649" actId="1076"/>
-          <pc:sldLayoutMkLst>
-            <pc:docMk/>
-            <pc:sldMasterMk cId="582609979" sldId="2147483648"/>
-            <pc:sldLayoutMk cId="585029964" sldId="2147483654"/>
-          </pc:sldLayoutMkLst>
-          <pc:spChg chg="mod">
-            <ac:chgData name="Vermeulen - van Gent, Sander" userId="e08259fd-81d2-4a86-9b20-28ba02d67a18" providerId="ADAL" clId="{CD1B3BBE-56CC-4974-BC5E-9FCD75B07556}" dt="2025-11-17T14:29:51.749" v="2339" actId="20577"/>
-            <ac:spMkLst>
-              <pc:docMk/>
-              <pc:sldMasterMk cId="582609979" sldId="2147483648"/>
-              <pc:sldLayoutMk cId="585029964" sldId="2147483654"/>
-              <ac:spMk id="7" creationId="{AA0CA219-2428-2DC8-8B60-DFF85A1CC921}"/>
-            </ac:spMkLst>
-          </pc:spChg>
-          <pc:spChg chg="mod">
-            <ac:chgData name="Vermeulen - van Gent, Sander" userId="e08259fd-81d2-4a86-9b20-28ba02d67a18" providerId="ADAL" clId="{CD1B3BBE-56CC-4974-BC5E-9FCD75B07556}" dt="2025-11-20T13:44:23.035" v="2648" actId="1076"/>
-            <ac:spMkLst>
-              <pc:docMk/>
-              <pc:sldMasterMk cId="582609979" sldId="2147483648"/>
-              <pc:sldLayoutMk cId="585029964" sldId="2147483654"/>
-              <ac:spMk id="11" creationId="{9A854317-E31C-6BC1-5B71-F076BEBBBF41}"/>
-            </ac:spMkLst>
-          </pc:spChg>
-          <pc:picChg chg="add mod">
-            <ac:chgData name="Vermeulen - van Gent, Sander" userId="e08259fd-81d2-4a86-9b20-28ba02d67a18" providerId="ADAL" clId="{CD1B3BBE-56CC-4974-BC5E-9FCD75B07556}" dt="2025-11-20T13:44:23.332" v="2649" actId="1076"/>
-            <ac:picMkLst>
-              <pc:docMk/>
-              <pc:sldMasterMk cId="582609979" sldId="2147483648"/>
-              <pc:sldLayoutMk cId="585029964" sldId="2147483654"/>
-              <ac:picMk id="2" creationId="{9E694703-6FF2-B7E3-6462-431B2CE255CF}"/>
-            </ac:picMkLst>
-          </pc:picChg>
-        </pc:sldLayoutChg>
         <pc:sldLayoutChg chg="addSp modSp mod">
-          <pc:chgData name="Vermeulen - van Gent, Sander" userId="e08259fd-81d2-4a86-9b20-28ba02d67a18" providerId="ADAL" clId="{CD1B3BBE-56CC-4974-BC5E-9FCD75B07556}" dt="2025-12-15T12:05:30.806" v="2740" actId="20577"/>
+          <pc:chgData name="Vermeulen - van Gent, Sander" userId="e08259fd-81d2-4a86-9b20-28ba02d67a18" providerId="ADAL" clId="{CD1B3BBE-56CC-4974-BC5E-9FCD75B07556}" dt="2026-01-07T18:05:38.979" v="2770" actId="14100"/>
           <pc:sldLayoutMkLst>
             <pc:docMk/>
             <pc:sldMasterMk cId="582609979" sldId="2147483648"/>
             <pc:sldLayoutMk cId="1058498703" sldId="2147483665"/>
           </pc:sldLayoutMkLst>
+          <pc:spChg chg="mod">
+            <ac:chgData name="Vermeulen - van Gent, Sander" userId="e08259fd-81d2-4a86-9b20-28ba02d67a18" providerId="ADAL" clId="{CD1B3BBE-56CC-4974-BC5E-9FCD75B07556}" dt="2026-01-07T18:05:38.979" v="2770" actId="14100"/>
+            <ac:spMkLst>
+              <pc:docMk/>
+              <pc:sldMasterMk cId="582609979" sldId="2147483648"/>
+              <pc:sldLayoutMk cId="1058498703" sldId="2147483665"/>
+              <ac:spMk id="8" creationId="{3A2A39C7-5342-D2BD-DCFF-D6D224422930}"/>
+            </ac:spMkLst>
+          </pc:spChg>
           <pc:spChg chg="mod">
             <ac:chgData name="Vermeulen - van Gent, Sander" userId="e08259fd-81d2-4a86-9b20-28ba02d67a18" providerId="ADAL" clId="{CD1B3BBE-56CC-4974-BC5E-9FCD75B07556}" dt="2025-12-15T12:05:30.806" v="2740" actId="20577"/>
             <ac:spMkLst>
@@ -233,164 +199,6 @@
               <pc:sldMasterMk cId="582609979" sldId="2147483648"/>
               <pc:sldLayoutMk cId="1058498703" sldId="2147483665"/>
               <ac:spMk id="16" creationId="{39DA7E63-F8DB-69F2-E53A-B92720D0DB73}"/>
-            </ac:spMkLst>
-          </pc:spChg>
-          <pc:spChg chg="mod">
-            <ac:chgData name="Vermeulen - van Gent, Sander" userId="e08259fd-81d2-4a86-9b20-28ba02d67a18" providerId="ADAL" clId="{CD1B3BBE-56CC-4974-BC5E-9FCD75B07556}" dt="2025-11-17T14:33:25.936" v="2341" actId="20577"/>
-            <ac:spMkLst>
-              <pc:docMk/>
-              <pc:sldMasterMk cId="582609979" sldId="2147483648"/>
-              <pc:sldLayoutMk cId="1058498703" sldId="2147483665"/>
-              <ac:spMk id="29" creationId="{665FFA3C-9688-3102-AB45-7828DF662A5A}"/>
-            </ac:spMkLst>
-          </pc:spChg>
-        </pc:sldLayoutChg>
-        <pc:sldLayoutChg chg="modSp mod">
-          <pc:chgData name="Vermeulen - van Gent, Sander" userId="e08259fd-81d2-4a86-9b20-28ba02d67a18" providerId="ADAL" clId="{CD1B3BBE-56CC-4974-BC5E-9FCD75B07556}" dt="2025-11-17T14:39:55.860" v="2536" actId="20577"/>
-          <pc:sldLayoutMkLst>
-            <pc:docMk/>
-            <pc:sldMasterMk cId="582609979" sldId="2147483648"/>
-            <pc:sldLayoutMk cId="2741440439" sldId="2147483670"/>
-          </pc:sldLayoutMkLst>
-          <pc:spChg chg="mod">
-            <ac:chgData name="Vermeulen - van Gent, Sander" userId="e08259fd-81d2-4a86-9b20-28ba02d67a18" providerId="ADAL" clId="{CD1B3BBE-56CC-4974-BC5E-9FCD75B07556}" dt="2025-11-17T14:36:53.493" v="2370" actId="20577"/>
-            <ac:spMkLst>
-              <pc:docMk/>
-              <pc:sldMasterMk cId="582609979" sldId="2147483648"/>
-              <pc:sldLayoutMk cId="2741440439" sldId="2147483670"/>
-              <ac:spMk id="6" creationId="{4EAC207B-BCCF-77A4-81E3-986E436F98C2}"/>
-            </ac:spMkLst>
-          </pc:spChg>
-          <pc:spChg chg="mod">
-            <ac:chgData name="Vermeulen - van Gent, Sander" userId="e08259fd-81d2-4a86-9b20-28ba02d67a18" providerId="ADAL" clId="{CD1B3BBE-56CC-4974-BC5E-9FCD75B07556}" dt="2025-11-17T14:39:55.860" v="2536" actId="20577"/>
-            <ac:spMkLst>
-              <pc:docMk/>
-              <pc:sldMasterMk cId="582609979" sldId="2147483648"/>
-              <pc:sldLayoutMk cId="2741440439" sldId="2147483670"/>
-              <ac:spMk id="13" creationId="{FFC755C8-10C8-9F86-DCD8-6BB57DFFE2DA}"/>
-            </ac:spMkLst>
-          </pc:spChg>
-          <pc:spChg chg="mod">
-            <ac:chgData name="Vermeulen - van Gent, Sander" userId="e08259fd-81d2-4a86-9b20-28ba02d67a18" providerId="ADAL" clId="{CD1B3BBE-56CC-4974-BC5E-9FCD75B07556}" dt="2025-11-17T14:37:01.099" v="2372"/>
-            <ac:spMkLst>
-              <pc:docMk/>
-              <pc:sldMasterMk cId="582609979" sldId="2147483648"/>
-              <pc:sldLayoutMk cId="2741440439" sldId="2147483670"/>
-              <ac:spMk id="27" creationId="{518AEBD8-0E60-31D4-1F3F-56FA548C5E98}"/>
-            </ac:spMkLst>
-          </pc:spChg>
-          <pc:spChg chg="mod">
-            <ac:chgData name="Vermeulen - van Gent, Sander" userId="e08259fd-81d2-4a86-9b20-28ba02d67a18" providerId="ADAL" clId="{CD1B3BBE-56CC-4974-BC5E-9FCD75B07556}" dt="2025-11-17T14:36:59.873" v="2371"/>
-            <ac:spMkLst>
-              <pc:docMk/>
-              <pc:sldMasterMk cId="582609979" sldId="2147483648"/>
-              <pc:sldLayoutMk cId="2741440439" sldId="2147483670"/>
-              <ac:spMk id="29" creationId="{56270841-FB69-318B-9A0B-1A98D5DC2003}"/>
-            </ac:spMkLst>
-          </pc:spChg>
-        </pc:sldLayoutChg>
-        <pc:sldLayoutChg chg="modSp mod">
-          <pc:chgData name="Vermeulen - van Gent, Sander" userId="e08259fd-81d2-4a86-9b20-28ba02d67a18" providerId="ADAL" clId="{CD1B3BBE-56CC-4974-BC5E-9FCD75B07556}" dt="2025-11-20T13:12:47.387" v="2630" actId="14100"/>
-          <pc:sldLayoutMkLst>
-            <pc:docMk/>
-            <pc:sldMasterMk cId="582609979" sldId="2147483648"/>
-            <pc:sldLayoutMk cId="2086029293" sldId="2147483676"/>
-          </pc:sldLayoutMkLst>
-          <pc:spChg chg="mod ord">
-            <ac:chgData name="Vermeulen - van Gent, Sander" userId="e08259fd-81d2-4a86-9b20-28ba02d67a18" providerId="ADAL" clId="{CD1B3BBE-56CC-4974-BC5E-9FCD75B07556}" dt="2025-11-20T12:10:53.942" v="2612" actId="13244"/>
-            <ac:spMkLst>
-              <pc:docMk/>
-              <pc:sldMasterMk cId="582609979" sldId="2147483648"/>
-              <pc:sldLayoutMk cId="2086029293" sldId="2147483676"/>
-              <ac:spMk id="6" creationId="{68CBF841-FAF0-2946-073C-8823C059A383}"/>
-            </ac:spMkLst>
-          </pc:spChg>
-          <pc:spChg chg="mod">
-            <ac:chgData name="Vermeulen - van Gent, Sander" userId="e08259fd-81d2-4a86-9b20-28ba02d67a18" providerId="ADAL" clId="{CD1B3BBE-56CC-4974-BC5E-9FCD75B07556}" dt="2025-11-20T13:12:47.387" v="2630" actId="14100"/>
-            <ac:spMkLst>
-              <pc:docMk/>
-              <pc:sldMasterMk cId="582609979" sldId="2147483648"/>
-              <pc:sldLayoutMk cId="2086029293" sldId="2147483676"/>
-              <ac:spMk id="8" creationId="{4165A685-B37E-8373-787F-B56A2C992087}"/>
-            </ac:spMkLst>
-          </pc:spChg>
-          <pc:spChg chg="mod">
-            <ac:chgData name="Vermeulen - van Gent, Sander" userId="e08259fd-81d2-4a86-9b20-28ba02d67a18" providerId="ADAL" clId="{CD1B3BBE-56CC-4974-BC5E-9FCD75B07556}" dt="2025-11-20T12:10:18.066" v="2609" actId="1076"/>
-            <ac:spMkLst>
-              <pc:docMk/>
-              <pc:sldMasterMk cId="582609979" sldId="2147483648"/>
-              <pc:sldLayoutMk cId="2086029293" sldId="2147483676"/>
-              <ac:spMk id="27" creationId="{F46604A6-92C3-5845-3E5C-43884823D5FC}"/>
-            </ac:spMkLst>
-          </pc:spChg>
-          <pc:spChg chg="mod ord">
-            <ac:chgData name="Vermeulen - van Gent, Sander" userId="e08259fd-81d2-4a86-9b20-28ba02d67a18" providerId="ADAL" clId="{CD1B3BBE-56CC-4974-BC5E-9FCD75B07556}" dt="2025-11-20T12:11:02.046" v="2613" actId="13244"/>
-            <ac:spMkLst>
-              <pc:docMk/>
-              <pc:sldMasterMk cId="582609979" sldId="2147483648"/>
-              <pc:sldLayoutMk cId="2086029293" sldId="2147483676"/>
-              <ac:spMk id="35" creationId="{531B1E78-72B5-EE4D-AFDB-2FEE2F067F43}"/>
-            </ac:spMkLst>
-          </pc:spChg>
-          <pc:spChg chg="mod">
-            <ac:chgData name="Vermeulen - van Gent, Sander" userId="e08259fd-81d2-4a86-9b20-28ba02d67a18" providerId="ADAL" clId="{CD1B3BBE-56CC-4974-BC5E-9FCD75B07556}" dt="2025-11-20T12:10:18.066" v="2609" actId="1076"/>
-            <ac:spMkLst>
-              <pc:docMk/>
-              <pc:sldMasterMk cId="582609979" sldId="2147483648"/>
-              <pc:sldLayoutMk cId="2086029293" sldId="2147483676"/>
-              <ac:spMk id="36" creationId="{B223FDE4-8A64-71A3-A186-78367F67A8E7}"/>
-            </ac:spMkLst>
-          </pc:spChg>
-          <pc:spChg chg="mod ord">
-            <ac:chgData name="Vermeulen - van Gent, Sander" userId="e08259fd-81d2-4a86-9b20-28ba02d67a18" providerId="ADAL" clId="{CD1B3BBE-56CC-4974-BC5E-9FCD75B07556}" dt="2025-11-20T12:11:03.453" v="2614" actId="13244"/>
-            <ac:spMkLst>
-              <pc:docMk/>
-              <pc:sldMasterMk cId="582609979" sldId="2147483648"/>
-              <pc:sldLayoutMk cId="2086029293" sldId="2147483676"/>
-              <ac:spMk id="37" creationId="{18913CE2-45CB-5F31-B1B9-EA8AC4297BB3}"/>
-            </ac:spMkLst>
-          </pc:spChg>
-        </pc:sldLayoutChg>
-        <pc:sldLayoutChg chg="modSp mod">
-          <pc:chgData name="Vermeulen - van Gent, Sander" userId="e08259fd-81d2-4a86-9b20-28ba02d67a18" providerId="ADAL" clId="{CD1B3BBE-56CC-4974-BC5E-9FCD75B07556}" dt="2025-11-17T14:57:44.373" v="2538" actId="20577"/>
-          <pc:sldLayoutMkLst>
-            <pc:docMk/>
-            <pc:sldMasterMk cId="582609979" sldId="2147483648"/>
-            <pc:sldLayoutMk cId="601542519" sldId="2147483679"/>
-          </pc:sldLayoutMkLst>
-          <pc:spChg chg="mod">
-            <ac:chgData name="Vermeulen - van Gent, Sander" userId="e08259fd-81d2-4a86-9b20-28ba02d67a18" providerId="ADAL" clId="{CD1B3BBE-56CC-4974-BC5E-9FCD75B07556}" dt="2025-11-17T14:57:44.373" v="2538" actId="20577"/>
-            <ac:spMkLst>
-              <pc:docMk/>
-              <pc:sldMasterMk cId="582609979" sldId="2147483648"/>
-              <pc:sldLayoutMk cId="601542519" sldId="2147483679"/>
-              <ac:spMk id="12" creationId="{8E0FD42C-CA00-77DA-617E-D7FEC7CA8C8F}"/>
-            </ac:spMkLst>
-          </pc:spChg>
-        </pc:sldLayoutChg>
-        <pc:sldLayoutChg chg="addSp modSp mod">
-          <pc:chgData name="Vermeulen - van Gent, Sander" userId="e08259fd-81d2-4a86-9b20-28ba02d67a18" providerId="ADAL" clId="{CD1B3BBE-56CC-4974-BC5E-9FCD75B07556}" dt="2025-11-27T15:30:40.549" v="2733" actId="14100"/>
-          <pc:sldLayoutMkLst>
-            <pc:docMk/>
-            <pc:sldMasterMk cId="582609979" sldId="2147483648"/>
-            <pc:sldLayoutMk cId="524280792" sldId="2147483680"/>
-          </pc:sldLayoutMkLst>
-          <pc:spChg chg="add mod ord">
-            <ac:chgData name="Vermeulen - van Gent, Sander" userId="e08259fd-81d2-4a86-9b20-28ba02d67a18" providerId="ADAL" clId="{CD1B3BBE-56CC-4974-BC5E-9FCD75B07556}" dt="2025-11-27T15:30:40.549" v="2733" actId="14100"/>
-            <ac:spMkLst>
-              <pc:docMk/>
-              <pc:sldMasterMk cId="582609979" sldId="2147483648"/>
-              <pc:sldLayoutMk cId="524280792" sldId="2147483680"/>
-              <ac:spMk id="3" creationId="{00D1D884-A52A-52FD-DF81-B99BF44D32F5}"/>
-            </ac:spMkLst>
-          </pc:spChg>
-          <pc:spChg chg="add mod ord">
-            <ac:chgData name="Vermeulen - van Gent, Sander" userId="e08259fd-81d2-4a86-9b20-28ba02d67a18" providerId="ADAL" clId="{CD1B3BBE-56CC-4974-BC5E-9FCD75B07556}" dt="2025-11-27T15:30:38.313" v="2729" actId="14100"/>
-            <ac:spMkLst>
-              <pc:docMk/>
-              <pc:sldMasterMk cId="582609979" sldId="2147483648"/>
-              <pc:sldLayoutMk cId="524280792" sldId="2147483680"/>
-              <ac:spMk id="8" creationId="{A1FC8AB9-282E-4D92-B3FA-720E868B66F1}"/>
             </ac:spMkLst>
           </pc:spChg>
         </pc:sldLayoutChg>
@@ -411,85 +219,6 @@
             </ac:spMkLst>
           </pc:spChg>
         </pc:sldLayoutChg>
-        <pc:sldLayoutChg chg="addSp delSp modSp mod">
-          <pc:chgData name="Vermeulen - van Gent, Sander" userId="e08259fd-81d2-4a86-9b20-28ba02d67a18" providerId="ADAL" clId="{CD1B3BBE-56CC-4974-BC5E-9FCD75B07556}" dt="2025-11-27T14:36:34.968" v="2725" actId="1076"/>
-          <pc:sldLayoutMkLst>
-            <pc:docMk/>
-            <pc:sldMasterMk cId="582609979" sldId="2147483648"/>
-            <pc:sldLayoutMk cId="564728142" sldId="2147483700"/>
-          </pc:sldLayoutMkLst>
-          <pc:spChg chg="add mod">
-            <ac:chgData name="Vermeulen - van Gent, Sander" userId="e08259fd-81d2-4a86-9b20-28ba02d67a18" providerId="ADAL" clId="{CD1B3BBE-56CC-4974-BC5E-9FCD75B07556}" dt="2025-11-17T15:12:05.644" v="2554" actId="20577"/>
-            <ac:spMkLst>
-              <pc:docMk/>
-              <pc:sldMasterMk cId="582609979" sldId="2147483648"/>
-              <pc:sldLayoutMk cId="564728142" sldId="2147483700"/>
-              <ac:spMk id="2" creationId="{D58FCCE2-B6C0-B248-DA9E-969396D57D8F}"/>
-            </ac:spMkLst>
-          </pc:spChg>
-          <pc:spChg chg="add mod">
-            <ac:chgData name="Vermeulen - van Gent, Sander" userId="e08259fd-81d2-4a86-9b20-28ba02d67a18" providerId="ADAL" clId="{CD1B3BBE-56CC-4974-BC5E-9FCD75B07556}" dt="2025-11-27T14:36:34.968" v="2725" actId="1076"/>
-            <ac:spMkLst>
-              <pc:docMk/>
-              <pc:sldMasterMk cId="582609979" sldId="2147483648"/>
-              <pc:sldLayoutMk cId="564728142" sldId="2147483700"/>
-              <ac:spMk id="3" creationId="{6EE87308-33CA-2878-A75D-11BF28AB92FA}"/>
-            </ac:spMkLst>
-          </pc:spChg>
-          <pc:spChg chg="add mod">
-            <ac:chgData name="Vermeulen - van Gent, Sander" userId="e08259fd-81d2-4a86-9b20-28ba02d67a18" providerId="ADAL" clId="{CD1B3BBE-56CC-4974-BC5E-9FCD75B07556}" dt="2025-11-20T13:12:32.555" v="2626" actId="14100"/>
-            <ac:spMkLst>
-              <pc:docMk/>
-              <pc:sldMasterMk cId="582609979" sldId="2147483648"/>
-              <pc:sldLayoutMk cId="564728142" sldId="2147483700"/>
-              <ac:spMk id="4" creationId="{8CA6D203-86AF-EF80-157D-00777785211C}"/>
-            </ac:spMkLst>
-          </pc:spChg>
-          <pc:spChg chg="add mod">
-            <ac:chgData name="Vermeulen - van Gent, Sander" userId="e08259fd-81d2-4a86-9b20-28ba02d67a18" providerId="ADAL" clId="{CD1B3BBE-56CC-4974-BC5E-9FCD75B07556}" dt="2025-11-17T15:14:11.478" v="2558" actId="1076"/>
-            <ac:spMkLst>
-              <pc:docMk/>
-              <pc:sldMasterMk cId="582609979" sldId="2147483648"/>
-              <pc:sldLayoutMk cId="564728142" sldId="2147483700"/>
-              <ac:spMk id="5" creationId="{16E6BED0-F8BF-FF69-DE41-21217B5C00CE}"/>
-            </ac:spMkLst>
-          </pc:spChg>
-          <pc:spChg chg="add mod">
-            <ac:chgData name="Vermeulen - van Gent, Sander" userId="e08259fd-81d2-4a86-9b20-28ba02d67a18" providerId="ADAL" clId="{CD1B3BBE-56CC-4974-BC5E-9FCD75B07556}" dt="2025-11-17T15:13:51.700" v="2556" actId="1076"/>
-            <ac:spMkLst>
-              <pc:docMk/>
-              <pc:sldMasterMk cId="582609979" sldId="2147483648"/>
-              <pc:sldLayoutMk cId="564728142" sldId="2147483700"/>
-              <ac:spMk id="6" creationId="{DC75E26F-AD6F-F827-3A87-3FEB28179AC1}"/>
-            </ac:spMkLst>
-          </pc:spChg>
-          <pc:spChg chg="add mod ord">
-            <ac:chgData name="Vermeulen - van Gent, Sander" userId="e08259fd-81d2-4a86-9b20-28ba02d67a18" providerId="ADAL" clId="{CD1B3BBE-56CC-4974-BC5E-9FCD75B07556}" dt="2025-11-20T13:12:32.555" v="2626" actId="14100"/>
-            <ac:spMkLst>
-              <pc:docMk/>
-              <pc:sldMasterMk cId="582609979" sldId="2147483648"/>
-              <pc:sldLayoutMk cId="564728142" sldId="2147483700"/>
-              <ac:spMk id="8" creationId="{B02FC404-4473-0363-1856-FEE068E7E979}"/>
-            </ac:spMkLst>
-          </pc:spChg>
-        </pc:sldLayoutChg>
-        <pc:sldLayoutChg chg="addSp delSp modSp mod">
-          <pc:chgData name="Vermeulen - van Gent, Sander" userId="e08259fd-81d2-4a86-9b20-28ba02d67a18" providerId="ADAL" clId="{CD1B3BBE-56CC-4974-BC5E-9FCD75B07556}" dt="2025-11-17T15:09:05.443" v="2540" actId="20577"/>
-          <pc:sldLayoutMkLst>
-            <pc:docMk/>
-            <pc:sldMasterMk cId="582609979" sldId="2147483648"/>
-            <pc:sldLayoutMk cId="4152737749" sldId="2147483701"/>
-          </pc:sldLayoutMkLst>
-          <pc:spChg chg="mod">
-            <ac:chgData name="Vermeulen - van Gent, Sander" userId="e08259fd-81d2-4a86-9b20-28ba02d67a18" providerId="ADAL" clId="{CD1B3BBE-56CC-4974-BC5E-9FCD75B07556}" dt="2025-11-17T15:09:05.443" v="2540" actId="20577"/>
-            <ac:spMkLst>
-              <pc:docMk/>
-              <pc:sldMasterMk cId="582609979" sldId="2147483648"/>
-              <pc:sldLayoutMk cId="4152737749" sldId="2147483701"/>
-              <ac:spMk id="2" creationId="{6F19E014-4ACE-EB8C-D81A-6956EF3C72F5}"/>
-            </ac:spMkLst>
-          </pc:spChg>
-        </pc:sldLayoutChg>
         <pc:sldLayoutChg chg="addSp modSp mod">
           <pc:chgData name="Vermeulen - van Gent, Sander" userId="e08259fd-81d2-4a86-9b20-28ba02d67a18" providerId="ADAL" clId="{CD1B3BBE-56CC-4974-BC5E-9FCD75B07556}" dt="2025-12-17T14:41:24.643" v="2759" actId="20577"/>
           <pc:sldLayoutMkLst>
@@ -498,100 +227,12 @@
             <pc:sldLayoutMk cId="2055947998" sldId="2147483702"/>
           </pc:sldLayoutMkLst>
           <pc:spChg chg="mod">
-            <ac:chgData name="Vermeulen - van Gent, Sander" userId="e08259fd-81d2-4a86-9b20-28ba02d67a18" providerId="ADAL" clId="{CD1B3BBE-56CC-4974-BC5E-9FCD75B07556}" dt="2025-11-27T13:37:41.674" v="2719" actId="1076"/>
-            <ac:spMkLst>
-              <pc:docMk/>
-              <pc:sldMasterMk cId="582609979" sldId="2147483648"/>
-              <pc:sldLayoutMk cId="2055947998" sldId="2147483702"/>
-              <ac:spMk id="4" creationId="{3E07DD97-A27C-5F5F-D1D5-3FB81C6DC42D}"/>
-            </ac:spMkLst>
-          </pc:spChg>
-          <pc:spChg chg="add mod ord">
-            <ac:chgData name="Vermeulen - van Gent, Sander" userId="e08259fd-81d2-4a86-9b20-28ba02d67a18" providerId="ADAL" clId="{CD1B3BBE-56CC-4974-BC5E-9FCD75B07556}" dt="2025-11-27T13:37:49.237" v="2721" actId="1076"/>
-            <ac:spMkLst>
-              <pc:docMk/>
-              <pc:sldMasterMk cId="582609979" sldId="2147483648"/>
-              <pc:sldLayoutMk cId="2055947998" sldId="2147483702"/>
-              <ac:spMk id="5" creationId="{7C6D467A-5799-9402-B402-F4834EAC4D6A}"/>
-            </ac:spMkLst>
-          </pc:spChg>
-          <pc:spChg chg="mod">
             <ac:chgData name="Vermeulen - van Gent, Sander" userId="e08259fd-81d2-4a86-9b20-28ba02d67a18" providerId="ADAL" clId="{CD1B3BBE-56CC-4974-BC5E-9FCD75B07556}" dt="2025-12-17T14:41:24.643" v="2759" actId="20577"/>
             <ac:spMkLst>
               <pc:docMk/>
               <pc:sldMasterMk cId="582609979" sldId="2147483648"/>
               <pc:sldLayoutMk cId="2055947998" sldId="2147483702"/>
               <ac:spMk id="8" creationId="{3C8F669A-71CF-F754-4D64-9D86B65DA924}"/>
-            </ac:spMkLst>
-          </pc:spChg>
-        </pc:sldLayoutChg>
-        <pc:sldLayoutChg chg="addSp modSp mod">
-          <pc:chgData name="Vermeulen - van Gent, Sander" userId="e08259fd-81d2-4a86-9b20-28ba02d67a18" providerId="ADAL" clId="{CD1B3BBE-56CC-4974-BC5E-9FCD75B07556}" dt="2025-11-20T13:13:23.182" v="2639" actId="14100"/>
-          <pc:sldLayoutMkLst>
-            <pc:docMk/>
-            <pc:sldMasterMk cId="582609979" sldId="2147483648"/>
-            <pc:sldLayoutMk cId="909363416" sldId="2147483703"/>
-          </pc:sldLayoutMkLst>
-          <pc:spChg chg="add mod">
-            <ac:chgData name="Vermeulen - van Gent, Sander" userId="e08259fd-81d2-4a86-9b20-28ba02d67a18" providerId="ADAL" clId="{CD1B3BBE-56CC-4974-BC5E-9FCD75B07556}" dt="2025-11-17T15:09:37.400" v="2541" actId="6549"/>
-            <ac:spMkLst>
-              <pc:docMk/>
-              <pc:sldMasterMk cId="582609979" sldId="2147483648"/>
-              <pc:sldLayoutMk cId="909363416" sldId="2147483703"/>
-              <ac:spMk id="2" creationId="{5B3E4CA9-82B1-A3B3-92A5-A131A90967E0}"/>
-            </ac:spMkLst>
-          </pc:spChg>
-          <pc:spChg chg="add mod">
-            <ac:chgData name="Vermeulen - van Gent, Sander" userId="e08259fd-81d2-4a86-9b20-28ba02d67a18" providerId="ADAL" clId="{CD1B3BBE-56CC-4974-BC5E-9FCD75B07556}" dt="2025-11-20T13:13:23.182" v="2639" actId="14100"/>
-            <ac:spMkLst>
-              <pc:docMk/>
-              <pc:sldMasterMk cId="582609979" sldId="2147483648"/>
-              <pc:sldLayoutMk cId="909363416" sldId="2147483703"/>
-              <ac:spMk id="3" creationId="{A2687672-9964-D557-D860-28C67812CCA5}"/>
-            </ac:spMkLst>
-          </pc:spChg>
-          <pc:spChg chg="add mod">
-            <ac:chgData name="Vermeulen - van Gent, Sander" userId="e08259fd-81d2-4a86-9b20-28ba02d67a18" providerId="ADAL" clId="{CD1B3BBE-56CC-4974-BC5E-9FCD75B07556}" dt="2025-11-20T13:13:23.182" v="2639" actId="14100"/>
-            <ac:spMkLst>
-              <pc:docMk/>
-              <pc:sldMasterMk cId="582609979" sldId="2147483648"/>
-              <pc:sldLayoutMk cId="909363416" sldId="2147483703"/>
-              <ac:spMk id="4" creationId="{69546AAF-C443-7F8C-3755-18DF276F3471}"/>
-            </ac:spMkLst>
-          </pc:spChg>
-          <pc:spChg chg="add mod ord">
-            <ac:chgData name="Vermeulen - van Gent, Sander" userId="e08259fd-81d2-4a86-9b20-28ba02d67a18" providerId="ADAL" clId="{CD1B3BBE-56CC-4974-BC5E-9FCD75B07556}" dt="2025-11-20T13:13:23.182" v="2639" actId="14100"/>
-            <ac:spMkLst>
-              <pc:docMk/>
-              <pc:sldMasterMk cId="582609979" sldId="2147483648"/>
-              <pc:sldLayoutMk cId="909363416" sldId="2147483703"/>
-              <ac:spMk id="5" creationId="{B4A12C97-F124-01C8-F5B9-A2E73D83D531}"/>
-            </ac:spMkLst>
-          </pc:spChg>
-          <pc:spChg chg="add mod">
-            <ac:chgData name="Vermeulen - van Gent, Sander" userId="e08259fd-81d2-4a86-9b20-28ba02d67a18" providerId="ADAL" clId="{CD1B3BBE-56CC-4974-BC5E-9FCD75B07556}" dt="2025-11-20T13:13:23.182" v="2639" actId="14100"/>
-            <ac:spMkLst>
-              <pc:docMk/>
-              <pc:sldMasterMk cId="582609979" sldId="2147483648"/>
-              <pc:sldLayoutMk cId="909363416" sldId="2147483703"/>
-              <ac:spMk id="6" creationId="{24DCBB42-47D4-B9F1-BDDC-A9E5DEC5E50C}"/>
-            </ac:spMkLst>
-          </pc:spChg>
-        </pc:sldLayoutChg>
-        <pc:sldLayoutChg chg="addSp delSp modSp mod">
-          <pc:chgData name="Vermeulen - van Gent, Sander" userId="e08259fd-81d2-4a86-9b20-28ba02d67a18" providerId="ADAL" clId="{CD1B3BBE-56CC-4974-BC5E-9FCD75B07556}" dt="2025-11-20T13:13:11.807" v="2635" actId="1076"/>
-          <pc:sldLayoutMkLst>
-            <pc:docMk/>
-            <pc:sldMasterMk cId="582609979" sldId="2147483648"/>
-            <pc:sldLayoutMk cId="2083351600" sldId="2147483704"/>
-          </pc:sldLayoutMkLst>
-          <pc:spChg chg="add mod">
-            <ac:chgData name="Vermeulen - van Gent, Sander" userId="e08259fd-81d2-4a86-9b20-28ba02d67a18" providerId="ADAL" clId="{CD1B3BBE-56CC-4974-BC5E-9FCD75B07556}" dt="2025-11-20T13:13:11.807" v="2635" actId="1076"/>
-            <ac:spMkLst>
-              <pc:docMk/>
-              <pc:sldMasterMk cId="582609979" sldId="2147483648"/>
-              <pc:sldLayoutMk cId="2083351600" sldId="2147483704"/>
-              <ac:spMk id="16" creationId="{0F9F9524-C1C6-04F7-8DFD-6BCBFD4AD607}"/>
             </ac:spMkLst>
           </pc:spChg>
         </pc:sldLayoutChg>
@@ -695,7 +336,7 @@
           <a:p>
             <a:fld id="{BBEDBBAB-6028-4680-9556-A8238B314949}" type="datetimeFigureOut">
               <a:rPr lang="nl-NL" smtClean="0"/>
-              <a:t>17-12-2025</a:t>
+              <a:t>7-1-2026</a:t>
             </a:fld>
             <a:endParaRPr lang="nl-NL"/>
           </a:p>
@@ -871,7 +512,7 @@
           </a:lstStyle>
           <a:p>
             <a:fld id="{37F81271-B6F7-4A7E-8F6C-1E1DF4AA2733}" type="datetimeFigureOut">
-              <a:t>17-12-2025</a:t>
+              <a:t>7-1-2026</a:t>
             </a:fld>
             <a:endParaRPr lang="nl-NL"/>
           </a:p>
@@ -9939,8 +9580,8 @@
         </p:nvSpPr>
         <p:spPr>
           <a:xfrm>
-            <a:off x="9347498" y="2976525"/>
-            <a:ext cx="2382015" cy="400110"/>
+            <a:off x="9347499" y="2976525"/>
+            <a:ext cx="2378270" cy="400110"/>
           </a:xfrm>
           <a:prstGeom prst="rect">
             <a:avLst/>
@@ -9961,7 +9602,7 @@
                 <a:latin typeface="Century Gothic" panose="020B0502020202020204" pitchFamily="34" charset="0"/>
                 <a:cs typeface="Arial" panose="020B0604020202020204" pitchFamily="34" charset="0"/>
               </a:rPr>
-              <a:t>voelde zich soms tot (bijna) altijd eenzaam in de afgelopen 4 weken</a:t>
+              <a:t>voelde zich soms tot altijd eenzaam in de afgelopen 4 weken</a:t>
             </a:r>
           </a:p>
         </p:txBody>
@@ -17794,22 +17435,6 @@
 </file>
 
 <file path=customXml/item1.xml><?xml version="1.0" encoding="utf-8"?>
-<p:properties xmlns:p="http://schemas.microsoft.com/office/2006/metadata/properties" xmlns:xsi="http://www.w3.org/2001/XMLSchema-instance" xmlns:pc="http://schemas.microsoft.com/office/infopath/2007/PartnerControls">
-  <documentManagement>
-    <_ip_UnifiedCompliancePolicyUIAction xmlns="http://schemas.microsoft.com/sharepoint/v3" xsi:nil="true"/>
-    <lcf76f155ced4ddcb4097134ff3c332f xmlns="4e95bed8-6d15-4403-ad70-a53422338dca">
-      <Terms xmlns="http://schemas.microsoft.com/office/infopath/2007/PartnerControls"/>
-    </lcf76f155ced4ddcb4097134ff3c332f>
-    <_ip_UnifiedCompliancePolicyProperties xmlns="http://schemas.microsoft.com/sharepoint/v3" xsi:nil="true"/>
-    <TaxCatchAll xmlns="d045ab76-3bb7-45f5-ab41-d7b04aa0dc94" xsi:nil="true"/>
-    <TaxKeywordTaxHTField xmlns="d045ab76-3bb7-45f5-ab41-d7b04aa0dc94">
-      <Terms xmlns="http://schemas.microsoft.com/office/infopath/2007/PartnerControls"/>
-    </TaxKeywordTaxHTField>
-  </documentManagement>
-</p:properties>
-</file>
-
-<file path=customXml/item2.xml><?xml version="1.0" encoding="utf-8"?>
 <ct:contentTypeSchema xmlns:ct="http://schemas.microsoft.com/office/2006/metadata/contentType" xmlns:ma="http://schemas.microsoft.com/office/2006/metadata/properties/metaAttributes" ct:_="" ma:_="" ma:contentTypeName="Document" ma:contentTypeID="0x010100C4EA295FB1FB9547A73C9F5819D6E613" ma:contentTypeVersion="22" ma:contentTypeDescription="Een nieuw document maken." ma:contentTypeScope="" ma:versionID="e49181b65574406c5282aee675d2d615">
   <xsd:schema xmlns:xsd="http://www.w3.org/2001/XMLSchema" xmlns:xs="http://www.w3.org/2001/XMLSchema" xmlns:p="http://schemas.microsoft.com/office/2006/metadata/properties" xmlns:ns1="http://schemas.microsoft.com/sharepoint/v3" xmlns:ns2="4e95bed8-6d15-4403-ad70-a53422338dca" xmlns:ns3="10d3344f-2d16-43d9-a145-97142f5cb288" xmlns:ns4="d045ab76-3bb7-45f5-ab41-d7b04aa0dc94" targetNamespace="http://schemas.microsoft.com/office/2006/metadata/properties" ma:root="true" ma:fieldsID="cc6d884b6a76c93e77d17ea8b02330de" ns1:_="" ns2:_="" ns3:_="" ns4:_="">
     <xsd:import namespace="http://schemas.microsoft.com/sharepoint/v3"/>
@@ -18094,6 +17719,22 @@
 </ct:contentTypeSchema>
 </file>
 
+<file path=customXml/item2.xml><?xml version="1.0" encoding="utf-8"?>
+<p:properties xmlns:p="http://schemas.microsoft.com/office/2006/metadata/properties" xmlns:xsi="http://www.w3.org/2001/XMLSchema-instance" xmlns:pc="http://schemas.microsoft.com/office/infopath/2007/PartnerControls">
+  <documentManagement>
+    <_ip_UnifiedCompliancePolicyUIAction xmlns="http://schemas.microsoft.com/sharepoint/v3" xsi:nil="true"/>
+    <lcf76f155ced4ddcb4097134ff3c332f xmlns="4e95bed8-6d15-4403-ad70-a53422338dca">
+      <Terms xmlns="http://schemas.microsoft.com/office/infopath/2007/PartnerControls"/>
+    </lcf76f155ced4ddcb4097134ff3c332f>
+    <_ip_UnifiedCompliancePolicyProperties xmlns="http://schemas.microsoft.com/sharepoint/v3" xsi:nil="true"/>
+    <TaxCatchAll xmlns="d045ab76-3bb7-45f5-ab41-d7b04aa0dc94" xsi:nil="true"/>
+    <TaxKeywordTaxHTField xmlns="d045ab76-3bb7-45f5-ab41-d7b04aa0dc94">
+      <Terms xmlns="http://schemas.microsoft.com/office/infopath/2007/PartnerControls"/>
+    </TaxKeywordTaxHTField>
+  </documentManagement>
+</p:properties>
+</file>
+
 <file path=customXml/item3.xml><?xml version="1.0" encoding="utf-8"?>
 <?mso-contentType ?>
 <FormTemplates xmlns="http://schemas.microsoft.com/sharepoint/v3/contenttype/forms">
@@ -18104,25 +17745,6 @@
 </file>
 
 <file path=customXml/itemProps1.xml><?xml version="1.0" encoding="utf-8"?>
-<ds:datastoreItem xmlns:ds="http://schemas.openxmlformats.org/officeDocument/2006/customXml" ds:itemID="{428373FD-713A-4C43-B3FE-80F0E3D63506}">
-  <ds:schemaRefs>
-    <ds:schemaRef ds:uri="http://schemas.microsoft.com/office/2006/documentManagement/types"/>
-    <ds:schemaRef ds:uri="http://purl.org/dc/terms/"/>
-    <ds:schemaRef ds:uri="http://www.w3.org/XML/1998/namespace"/>
-    <ds:schemaRef ds:uri="http://schemas.microsoft.com/office/2006/metadata/properties"/>
-    <ds:schemaRef ds:uri="http://schemas.openxmlformats.org/package/2006/metadata/core-properties"/>
-    <ds:schemaRef ds:uri="http://schemas.microsoft.com/office/infopath/2007/PartnerControls"/>
-    <ds:schemaRef ds:uri="c1085ce0-992b-4e2c-bc8b-9e7e29361dd3"/>
-    <ds:schemaRef ds:uri="http://purl.org/dc/dcmitype/"/>
-    <ds:schemaRef ds:uri="http://purl.org/dc/elements/1.1/"/>
-    <ds:schemaRef ds:uri="http://schemas.microsoft.com/sharepoint/v3"/>
-    <ds:schemaRef ds:uri="4e95bed8-6d15-4403-ad70-a53422338dca"/>
-    <ds:schemaRef ds:uri="d045ab76-3bb7-45f5-ab41-d7b04aa0dc94"/>
-  </ds:schemaRefs>
-</ds:datastoreItem>
-</file>
-
-<file path=customXml/itemProps2.xml><?xml version="1.0" encoding="utf-8"?>
 <ds:datastoreItem xmlns:ds="http://schemas.openxmlformats.org/officeDocument/2006/customXml" ds:itemID="{4F1CF73A-4EA0-4141-87E3-9F6DA2499A43}">
   <ds:schemaRefs>
     <ds:schemaRef ds:uri="http://schemas.microsoft.com/office/2006/metadata/contentType"/>
@@ -18143,6 +17765,25 @@
 </ds:datastoreItem>
 </file>
 
+<file path=customXml/itemProps2.xml><?xml version="1.0" encoding="utf-8"?>
+<ds:datastoreItem xmlns:ds="http://schemas.openxmlformats.org/officeDocument/2006/customXml" ds:itemID="{428373FD-713A-4C43-B3FE-80F0E3D63506}">
+  <ds:schemaRefs>
+    <ds:schemaRef ds:uri="http://schemas.microsoft.com/office/2006/documentManagement/types"/>
+    <ds:schemaRef ds:uri="http://purl.org/dc/terms/"/>
+    <ds:schemaRef ds:uri="http://www.w3.org/XML/1998/namespace"/>
+    <ds:schemaRef ds:uri="http://schemas.microsoft.com/office/2006/metadata/properties"/>
+    <ds:schemaRef ds:uri="http://schemas.openxmlformats.org/package/2006/metadata/core-properties"/>
+    <ds:schemaRef ds:uri="http://schemas.microsoft.com/office/infopath/2007/PartnerControls"/>
+    <ds:schemaRef ds:uri="c1085ce0-992b-4e2c-bc8b-9e7e29361dd3"/>
+    <ds:schemaRef ds:uri="http://purl.org/dc/dcmitype/"/>
+    <ds:schemaRef ds:uri="http://purl.org/dc/elements/1.1/"/>
+    <ds:schemaRef ds:uri="http://schemas.microsoft.com/sharepoint/v3"/>
+    <ds:schemaRef ds:uri="4e95bed8-6d15-4403-ad70-a53422338dca"/>
+    <ds:schemaRef ds:uri="d045ab76-3bb7-45f5-ab41-d7b04aa0dc94"/>
+  </ds:schemaRefs>
+</ds:datastoreItem>
+</file>
+
 <file path=customXml/itemProps3.xml><?xml version="1.0" encoding="utf-8"?>
 <ds:datastoreItem xmlns:ds="http://schemas.openxmlformats.org/officeDocument/2006/customXml" ds:itemID="{D4797234-1F06-4080-A1F9-30DCE4CF2F06}">
   <ds:schemaRefs>

--- a/oko/template rapportage oko.pptx
+++ b/oko/template rapportage oko.pptx
@@ -6,10 +6,10 @@
     <p:sldMasterId id="2147483648" r:id="rId5"/>
   </p:sldMasterIdLst>
   <p:notesMasterIdLst>
-    <p:notesMasterId r:id="rId23"/>
+    <p:notesMasterId r:id="rId25"/>
   </p:notesMasterIdLst>
   <p:handoutMasterIdLst>
-    <p:handoutMasterId r:id="rId24"/>
+    <p:handoutMasterId r:id="rId26"/>
   </p:handoutMasterIdLst>
   <p:sldIdLst>
     <p:sldId id="286" r:id="rId6"/>
@@ -22,13 +22,15 @@
     <p:sldId id="289" r:id="rId13"/>
     <p:sldId id="292" r:id="rId14"/>
     <p:sldId id="293" r:id="rId15"/>
-    <p:sldId id="294" r:id="rId16"/>
-    <p:sldId id="295" r:id="rId17"/>
-    <p:sldId id="296" r:id="rId18"/>
-    <p:sldId id="297" r:id="rId19"/>
-    <p:sldId id="298" r:id="rId20"/>
-    <p:sldId id="299" r:id="rId21"/>
-    <p:sldId id="300" r:id="rId22"/>
+    <p:sldId id="301" r:id="rId16"/>
+    <p:sldId id="294" r:id="rId17"/>
+    <p:sldId id="295" r:id="rId18"/>
+    <p:sldId id="296" r:id="rId19"/>
+    <p:sldId id="297" r:id="rId20"/>
+    <p:sldId id="298" r:id="rId21"/>
+    <p:sldId id="299" r:id="rId22"/>
+    <p:sldId id="300" r:id="rId23"/>
+    <p:sldId id="302" r:id="rId24"/>
   </p:sldIdLst>
   <p:sldSz cx="12192000" cy="6858000"/>
   <p:notesSz cx="6858000" cy="9144000"/>
@@ -161,23 +163,70 @@
 </p188:authorLst>
 </file>
 
+<file path=ppt/revisionInfo.xml><?xml version="1.0" encoding="utf-8"?>
+<p1510:revInfo xmlns:a="http://schemas.openxmlformats.org/drawingml/2006/main" xmlns:r="http://schemas.openxmlformats.org/officeDocument/2006/relationships" xmlns:p1510="http://schemas.microsoft.com/office/powerpoint/2015/10/main">
+  <p1510:revLst>
+    <p1510:client id="{5EDEB3EF-581C-481D-8DB1-4BA11FF66E10}" v="9" dt="2026-01-15T13:54:05.234"/>
+  </p1510:revLst>
+</p1510:revInfo>
+</file>
+
 <file path=ppt/changesInfos/changesInfo1.xml><?xml version="1.0" encoding="utf-8"?>
 <pc:chgInfo xmlns:a="http://schemas.openxmlformats.org/drawingml/2006/main" xmlns:r="http://schemas.openxmlformats.org/officeDocument/2006/relationships" xmlns:ac="http://schemas.microsoft.com/office/drawing/2013/main/command" xmlns:pc="http://schemas.microsoft.com/office/powerpoint/2013/main/command">
   <pc:docChgLst>
     <pc:chgData name="Vermeulen - van Gent, Sander" userId="e08259fd-81d2-4a86-9b20-28ba02d67a18" providerId="ADAL" clId="{CD1B3BBE-56CC-4974-BC5E-9FCD75B07556}"/>
     <pc:docChg chg="undo custSel addSld delSld modSld modMainMaster">
-      <pc:chgData name="Vermeulen - van Gent, Sander" userId="e08259fd-81d2-4a86-9b20-28ba02d67a18" providerId="ADAL" clId="{CD1B3BBE-56CC-4974-BC5E-9FCD75B07556}" dt="2026-01-07T18:05:38.979" v="2770" actId="14100"/>
+      <pc:chgData name="Vermeulen - van Gent, Sander" userId="e08259fd-81d2-4a86-9b20-28ba02d67a18" providerId="ADAL" clId="{CD1B3BBE-56CC-4974-BC5E-9FCD75B07556}" dt="2026-01-28T21:42:54.224" v="2894" actId="14100"/>
       <pc:docMkLst>
         <pc:docMk/>
       </pc:docMkLst>
+      <pc:sldChg chg="addSp delSp modSp new mod modClrScheme chgLayout">
+        <pc:chgData name="Vermeulen - van Gent, Sander" userId="e08259fd-81d2-4a86-9b20-28ba02d67a18" providerId="ADAL" clId="{CD1B3BBE-56CC-4974-BC5E-9FCD75B07556}" dt="2026-01-15T13:43:01.192" v="2796" actId="478"/>
+        <pc:sldMkLst>
+          <pc:docMk/>
+          <pc:sldMk cId="1709752066" sldId="301"/>
+        </pc:sldMkLst>
+      </pc:sldChg>
+      <pc:sldChg chg="addSp delSp modSp new mod modClrScheme chgLayout">
+        <pc:chgData name="Vermeulen - van Gent, Sander" userId="e08259fd-81d2-4a86-9b20-28ba02d67a18" providerId="ADAL" clId="{CD1B3BBE-56CC-4974-BC5E-9FCD75B07556}" dt="2026-01-15T13:48:39.363" v="2887" actId="1076"/>
+        <pc:sldMkLst>
+          <pc:docMk/>
+          <pc:sldMk cId="1573809413" sldId="302"/>
+        </pc:sldMkLst>
+        <pc:spChg chg="add mod ord">
+          <ac:chgData name="Vermeulen - van Gent, Sander" userId="e08259fd-81d2-4a86-9b20-28ba02d67a18" providerId="ADAL" clId="{CD1B3BBE-56CC-4974-BC5E-9FCD75B07556}" dt="2026-01-15T13:48:39.363" v="2887" actId="1076"/>
+          <ac:spMkLst>
+            <pc:docMk/>
+            <pc:sldMk cId="1573809413" sldId="302"/>
+            <ac:spMk id="6" creationId="{417D7511-0ADB-1912-1524-CB1730A640E6}"/>
+          </ac:spMkLst>
+        </pc:spChg>
+      </pc:sldChg>
       <pc:sldMasterChg chg="addSldLayout modSldLayout">
-        <pc:chgData name="Vermeulen - van Gent, Sander" userId="e08259fd-81d2-4a86-9b20-28ba02d67a18" providerId="ADAL" clId="{CD1B3BBE-56CC-4974-BC5E-9FCD75B07556}" dt="2026-01-07T18:05:38.979" v="2770" actId="14100"/>
+        <pc:chgData name="Vermeulen - van Gent, Sander" userId="e08259fd-81d2-4a86-9b20-28ba02d67a18" providerId="ADAL" clId="{CD1B3BBE-56CC-4974-BC5E-9FCD75B07556}" dt="2026-01-28T21:42:54.224" v="2894" actId="14100"/>
         <pc:sldMasterMkLst>
           <pc:docMk/>
           <pc:sldMasterMk cId="582609979" sldId="2147483648"/>
         </pc:sldMasterMkLst>
+        <pc:sldLayoutChg chg="modSp">
+          <pc:chgData name="Vermeulen - van Gent, Sander" userId="e08259fd-81d2-4a86-9b20-28ba02d67a18" providerId="ADAL" clId="{CD1B3BBE-56CC-4974-BC5E-9FCD75B07556}" dt="2026-01-15T13:50:53.022" v="2888" actId="16037"/>
+          <pc:sldLayoutMkLst>
+            <pc:docMk/>
+            <pc:sldMasterMk cId="582609979" sldId="2147483648"/>
+            <pc:sldLayoutMk cId="2036413586" sldId="2147483653"/>
+          </pc:sldLayoutMkLst>
+          <pc:spChg chg="mod">
+            <ac:chgData name="Vermeulen - van Gent, Sander" userId="e08259fd-81d2-4a86-9b20-28ba02d67a18" providerId="ADAL" clId="{CD1B3BBE-56CC-4974-BC5E-9FCD75B07556}" dt="2026-01-15T13:50:53.022" v="2888" actId="16037"/>
+            <ac:spMkLst>
+              <pc:docMk/>
+              <pc:sldMasterMk cId="582609979" sldId="2147483648"/>
+              <pc:sldLayoutMk cId="2036413586" sldId="2147483653"/>
+              <ac:spMk id="11" creationId="{25BB0762-1AD0-F5A1-E01E-F53682EB8F5D}"/>
+            </ac:spMkLst>
+          </pc:spChg>
+        </pc:sldLayoutChg>
         <pc:sldLayoutChg chg="addSp modSp mod">
-          <pc:chgData name="Vermeulen - van Gent, Sander" userId="e08259fd-81d2-4a86-9b20-28ba02d67a18" providerId="ADAL" clId="{CD1B3BBE-56CC-4974-BC5E-9FCD75B07556}" dt="2026-01-07T18:05:38.979" v="2770" actId="14100"/>
+          <pc:chgData name="Vermeulen - van Gent, Sander" userId="e08259fd-81d2-4a86-9b20-28ba02d67a18" providerId="ADAL" clId="{CD1B3BBE-56CC-4974-BC5E-9FCD75B07556}" dt="2026-01-28T21:42:28.397" v="2892" actId="20577"/>
           <pc:sldLayoutMkLst>
             <pc:docMk/>
             <pc:sldMasterMk cId="582609979" sldId="2147483648"/>
@@ -193,7 +242,7 @@
             </ac:spMkLst>
           </pc:spChg>
           <pc:spChg chg="mod">
-            <ac:chgData name="Vermeulen - van Gent, Sander" userId="e08259fd-81d2-4a86-9b20-28ba02d67a18" providerId="ADAL" clId="{CD1B3BBE-56CC-4974-BC5E-9FCD75B07556}" dt="2025-12-15T12:05:30.806" v="2740" actId="20577"/>
+            <ac:chgData name="Vermeulen - van Gent, Sander" userId="e08259fd-81d2-4a86-9b20-28ba02d67a18" providerId="ADAL" clId="{CD1B3BBE-56CC-4974-BC5E-9FCD75B07556}" dt="2026-01-28T21:42:28.397" v="2892" actId="20577"/>
             <ac:spMkLst>
               <pc:docMk/>
               <pc:sldMasterMk cId="582609979" sldId="2147483648"/>
@@ -202,37 +251,148 @@
             </ac:spMkLst>
           </pc:spChg>
         </pc:sldLayoutChg>
-        <pc:sldLayoutChg chg="modSp mod">
-          <pc:chgData name="Vermeulen - van Gent, Sander" userId="e08259fd-81d2-4a86-9b20-28ba02d67a18" providerId="ADAL" clId="{CD1B3BBE-56CC-4974-BC5E-9FCD75B07556}" dt="2025-12-16T19:43:15.367" v="2741" actId="20577"/>
-          <pc:sldLayoutMkLst>
-            <pc:docMk/>
-            <pc:sldMasterMk cId="582609979" sldId="2147483648"/>
-            <pc:sldLayoutMk cId="1387212898" sldId="2147483682"/>
-          </pc:sldLayoutMkLst>
-          <pc:spChg chg="mod">
-            <ac:chgData name="Vermeulen - van Gent, Sander" userId="e08259fd-81d2-4a86-9b20-28ba02d67a18" providerId="ADAL" clId="{CD1B3BBE-56CC-4974-BC5E-9FCD75B07556}" dt="2025-12-16T19:43:15.367" v="2741" actId="20577"/>
-            <ac:spMkLst>
-              <pc:docMk/>
-              <pc:sldMasterMk cId="582609979" sldId="2147483648"/>
-              <pc:sldLayoutMk cId="1387212898" sldId="2147483682"/>
-              <ac:spMk id="4" creationId="{31DE1161-19FB-F452-68B5-16351A66F708}"/>
-            </ac:spMkLst>
-          </pc:spChg>
-        </pc:sldLayoutChg>
         <pc:sldLayoutChg chg="addSp modSp mod">
-          <pc:chgData name="Vermeulen - van Gent, Sander" userId="e08259fd-81d2-4a86-9b20-28ba02d67a18" providerId="ADAL" clId="{CD1B3BBE-56CC-4974-BC5E-9FCD75B07556}" dt="2025-12-17T14:41:24.643" v="2759" actId="20577"/>
+          <pc:chgData name="Vermeulen - van Gent, Sander" userId="e08259fd-81d2-4a86-9b20-28ba02d67a18" providerId="ADAL" clId="{CD1B3BBE-56CC-4974-BC5E-9FCD75B07556}" dt="2026-01-15T13:36:45.740" v="2788" actId="14100"/>
           <pc:sldLayoutMkLst>
             <pc:docMk/>
             <pc:sldMasterMk cId="582609979" sldId="2147483648"/>
             <pc:sldLayoutMk cId="2055947998" sldId="2147483702"/>
           </pc:sldLayoutMkLst>
           <pc:spChg chg="mod">
-            <ac:chgData name="Vermeulen - van Gent, Sander" userId="e08259fd-81d2-4a86-9b20-28ba02d67a18" providerId="ADAL" clId="{CD1B3BBE-56CC-4974-BC5E-9FCD75B07556}" dt="2025-12-17T14:41:24.643" v="2759" actId="20577"/>
+            <ac:chgData name="Vermeulen - van Gent, Sander" userId="e08259fd-81d2-4a86-9b20-28ba02d67a18" providerId="ADAL" clId="{CD1B3BBE-56CC-4974-BC5E-9FCD75B07556}" dt="2026-01-15T13:36:44.537" v="2787" actId="14100"/>
             <ac:spMkLst>
               <pc:docMk/>
               <pc:sldMasterMk cId="582609979" sldId="2147483648"/>
               <pc:sldLayoutMk cId="2055947998" sldId="2147483702"/>
-              <ac:spMk id="8" creationId="{3C8F669A-71CF-F754-4D64-9D86B65DA924}"/>
+              <ac:spMk id="2" creationId="{5B025D78-5D1C-4DB1-10FC-67D4F0244B2C}"/>
+            </ac:spMkLst>
+          </pc:spChg>
+          <pc:spChg chg="mod">
+            <ac:chgData name="Vermeulen - van Gent, Sander" userId="e08259fd-81d2-4a86-9b20-28ba02d67a18" providerId="ADAL" clId="{CD1B3BBE-56CC-4974-BC5E-9FCD75B07556}" dt="2026-01-15T13:36:43.352" v="2785" actId="1076"/>
+            <ac:spMkLst>
+              <pc:docMk/>
+              <pc:sldMasterMk cId="582609979" sldId="2147483648"/>
+              <pc:sldLayoutMk cId="2055947998" sldId="2147483702"/>
+              <ac:spMk id="4" creationId="{3E07DD97-A27C-5F5F-D1D5-3FB81C6DC42D}"/>
+            </ac:spMkLst>
+          </pc:spChg>
+          <pc:spChg chg="mod">
+            <ac:chgData name="Vermeulen - van Gent, Sander" userId="e08259fd-81d2-4a86-9b20-28ba02d67a18" providerId="ADAL" clId="{CD1B3BBE-56CC-4974-BC5E-9FCD75B07556}" dt="2026-01-15T13:36:45.740" v="2788" actId="14100"/>
+            <ac:spMkLst>
+              <pc:docMk/>
+              <pc:sldMasterMk cId="582609979" sldId="2147483648"/>
+              <pc:sldLayoutMk cId="2055947998" sldId="2147483702"/>
+              <ac:spMk id="5" creationId="{7C6D467A-5799-9402-B402-F4834EAC4D6A}"/>
+            </ac:spMkLst>
+          </pc:spChg>
+        </pc:sldLayoutChg>
+        <pc:sldLayoutChg chg="addSp modSp mod">
+          <pc:chgData name="Vermeulen - van Gent, Sander" userId="e08259fd-81d2-4a86-9b20-28ba02d67a18" providerId="ADAL" clId="{CD1B3BBE-56CC-4974-BC5E-9FCD75B07556}" dt="2026-01-15T13:37:22.426" v="2792" actId="962"/>
+          <pc:sldLayoutMkLst>
+            <pc:docMk/>
+            <pc:sldMasterMk cId="582609979" sldId="2147483648"/>
+            <pc:sldLayoutMk cId="909363416" sldId="2147483703"/>
+          </pc:sldLayoutMkLst>
+          <pc:spChg chg="add mod">
+            <ac:chgData name="Vermeulen - van Gent, Sander" userId="e08259fd-81d2-4a86-9b20-28ba02d67a18" providerId="ADAL" clId="{CD1B3BBE-56CC-4974-BC5E-9FCD75B07556}" dt="2026-01-15T13:37:22.426" v="2792" actId="962"/>
+            <ac:spMkLst>
+              <pc:docMk/>
+              <pc:sldMasterMk cId="582609979" sldId="2147483648"/>
+              <pc:sldLayoutMk cId="909363416" sldId="2147483703"/>
+              <ac:spMk id="8" creationId="{6C3CADC8-EEAB-828D-62BC-6CA67D8282C1}"/>
+            </ac:spMkLst>
+          </pc:spChg>
+        </pc:sldLayoutChg>
+        <pc:sldLayoutChg chg="modSp mod">
+          <pc:chgData name="Vermeulen - van Gent, Sander" userId="e08259fd-81d2-4a86-9b20-28ba02d67a18" providerId="ADAL" clId="{CD1B3BBE-56CC-4974-BC5E-9FCD75B07556}" dt="2026-01-28T21:42:54.224" v="2894" actId="14100"/>
+          <pc:sldLayoutMkLst>
+            <pc:docMk/>
+            <pc:sldMasterMk cId="582609979" sldId="2147483648"/>
+            <pc:sldLayoutMk cId="4151803614" sldId="2147483705"/>
+          </pc:sldLayoutMkLst>
+          <pc:spChg chg="mod">
+            <ac:chgData name="Vermeulen - van Gent, Sander" userId="e08259fd-81d2-4a86-9b20-28ba02d67a18" providerId="ADAL" clId="{CD1B3BBE-56CC-4974-BC5E-9FCD75B07556}" dt="2026-01-28T21:42:54.224" v="2894" actId="14100"/>
+            <ac:spMkLst>
+              <pc:docMk/>
+              <pc:sldMasterMk cId="582609979" sldId="2147483648"/>
+              <pc:sldLayoutMk cId="4151803614" sldId="2147483705"/>
+              <ac:spMk id="17" creationId="{83BD08AD-0583-B8D4-FD8D-EC44809BEB33}"/>
+            </ac:spMkLst>
+          </pc:spChg>
+        </pc:sldLayoutChg>
+        <pc:sldLayoutChg chg="add mod modTransition">
+          <pc:chgData name="Vermeulen - van Gent, Sander" userId="e08259fd-81d2-4a86-9b20-28ba02d67a18" providerId="ADAL" clId="{CD1B3BBE-56CC-4974-BC5E-9FCD75B07556}" dt="2026-01-15T13:41:54.491" v="2793" actId="2890"/>
+          <pc:sldLayoutMkLst>
+            <pc:docMk/>
+            <pc:sldMasterMk cId="582609979" sldId="2147483648"/>
+            <pc:sldLayoutMk cId="2634502353" sldId="2147483706"/>
+          </pc:sldLayoutMkLst>
+        </pc:sldLayoutChg>
+        <pc:sldLayoutChg chg="addSp delSp modSp add mod modTransition">
+          <pc:chgData name="Vermeulen - van Gent, Sander" userId="e08259fd-81d2-4a86-9b20-28ba02d67a18" providerId="ADAL" clId="{CD1B3BBE-56CC-4974-BC5E-9FCD75B07556}" dt="2026-01-15T13:47:35.816" v="2881" actId="1076"/>
+          <pc:sldLayoutMkLst>
+            <pc:docMk/>
+            <pc:sldMasterMk cId="582609979" sldId="2147483648"/>
+            <pc:sldLayoutMk cId="3562401432" sldId="2147483707"/>
+          </pc:sldLayoutMkLst>
+          <pc:spChg chg="mod">
+            <ac:chgData name="Vermeulen - van Gent, Sander" userId="e08259fd-81d2-4a86-9b20-28ba02d67a18" providerId="ADAL" clId="{CD1B3BBE-56CC-4974-BC5E-9FCD75B07556}" dt="2026-01-15T13:47:30.904" v="2880" actId="403"/>
+            <ac:spMkLst>
+              <pc:docMk/>
+              <pc:sldMasterMk cId="582609979" sldId="2147483648"/>
+              <pc:sldLayoutMk cId="3562401432" sldId="2147483707"/>
+              <ac:spMk id="2" creationId="{D58FCCE2-B6C0-B248-DA9E-969396D57D8F}"/>
+            </ac:spMkLst>
+          </pc:spChg>
+          <pc:spChg chg="add mod">
+            <ac:chgData name="Vermeulen - van Gent, Sander" userId="e08259fd-81d2-4a86-9b20-28ba02d67a18" providerId="ADAL" clId="{CD1B3BBE-56CC-4974-BC5E-9FCD75B07556}" dt="2026-01-15T13:47:35.816" v="2881" actId="1076"/>
+            <ac:spMkLst>
+              <pc:docMk/>
+              <pc:sldMasterMk cId="582609979" sldId="2147483648"/>
+              <pc:sldLayoutMk cId="3562401432" sldId="2147483707"/>
+              <ac:spMk id="10" creationId="{1E889B4B-6313-A93F-D20F-5F9B72B75503}"/>
+            </ac:spMkLst>
+          </pc:spChg>
+          <pc:spChg chg="mod">
+            <ac:chgData name="Vermeulen - van Gent, Sander" userId="e08259fd-81d2-4a86-9b20-28ba02d67a18" providerId="ADAL" clId="{CD1B3BBE-56CC-4974-BC5E-9FCD75B07556}" dt="2026-01-15T13:46:46.809" v="2818" actId="207"/>
+            <ac:spMkLst>
+              <pc:docMk/>
+              <pc:sldMasterMk cId="582609979" sldId="2147483648"/>
+              <pc:sldLayoutMk cId="3562401432" sldId="2147483707"/>
+              <ac:spMk id="21" creationId="{21B134B6-8770-5116-9C38-3B3F380F4B00}"/>
+            </ac:spMkLst>
+          </pc:spChg>
+          <pc:spChg chg="mod">
+            <ac:chgData name="Vermeulen - van Gent, Sander" userId="e08259fd-81d2-4a86-9b20-28ba02d67a18" providerId="ADAL" clId="{CD1B3BBE-56CC-4974-BC5E-9FCD75B07556}" dt="2026-01-15T13:46:46.809" v="2818" actId="207"/>
+            <ac:spMkLst>
+              <pc:docMk/>
+              <pc:sldMasterMk cId="582609979" sldId="2147483648"/>
+              <pc:sldLayoutMk cId="3562401432" sldId="2147483707"/>
+              <ac:spMk id="22" creationId="{4A4E7343-055A-E338-0CFE-074BB9B9608F}"/>
+            </ac:spMkLst>
+          </pc:spChg>
+        </pc:sldLayoutChg>
+      </pc:sldMasterChg>
+      <pc:sldMasterChg chg="modSldLayout">
+        <pc:chgData name="Vermeulen - van Gent, Sander" userId="e08259fd-81d2-4a86-9b20-28ba02d67a18" providerId="ADAL" clId="{CD1B3BBE-56CC-4974-BC5E-9FCD75B07556}" dt="2026-01-15T13:54:05.231" v="2889" actId="16037"/>
+        <pc:sldMasterMkLst>
+          <pc:docMk/>
+          <pc:sldMasterMk cId="447926890" sldId="2147483699"/>
+        </pc:sldMasterMkLst>
+        <pc:sldLayoutChg chg="modSp">
+          <pc:chgData name="Vermeulen - van Gent, Sander" userId="e08259fd-81d2-4a86-9b20-28ba02d67a18" providerId="ADAL" clId="{CD1B3BBE-56CC-4974-BC5E-9FCD75B07556}" dt="2026-01-15T13:54:05.231" v="2889" actId="16037"/>
+          <pc:sldLayoutMkLst>
+            <pc:docMk/>
+            <pc:sldMasterMk cId="447926890" sldId="2147483699"/>
+            <pc:sldLayoutMk cId="4263179123" sldId="2147483716"/>
+          </pc:sldLayoutMkLst>
+          <pc:spChg chg="mod">
+            <ac:chgData name="Vermeulen - van Gent, Sander" userId="e08259fd-81d2-4a86-9b20-28ba02d67a18" providerId="ADAL" clId="{CD1B3BBE-56CC-4974-BC5E-9FCD75B07556}" dt="2026-01-15T13:54:05.231" v="2889" actId="16037"/>
+            <ac:spMkLst>
+              <pc:docMk/>
+              <pc:sldMasterMk cId="447926890" sldId="2147483699"/>
+              <pc:sldLayoutMk cId="4263179123" sldId="2147483716"/>
+              <ac:spMk id="4" creationId="{B61AB89E-9409-6D40-D0EB-0CDEC38AFAAC}"/>
             </ac:spMkLst>
           </pc:spChg>
         </pc:sldLayoutChg>
@@ -336,7 +496,7 @@
           <a:p>
             <a:fld id="{BBEDBBAB-6028-4680-9556-A8238B314949}" type="datetimeFigureOut">
               <a:rPr lang="nl-NL" smtClean="0"/>
-              <a:t>7-1-2026</a:t>
+              <a:t>28-1-2026</a:t>
             </a:fld>
             <a:endParaRPr lang="nl-NL"/>
           </a:p>
@@ -512,7 +672,7 @@
           </a:lstStyle>
           <a:p>
             <a:fld id="{37F81271-B6F7-4A7E-8F6C-1E1DF4AA2733}" type="datetimeFigureOut">
-              <a:t>7-1-2026</a:t>
+              <a:t>28-1-2026</a:t>
             </a:fld>
             <a:endParaRPr lang="nl-NL"/>
           </a:p>
@@ -1255,18 +1415,13 @@
           <a:lstStyle/>
           <a:p>
             <a:r>
-              <a:rPr lang="nl-NL" sz="2800" b="1">
+              <a:rPr lang="nl-NL" sz="2800" b="1" dirty="0">
                 <a:solidFill>
                   <a:schemeClr val="bg1"/>
                 </a:solidFill>
               </a:rPr>
               <a:t>Schoolprofiel OKO 2025</a:t>
             </a:r>
-            <a:endParaRPr lang="nl-NL" sz="2800" b="1" dirty="0">
-              <a:solidFill>
-                <a:schemeClr val="bg1"/>
-              </a:solidFill>
-            </a:endParaRPr>
           </a:p>
         </p:txBody>
       </p:sp>
@@ -2126,6 +2281,848 @@
 </file>
 
 <file path=ppt/slideLayouts/slideLayout11.xml><?xml version="1.0" encoding="utf-8"?>
+<p:sldLayout xmlns:a="http://schemas.openxmlformats.org/drawingml/2006/main" xmlns:r="http://schemas.openxmlformats.org/officeDocument/2006/relationships" xmlns:p="http://schemas.openxmlformats.org/presentationml/2006/main" preserve="1" userDrawn="1">
+  <p:cSld name="Gezin2">
+    <p:spTree>
+      <p:nvGrpSpPr>
+        <p:cNvPr id="1" name=""/>
+        <p:cNvGrpSpPr/>
+        <p:nvPr/>
+      </p:nvGrpSpPr>
+      <p:grpSpPr>
+        <a:xfrm>
+          <a:off x="0" y="0"/>
+          <a:ext cx="0" cy="0"/>
+          <a:chOff x="0" y="0"/>
+          <a:chExt cx="0" cy="0"/>
+        </a:xfrm>
+      </p:grpSpPr>
+      <p:sp>
+        <p:nvSpPr>
+          <p:cNvPr id="38" name="Rechthoek 37" hidden="1">
+            <a:extLst>
+              <a:ext uri="{FF2B5EF4-FFF2-40B4-BE49-F238E27FC236}">
+                <a16:creationId xmlns:a16="http://schemas.microsoft.com/office/drawing/2014/main" id="{71B6D817-B6BD-5D3B-C482-2942CE54FB52}"/>
+              </a:ext>
+            </a:extLst>
+          </p:cNvPr>
+          <p:cNvSpPr/>
+          <p:nvPr userDrawn="1"/>
+        </p:nvSpPr>
+        <p:spPr>
+          <a:xfrm>
+            <a:off x="457221" y="1520170"/>
+            <a:ext cx="3454375" cy="4880630"/>
+          </a:xfrm>
+          <a:prstGeom prst="rect">
+            <a:avLst/>
+          </a:prstGeom>
+          <a:solidFill>
+            <a:schemeClr val="bg1">
+              <a:lumMod val="95000"/>
+            </a:schemeClr>
+          </a:solidFill>
+          <a:ln>
+            <a:noFill/>
+          </a:ln>
+        </p:spPr>
+        <p:style>
+          <a:lnRef idx="2">
+            <a:schemeClr val="accent1">
+              <a:shade val="15000"/>
+            </a:schemeClr>
+          </a:lnRef>
+          <a:fillRef idx="1">
+            <a:schemeClr val="accent1"/>
+          </a:fillRef>
+          <a:effectRef idx="0">
+            <a:schemeClr val="accent1"/>
+          </a:effectRef>
+          <a:fontRef idx="minor">
+            <a:schemeClr val="lt1"/>
+          </a:fontRef>
+        </p:style>
+        <p:txBody>
+          <a:bodyPr rtlCol="0" anchor="ctr"/>
+          <a:lstStyle/>
+          <a:p>
+            <a:pPr algn="ctr"/>
+            <a:endParaRPr lang="nl-NL" sz="1240"/>
+          </a:p>
+        </p:txBody>
+      </p:sp>
+      <p:sp>
+        <p:nvSpPr>
+          <p:cNvPr id="40" name="Rechthoek 39" hidden="1">
+            <a:extLst>
+              <a:ext uri="{FF2B5EF4-FFF2-40B4-BE49-F238E27FC236}">
+                <a16:creationId xmlns:a16="http://schemas.microsoft.com/office/drawing/2014/main" id="{DA25F52B-68C7-5049-CD59-306C46906407}"/>
+              </a:ext>
+            </a:extLst>
+          </p:cNvPr>
+          <p:cNvSpPr/>
+          <p:nvPr userDrawn="1"/>
+        </p:nvSpPr>
+        <p:spPr>
+          <a:xfrm>
+            <a:off x="4368814" y="1520170"/>
+            <a:ext cx="3454375" cy="4880630"/>
+          </a:xfrm>
+          <a:prstGeom prst="rect">
+            <a:avLst/>
+          </a:prstGeom>
+          <a:solidFill>
+            <a:schemeClr val="bg1">
+              <a:lumMod val="95000"/>
+            </a:schemeClr>
+          </a:solidFill>
+          <a:ln>
+            <a:noFill/>
+          </a:ln>
+        </p:spPr>
+        <p:style>
+          <a:lnRef idx="2">
+            <a:schemeClr val="accent1">
+              <a:shade val="15000"/>
+            </a:schemeClr>
+          </a:lnRef>
+          <a:fillRef idx="1">
+            <a:schemeClr val="accent1"/>
+          </a:fillRef>
+          <a:effectRef idx="0">
+            <a:schemeClr val="accent1"/>
+          </a:effectRef>
+          <a:fontRef idx="minor">
+            <a:schemeClr val="lt1"/>
+          </a:fontRef>
+        </p:style>
+        <p:txBody>
+          <a:bodyPr rtlCol="0" anchor="ctr"/>
+          <a:lstStyle/>
+          <a:p>
+            <a:pPr algn="ctr"/>
+            <a:endParaRPr lang="nl-NL" sz="1240"/>
+          </a:p>
+        </p:txBody>
+      </p:sp>
+      <p:sp>
+        <p:nvSpPr>
+          <p:cNvPr id="41" name="Rechthoek 40" hidden="1">
+            <a:extLst>
+              <a:ext uri="{FF2B5EF4-FFF2-40B4-BE49-F238E27FC236}">
+                <a16:creationId xmlns:a16="http://schemas.microsoft.com/office/drawing/2014/main" id="{810F9007-0225-12FD-9C82-0980B9351E10}"/>
+              </a:ext>
+            </a:extLst>
+          </p:cNvPr>
+          <p:cNvSpPr/>
+          <p:nvPr userDrawn="1"/>
+        </p:nvSpPr>
+        <p:spPr>
+          <a:xfrm>
+            <a:off x="8280409" y="1520170"/>
+            <a:ext cx="3454375" cy="4880630"/>
+          </a:xfrm>
+          <a:prstGeom prst="rect">
+            <a:avLst/>
+          </a:prstGeom>
+          <a:solidFill>
+            <a:schemeClr val="bg1">
+              <a:lumMod val="95000"/>
+            </a:schemeClr>
+          </a:solidFill>
+          <a:ln>
+            <a:noFill/>
+          </a:ln>
+        </p:spPr>
+        <p:style>
+          <a:lnRef idx="2">
+            <a:schemeClr val="accent1">
+              <a:shade val="15000"/>
+            </a:schemeClr>
+          </a:lnRef>
+          <a:fillRef idx="1">
+            <a:schemeClr val="accent1"/>
+          </a:fillRef>
+          <a:effectRef idx="0">
+            <a:schemeClr val="accent1"/>
+          </a:effectRef>
+          <a:fontRef idx="minor">
+            <a:schemeClr val="lt1"/>
+          </a:fontRef>
+        </p:style>
+        <p:txBody>
+          <a:bodyPr rtlCol="0" anchor="ctr"/>
+          <a:lstStyle/>
+          <a:p>
+            <a:pPr algn="ctr"/>
+            <a:endParaRPr lang="nl-NL" sz="1240"/>
+          </a:p>
+        </p:txBody>
+      </p:sp>
+      <p:cxnSp>
+        <p:nvCxnSpPr>
+          <p:cNvPr id="20" name="Rechte verbindingslijn 19">
+            <a:extLst>
+              <a:ext uri="{FF2B5EF4-FFF2-40B4-BE49-F238E27FC236}">
+                <a16:creationId xmlns:a16="http://schemas.microsoft.com/office/drawing/2014/main" id="{3225D304-6E5E-946E-2D93-5C9A280E58BF}"/>
+              </a:ext>
+            </a:extLst>
+          </p:cNvPr>
+          <p:cNvCxnSpPr>
+            <a:cxnSpLocks/>
+          </p:cNvCxnSpPr>
+          <p:nvPr userDrawn="1"/>
+        </p:nvCxnSpPr>
+        <p:spPr>
+          <a:xfrm flipV="1">
+            <a:off x="4140175" y="1519200"/>
+            <a:ext cx="0" cy="4881600"/>
+          </a:xfrm>
+          <a:prstGeom prst="line">
+            <a:avLst/>
+          </a:prstGeom>
+          <a:ln w="12700">
+            <a:solidFill>
+              <a:schemeClr val="tx2">
+                <a:lumMod val="20000"/>
+                <a:lumOff val="80000"/>
+              </a:schemeClr>
+            </a:solidFill>
+          </a:ln>
+        </p:spPr>
+        <p:style>
+          <a:lnRef idx="1">
+            <a:schemeClr val="accent1"/>
+          </a:lnRef>
+          <a:fillRef idx="0">
+            <a:schemeClr val="accent1"/>
+          </a:fillRef>
+          <a:effectRef idx="0">
+            <a:schemeClr val="accent1"/>
+          </a:effectRef>
+          <a:fontRef idx="minor">
+            <a:schemeClr val="tx1"/>
+          </a:fontRef>
+        </p:style>
+      </p:cxnSp>
+      <p:cxnSp>
+        <p:nvCxnSpPr>
+          <p:cNvPr id="21" name="Rechte verbindingslijn 20">
+            <a:extLst>
+              <a:ext uri="{FF2B5EF4-FFF2-40B4-BE49-F238E27FC236}">
+                <a16:creationId xmlns:a16="http://schemas.microsoft.com/office/drawing/2014/main" id="{ED64F893-BBB7-B392-C184-DF060C3E7F93}"/>
+              </a:ext>
+            </a:extLst>
+          </p:cNvPr>
+          <p:cNvCxnSpPr>
+            <a:cxnSpLocks/>
+          </p:cNvCxnSpPr>
+          <p:nvPr userDrawn="1"/>
+        </p:nvCxnSpPr>
+        <p:spPr>
+          <a:xfrm flipV="1">
+            <a:off x="8051825" y="1519200"/>
+            <a:ext cx="0" cy="4881600"/>
+          </a:xfrm>
+          <a:prstGeom prst="line">
+            <a:avLst/>
+          </a:prstGeom>
+          <a:ln w="12700">
+            <a:solidFill>
+              <a:schemeClr val="tx2">
+                <a:lumMod val="20000"/>
+                <a:lumOff val="80000"/>
+              </a:schemeClr>
+            </a:solidFill>
+          </a:ln>
+        </p:spPr>
+        <p:style>
+          <a:lnRef idx="1">
+            <a:schemeClr val="accent1"/>
+          </a:lnRef>
+          <a:fillRef idx="0">
+            <a:schemeClr val="accent1"/>
+          </a:fillRef>
+          <a:effectRef idx="0">
+            <a:schemeClr val="accent1"/>
+          </a:effectRef>
+          <a:fontRef idx="minor">
+            <a:schemeClr val="tx1"/>
+          </a:fontRef>
+        </p:style>
+      </p:cxnSp>
+      <p:sp>
+        <p:nvSpPr>
+          <p:cNvPr id="18" name="Rectangle 16">
+            <a:extLst>
+              <a:ext uri="{FF2B5EF4-FFF2-40B4-BE49-F238E27FC236}">
+                <a16:creationId xmlns:a16="http://schemas.microsoft.com/office/drawing/2014/main" id="{50E25E35-8B3C-6C74-2AD7-DAFDA89C0A01}"/>
+              </a:ext>
+            </a:extLst>
+          </p:cNvPr>
+          <p:cNvSpPr>
+            <a:spLocks/>
+          </p:cNvSpPr>
+          <p:nvPr userDrawn="1"/>
+        </p:nvSpPr>
+        <p:spPr>
+          <a:xfrm rot="10800000" flipH="1">
+            <a:off x="9719595" y="0"/>
+            <a:ext cx="576000" cy="1066800"/>
+          </a:xfrm>
+          <a:prstGeom prst="rtTriangle">
+            <a:avLst/>
+          </a:prstGeom>
+          <a:solidFill>
+            <a:schemeClr val="accent5"/>
+          </a:solidFill>
+          <a:ln>
+            <a:noFill/>
+          </a:ln>
+        </p:spPr>
+        <p:style>
+          <a:lnRef idx="2">
+            <a:schemeClr val="accent1">
+              <a:shade val="50000"/>
+            </a:schemeClr>
+          </a:lnRef>
+          <a:fillRef idx="1">
+            <a:schemeClr val="accent1"/>
+          </a:fillRef>
+          <a:effectRef idx="0">
+            <a:schemeClr val="accent1"/>
+          </a:effectRef>
+          <a:fontRef idx="minor">
+            <a:schemeClr val="lt1"/>
+          </a:fontRef>
+        </p:style>
+        <p:txBody>
+          <a:bodyPr rtlCol="0" anchor="ctr"/>
+          <a:lstStyle/>
+          <a:p>
+            <a:pPr algn="l"/>
+            <a:endParaRPr lang="en-US" sz="1600" b="1">
+              <a:latin typeface="Century Gothic" panose="020B0502020202020204" pitchFamily="34" charset="0"/>
+            </a:endParaRPr>
+          </a:p>
+        </p:txBody>
+      </p:sp>
+      <p:sp>
+        <p:nvSpPr>
+          <p:cNvPr id="17" name="Rectangle 16">
+            <a:extLst>
+              <a:ext uri="{FF2B5EF4-FFF2-40B4-BE49-F238E27FC236}">
+                <a16:creationId xmlns:a16="http://schemas.microsoft.com/office/drawing/2014/main" id="{048B55B4-D6BF-8A04-5D90-9A498A5AC6B5}"/>
+              </a:ext>
+            </a:extLst>
+          </p:cNvPr>
+          <p:cNvSpPr/>
+          <p:nvPr userDrawn="1"/>
+        </p:nvSpPr>
+        <p:spPr>
+          <a:xfrm>
+            <a:off x="0" y="0"/>
+            <a:ext cx="9719589" cy="1066800"/>
+          </a:xfrm>
+          <a:prstGeom prst="rect">
+            <a:avLst/>
+          </a:prstGeom>
+          <a:solidFill>
+            <a:schemeClr val="accent5"/>
+          </a:solidFill>
+          <a:ln>
+            <a:noFill/>
+          </a:ln>
+        </p:spPr>
+        <p:style>
+          <a:lnRef idx="2">
+            <a:schemeClr val="accent1">
+              <a:shade val="50000"/>
+            </a:schemeClr>
+          </a:lnRef>
+          <a:fillRef idx="1">
+            <a:schemeClr val="accent1"/>
+          </a:fillRef>
+          <a:effectRef idx="0">
+            <a:schemeClr val="accent1"/>
+          </a:effectRef>
+          <a:fontRef idx="minor">
+            <a:schemeClr val="lt1"/>
+          </a:fontRef>
+        </p:style>
+        <p:txBody>
+          <a:bodyPr rtlCol="0" anchor="ctr"/>
+          <a:lstStyle/>
+          <a:p>
+            <a:pPr marL="0" indent="270272" algn="l"/>
+            <a:r>
+              <a:rPr lang="nl-NL" sz="2400" b="1" noProof="0" dirty="0">
+                <a:latin typeface="Century Gothic" panose="020B0502020202020204" pitchFamily="34" charset="0"/>
+              </a:rPr>
+              <a:t>Gezin</a:t>
+            </a:r>
+            <a:endParaRPr lang="nl-NL" sz="1800" b="1" noProof="0" dirty="0">
+              <a:latin typeface="Century Gothic" panose="020B0502020202020204" pitchFamily="34" charset="0"/>
+            </a:endParaRPr>
+          </a:p>
+        </p:txBody>
+      </p:sp>
+      <p:sp>
+        <p:nvSpPr>
+          <p:cNvPr id="4" name="Tekstvak 3">
+            <a:extLst>
+              <a:ext uri="{FF2B5EF4-FFF2-40B4-BE49-F238E27FC236}">
+                <a16:creationId xmlns:a16="http://schemas.microsoft.com/office/drawing/2014/main" id="{31DE1161-19FB-F452-68B5-16351A66F708}"/>
+              </a:ext>
+            </a:extLst>
+          </p:cNvPr>
+          <p:cNvSpPr txBox="1"/>
+          <p:nvPr userDrawn="1"/>
+        </p:nvSpPr>
+        <p:spPr>
+          <a:xfrm>
+            <a:off x="1780721" y="3247241"/>
+            <a:ext cx="1791102" cy="415498"/>
+          </a:xfrm>
+          <a:prstGeom prst="rect">
+            <a:avLst/>
+          </a:prstGeom>
+          <a:noFill/>
+        </p:spPr>
+        <p:txBody>
+          <a:bodyPr wrap="square">
+            <a:spAutoFit/>
+          </a:bodyPr>
+          <a:lstStyle/>
+          <a:p>
+            <a:pPr marL="0" algn="l" defTabSz="629889" rtl="0" eaLnBrk="1" latinLnBrk="0" hangingPunct="1"/>
+            <a:r>
+              <a:rPr lang="nl-NL" sz="1000" b="1" kern="1200" noProof="0" dirty="0">
+                <a:solidFill>
+                  <a:schemeClr val="tx1"/>
+                </a:solidFill>
+                <a:latin typeface="Century Gothic" panose="020B0502020202020204" pitchFamily="34" charset="0"/>
+                <a:ea typeface="+mn-ea"/>
+                <a:cs typeface="Arial" panose="020B0604020202020204" pitchFamily="34" charset="0"/>
+              </a:rPr>
+              <a:t>kan bij niemand terecht als hij/zij ergens mee zit</a:t>
+            </a:r>
+          </a:p>
+        </p:txBody>
+      </p:sp>
+      <p:sp>
+        <p:nvSpPr>
+          <p:cNvPr id="2" name="TextBox 1">
+            <a:extLst>
+              <a:ext uri="{FF2B5EF4-FFF2-40B4-BE49-F238E27FC236}">
+                <a16:creationId xmlns:a16="http://schemas.microsoft.com/office/drawing/2014/main" id="{6F19E014-4ACE-EB8C-D81A-6956EF3C72F5}"/>
+              </a:ext>
+            </a:extLst>
+          </p:cNvPr>
+          <p:cNvSpPr txBox="1"/>
+          <p:nvPr userDrawn="1"/>
+        </p:nvSpPr>
+        <p:spPr>
+          <a:xfrm>
+            <a:off x="463889" y="1524946"/>
+            <a:ext cx="3676286" cy="992579"/>
+          </a:xfrm>
+          <a:prstGeom prst="rect">
+            <a:avLst/>
+          </a:prstGeom>
+          <a:noFill/>
+        </p:spPr>
+        <p:txBody>
+          <a:bodyPr rot="0" spcFirstLastPara="0" vert="horz" wrap="square" lIns="68580" tIns="34290" rIns="68580" bIns="34290" numCol="1" spcCol="0" rtlCol="0" fromWordArt="0" anchor="t" anchorCtr="0" forceAA="0" compatLnSpc="1">
+            <a:prstTxWarp prst="textNoShape">
+              <a:avLst/>
+            </a:prstTxWarp>
+            <a:spAutoFit/>
+          </a:bodyPr>
+          <a:lstStyle>
+            <a:defPPr>
+              <a:defRPr lang="nl-NL"/>
+            </a:defPPr>
+            <a:lvl1pPr marL="0" algn="l" defTabSz="839852" rtl="0" eaLnBrk="1" latinLnBrk="0" hangingPunct="1">
+              <a:defRPr sz="1653" kern="1200">
+                <a:solidFill>
+                  <a:sysClr val="windowText" lastClr="000000"/>
+                </a:solidFill>
+                <a:latin typeface="Calibri"/>
+              </a:defRPr>
+            </a:lvl1pPr>
+            <a:lvl2pPr marL="419926" algn="l" defTabSz="839852" rtl="0" eaLnBrk="1" latinLnBrk="0" hangingPunct="1">
+              <a:defRPr sz="1653" kern="1200">
+                <a:solidFill>
+                  <a:sysClr val="windowText" lastClr="000000"/>
+                </a:solidFill>
+                <a:latin typeface="Calibri"/>
+              </a:defRPr>
+            </a:lvl2pPr>
+            <a:lvl3pPr marL="839852" algn="l" defTabSz="839852" rtl="0" eaLnBrk="1" latinLnBrk="0" hangingPunct="1">
+              <a:defRPr sz="1653" kern="1200">
+                <a:solidFill>
+                  <a:sysClr val="windowText" lastClr="000000"/>
+                </a:solidFill>
+                <a:latin typeface="Calibri"/>
+              </a:defRPr>
+            </a:lvl3pPr>
+            <a:lvl4pPr marL="1259779" algn="l" defTabSz="839852" rtl="0" eaLnBrk="1" latinLnBrk="0" hangingPunct="1">
+              <a:defRPr sz="1653" kern="1200">
+                <a:solidFill>
+                  <a:sysClr val="windowText" lastClr="000000"/>
+                </a:solidFill>
+                <a:latin typeface="Calibri"/>
+              </a:defRPr>
+            </a:lvl4pPr>
+            <a:lvl5pPr marL="1679704" algn="l" defTabSz="839852" rtl="0" eaLnBrk="1" latinLnBrk="0" hangingPunct="1">
+              <a:defRPr sz="1653" kern="1200">
+                <a:solidFill>
+                  <a:sysClr val="windowText" lastClr="000000"/>
+                </a:solidFill>
+                <a:latin typeface="Calibri"/>
+              </a:defRPr>
+            </a:lvl5pPr>
+            <a:lvl6pPr marL="2099630" algn="l" defTabSz="839852" rtl="0" eaLnBrk="1" latinLnBrk="0" hangingPunct="1">
+              <a:defRPr sz="1653" kern="1200">
+                <a:solidFill>
+                  <a:sysClr val="windowText" lastClr="000000"/>
+                </a:solidFill>
+                <a:latin typeface="Calibri"/>
+              </a:defRPr>
+            </a:lvl6pPr>
+            <a:lvl7pPr marL="2519556" algn="l" defTabSz="839852" rtl="0" eaLnBrk="1" latinLnBrk="0" hangingPunct="1">
+              <a:defRPr sz="1653" kern="1200">
+                <a:solidFill>
+                  <a:sysClr val="windowText" lastClr="000000"/>
+                </a:solidFill>
+                <a:latin typeface="Calibri"/>
+              </a:defRPr>
+            </a:lvl7pPr>
+            <a:lvl8pPr marL="2939482" algn="l" defTabSz="839852" rtl="0" eaLnBrk="1" latinLnBrk="0" hangingPunct="1">
+              <a:defRPr sz="1653" kern="1200">
+                <a:solidFill>
+                  <a:sysClr val="windowText" lastClr="000000"/>
+                </a:solidFill>
+                <a:latin typeface="Calibri"/>
+              </a:defRPr>
+            </a:lvl8pPr>
+            <a:lvl9pPr marL="3359408" algn="l" defTabSz="839852" rtl="0" eaLnBrk="1" latinLnBrk="0" hangingPunct="1">
+              <a:defRPr sz="1653" kern="1200">
+                <a:solidFill>
+                  <a:sysClr val="windowText" lastClr="000000"/>
+                </a:solidFill>
+                <a:latin typeface="Calibri"/>
+              </a:defRPr>
+            </a:lvl9pPr>
+          </a:lstStyle>
+          <a:p>
+            <a:pPr>
+              <a:defRPr/>
+            </a:pPr>
+            <a:r>
+              <a:rPr lang="nl-NL" sz="1000" b="0" kern="1200" noProof="0" dirty="0">
+                <a:solidFill>
+                  <a:schemeClr val="tx1"/>
+                </a:solidFill>
+                <a:latin typeface="Century Gothic" panose="020B0502020202020204" pitchFamily="34" charset="0"/>
+                <a:ea typeface="+mn-ea"/>
+                <a:cs typeface="Arial" panose="020B0604020202020204" pitchFamily="34" charset="0"/>
+              </a:rPr>
+              <a:t>Steun en betrokkenheid van ouders hebben een beschermende werking op middelengebruik en mentale gezondheid van jongeren. Dat geldt ook voor ouders die veel tijd doorbrengen met hun kind, weten waar hun kind is en duidelijke regels hebben over wat hun kind wel en niet mag doen.</a:t>
+            </a:r>
+          </a:p>
+        </p:txBody>
+      </p:sp>
+      <p:sp>
+        <p:nvSpPr>
+          <p:cNvPr id="19" name="Grafiek mentaal tijd">
+            <a:extLst>
+              <a:ext uri="{FF2B5EF4-FFF2-40B4-BE49-F238E27FC236}">
+                <a16:creationId xmlns:a16="http://schemas.microsoft.com/office/drawing/2014/main" id="{32F134F1-45F3-A56E-9038-F92D47EA0A46}"/>
+              </a:ext>
+            </a:extLst>
+          </p:cNvPr>
+          <p:cNvSpPr>
+            <a:spLocks noGrp="1"/>
+          </p:cNvSpPr>
+          <p:nvPr>
+            <p:ph type="chart" sz="quarter" idx="17"/>
+          </p:nvPr>
+        </p:nvSpPr>
+        <p:spPr>
+          <a:xfrm>
+            <a:off x="8278781" y="4024800"/>
+            <a:ext cx="3456000" cy="2340000"/>
+          </a:xfrm>
+          <a:prstGeom prst="rect">
+            <a:avLst/>
+          </a:prstGeom>
+        </p:spPr>
+        <p:txBody>
+          <a:bodyPr/>
+          <a:lstStyle>
+            <a:lvl1pPr marL="0" indent="0">
+              <a:buNone/>
+              <a:defRPr sz="3200"/>
+            </a:lvl1pPr>
+          </a:lstStyle>
+          <a:p>
+            <a:endParaRPr lang="nl-NL"/>
+          </a:p>
+        </p:txBody>
+      </p:sp>
+      <p:sp>
+        <p:nvSpPr>
+          <p:cNvPr id="22" name="Grafiek ouders regels">
+            <a:extLst>
+              <a:ext uri="{FF2B5EF4-FFF2-40B4-BE49-F238E27FC236}">
+                <a16:creationId xmlns:a16="http://schemas.microsoft.com/office/drawing/2014/main" id="{8927A105-2FB9-7D11-40DE-61B54C218EB8}"/>
+              </a:ext>
+            </a:extLst>
+          </p:cNvPr>
+          <p:cNvSpPr>
+            <a:spLocks noGrp="1"/>
+          </p:cNvSpPr>
+          <p:nvPr>
+            <p:ph type="chart" sz="quarter" idx="16"/>
+          </p:nvPr>
+        </p:nvSpPr>
+        <p:spPr>
+          <a:xfrm>
+            <a:off x="8278781" y="1519200"/>
+            <a:ext cx="3456000" cy="2340000"/>
+          </a:xfrm>
+          <a:prstGeom prst="rect">
+            <a:avLst/>
+          </a:prstGeom>
+        </p:spPr>
+        <p:txBody>
+          <a:bodyPr/>
+          <a:lstStyle>
+            <a:lvl1pPr marL="0" indent="0">
+              <a:buNone/>
+              <a:defRPr sz="3200"/>
+            </a:lvl1pPr>
+          </a:lstStyle>
+          <a:p>
+            <a:endParaRPr lang="nl-NL"/>
+          </a:p>
+        </p:txBody>
+      </p:sp>
+      <p:sp>
+        <p:nvSpPr>
+          <p:cNvPr id="23" name="Grafiek ouders tijd">
+            <a:extLst>
+              <a:ext uri="{FF2B5EF4-FFF2-40B4-BE49-F238E27FC236}">
+                <a16:creationId xmlns:a16="http://schemas.microsoft.com/office/drawing/2014/main" id="{E4AB63F7-4C6C-2EBF-E8D7-FBB386352204}"/>
+              </a:ext>
+            </a:extLst>
+          </p:cNvPr>
+          <p:cNvSpPr>
+            <a:spLocks noGrp="1"/>
+          </p:cNvSpPr>
+          <p:nvPr>
+            <p:ph type="chart" sz="quarter" idx="19"/>
+          </p:nvPr>
+        </p:nvSpPr>
+        <p:spPr>
+          <a:xfrm>
+            <a:off x="4370400" y="4024800"/>
+            <a:ext cx="3456000" cy="2340000"/>
+          </a:xfrm>
+          <a:prstGeom prst="rect">
+            <a:avLst/>
+          </a:prstGeom>
+        </p:spPr>
+        <p:txBody>
+          <a:bodyPr/>
+          <a:lstStyle>
+            <a:lvl1pPr marL="0" indent="0">
+              <a:buNone/>
+              <a:defRPr sz="3200"/>
+            </a:lvl1pPr>
+          </a:lstStyle>
+          <a:p>
+            <a:endParaRPr lang="nl-NL" dirty="0"/>
+          </a:p>
+        </p:txBody>
+      </p:sp>
+      <p:sp>
+        <p:nvSpPr>
+          <p:cNvPr id="24" name="Grafiek ouders weten">
+            <a:extLst>
+              <a:ext uri="{FF2B5EF4-FFF2-40B4-BE49-F238E27FC236}">
+                <a16:creationId xmlns:a16="http://schemas.microsoft.com/office/drawing/2014/main" id="{6E66AB55-227B-CE36-7E38-E5FA74E13257}"/>
+              </a:ext>
+            </a:extLst>
+          </p:cNvPr>
+          <p:cNvSpPr>
+            <a:spLocks noGrp="1"/>
+          </p:cNvSpPr>
+          <p:nvPr>
+            <p:ph type="chart" sz="quarter" idx="20"/>
+          </p:nvPr>
+        </p:nvSpPr>
+        <p:spPr>
+          <a:xfrm>
+            <a:off x="4370400" y="1519200"/>
+            <a:ext cx="3456000" cy="2340000"/>
+          </a:xfrm>
+          <a:prstGeom prst="rect">
+            <a:avLst/>
+          </a:prstGeom>
+        </p:spPr>
+        <p:txBody>
+          <a:bodyPr/>
+          <a:lstStyle>
+            <a:lvl1pPr marL="0" indent="0">
+              <a:buNone/>
+              <a:defRPr sz="3200"/>
+            </a:lvl1pPr>
+          </a:lstStyle>
+          <a:p>
+            <a:endParaRPr lang="nl-NL" dirty="0"/>
+          </a:p>
+        </p:txBody>
+      </p:sp>
+      <p:sp>
+        <p:nvSpPr>
+          <p:cNvPr id="25" name="Grafiek terecht probleem">
+            <a:extLst>
+              <a:ext uri="{FF2B5EF4-FFF2-40B4-BE49-F238E27FC236}">
+                <a16:creationId xmlns:a16="http://schemas.microsoft.com/office/drawing/2014/main" id="{08F1B6D0-F56B-103E-CE9E-94734C47EF77}"/>
+              </a:ext>
+            </a:extLst>
+          </p:cNvPr>
+          <p:cNvSpPr>
+            <a:spLocks noGrp="1"/>
+          </p:cNvSpPr>
+          <p:nvPr>
+            <p:ph type="chart" sz="quarter" idx="21"/>
+          </p:nvPr>
+        </p:nvSpPr>
+        <p:spPr>
+          <a:xfrm>
+            <a:off x="463887" y="4024800"/>
+            <a:ext cx="3456000" cy="2340000"/>
+          </a:xfrm>
+          <a:prstGeom prst="rect">
+            <a:avLst/>
+          </a:prstGeom>
+        </p:spPr>
+        <p:txBody>
+          <a:bodyPr/>
+          <a:lstStyle>
+            <a:lvl1pPr marL="0" indent="0">
+              <a:buNone/>
+              <a:defRPr sz="3200"/>
+            </a:lvl1pPr>
+          </a:lstStyle>
+          <a:p>
+            <a:endParaRPr lang="nl-NL" dirty="0"/>
+          </a:p>
+        </p:txBody>
+      </p:sp>
+      <p:sp>
+        <p:nvSpPr>
+          <p:cNvPr id="5" name="Percentage terecht">
+            <a:extLst>
+              <a:ext uri="{FF2B5EF4-FFF2-40B4-BE49-F238E27FC236}">
+                <a16:creationId xmlns:a16="http://schemas.microsoft.com/office/drawing/2014/main" id="{1B2381A6-D792-7218-964A-4EEB1B9CC22D}"/>
+              </a:ext>
+            </a:extLst>
+          </p:cNvPr>
+          <p:cNvSpPr>
+            <a:spLocks noGrp="1"/>
+          </p:cNvSpPr>
+          <p:nvPr>
+            <p:ph type="body" sz="quarter" idx="13" hasCustomPrompt="1"/>
+          </p:nvPr>
+        </p:nvSpPr>
+        <p:spPr>
+          <a:xfrm>
+            <a:off x="942521" y="3035890"/>
+            <a:ext cx="838200" cy="838200"/>
+          </a:xfrm>
+          <a:prstGeom prst="ellipse">
+            <a:avLst/>
+          </a:prstGeom>
+          <a:solidFill>
+            <a:schemeClr val="accent5"/>
+          </a:solidFill>
+          <a:ln>
+            <a:noFill/>
+          </a:ln>
+        </p:spPr>
+        <p:txBody>
+          <a:bodyPr anchor="ctr"/>
+          <a:lstStyle>
+            <a:lvl1pPr marL="0" indent="0" algn="ctr">
+              <a:buNone/>
+              <a:defRPr sz="1600" b="1">
+                <a:solidFill>
+                  <a:schemeClr val="bg1"/>
+                </a:solidFill>
+                <a:latin typeface="Century Gothic" panose="020B0502020202020204" pitchFamily="34" charset="0"/>
+              </a:defRPr>
+            </a:lvl1pPr>
+            <a:lvl2pPr marL="502159" indent="0">
+              <a:buNone/>
+              <a:defRPr/>
+            </a:lvl2pPr>
+            <a:lvl3pPr marL="1004316" indent="0">
+              <a:buNone/>
+              <a:defRPr/>
+            </a:lvl3pPr>
+            <a:lvl4pPr marL="1506476" indent="0">
+              <a:buNone/>
+              <a:defRPr/>
+            </a:lvl4pPr>
+            <a:lvl5pPr marL="2008632" indent="0">
+              <a:buNone/>
+              <a:defRPr/>
+            </a:lvl5pPr>
+          </a:lstStyle>
+          <a:p>
+            <a:pPr lvl="0"/>
+            <a:r>
+              <a:rPr lang="nl-NL" dirty="0"/>
+              <a:t>xx%</a:t>
+            </a:r>
+          </a:p>
+        </p:txBody>
+      </p:sp>
+    </p:spTree>
+    <p:extLst>
+      <p:ext uri="{BB962C8B-B14F-4D97-AF65-F5344CB8AC3E}">
+        <p14:creationId xmlns:p14="http://schemas.microsoft.com/office/powerpoint/2010/main" val="2634502353"/>
+      </p:ext>
+    </p:extLst>
+  </p:cSld>
+  <p:clrMapOvr>
+    <a:masterClrMapping/>
+  </p:clrMapOvr>
+  <p:extLst>
+    <p:ext uri="{DCECCB84-F9BA-43D5-87BE-67443E8EF086}">
+      <p15:sldGuideLst xmlns:p15="http://schemas.microsoft.com/office/powerpoint/2012/main">
+        <p15:guide id="1" orient="horz" pos="2160" userDrawn="1">
+          <p15:clr>
+            <a:srgbClr val="FBAE40"/>
+          </p15:clr>
+        </p15:guide>
+        <p15:guide id="2" pos="3840" userDrawn="1">
+          <p15:clr>
+            <a:srgbClr val="FBAE40"/>
+          </p15:clr>
+        </p15:guide>
+      </p15:sldGuideLst>
+    </p:ext>
+  </p:extLst>
+</p:sldLayout>
+</file>
+
+<file path=ppt/slideLayouts/slideLayout12.xml><?xml version="1.0" encoding="utf-8"?>
 <p:sldLayout xmlns:a="http://schemas.openxmlformats.org/drawingml/2006/main" xmlns:r="http://schemas.openxmlformats.org/officeDocument/2006/relationships" xmlns:p="http://schemas.openxmlformats.org/presentationml/2006/main" preserve="1" userDrawn="1">
   <p:cSld name="School">
     <p:spTree>
@@ -3026,7 +4023,7 @@
 </p:sldLayout>
 </file>
 
-<file path=ppt/slideLayouts/slideLayout12.xml><?xml version="1.0" encoding="utf-8"?>
+<file path=ppt/slideLayouts/slideLayout13.xml><?xml version="1.0" encoding="utf-8"?>
 <p:sldLayout xmlns:a="http://schemas.openxmlformats.org/drawingml/2006/main" xmlns:r="http://schemas.openxmlformats.org/officeDocument/2006/relationships" xmlns:p="http://schemas.openxmlformats.org/presentationml/2006/main" preserve="1" userDrawn="1">
   <p:cSld name="Leeftijdsgenoten">
     <p:spTree>
@@ -4022,7 +5019,7 @@
 </p:sldLayout>
 </file>
 
-<file path=ppt/slideLayouts/slideLayout13.xml><?xml version="1.0" encoding="utf-8"?>
+<file path=ppt/slideLayouts/slideLayout14.xml><?xml version="1.0" encoding="utf-8"?>
 <p:sldLayout xmlns:a="http://schemas.openxmlformats.org/drawingml/2006/main" xmlns:r="http://schemas.openxmlformats.org/officeDocument/2006/relationships" xmlns:p="http://schemas.openxmlformats.org/presentationml/2006/main" preserve="1" userDrawn="1">
   <p:cSld name="Leeftijdsgenoten 2">
     <p:spTree>
@@ -4825,7 +5822,7 @@
 </p:sldLayout>
 </file>
 
-<file path=ppt/slideLayouts/slideLayout14.xml><?xml version="1.0" encoding="utf-8"?>
+<file path=ppt/slideLayouts/slideLayout15.xml><?xml version="1.0" encoding="utf-8"?>
 <p:sldLayout xmlns:a="http://schemas.openxmlformats.org/drawingml/2006/main" xmlns:r="http://schemas.openxmlformats.org/officeDocument/2006/relationships" xmlns:p="http://schemas.openxmlformats.org/presentationml/2006/main" preserve="1" userDrawn="1">
   <p:cSld name="Leeftijdsgenoten 3">
     <p:spTree>
@@ -5511,6 +6508,44 @@
           </a:p>
         </p:txBody>
       </p:sp>
+      <p:sp>
+        <p:nvSpPr>
+          <p:cNvPr id="8" name="Toevoeging">
+            <a:extLst>
+              <a:ext uri="{FF2B5EF4-FFF2-40B4-BE49-F238E27FC236}">
+                <a16:creationId xmlns:a16="http://schemas.microsoft.com/office/drawing/2014/main" id="{6C3CADC8-EEAB-828D-62BC-6CA67D8282C1}"/>
+              </a:ext>
+            </a:extLst>
+          </p:cNvPr>
+          <p:cNvSpPr>
+            <a:spLocks noGrp="1"/>
+          </p:cNvSpPr>
+          <p:nvPr>
+            <p:ph type="chart" sz="quarter" idx="21"/>
+          </p:nvPr>
+        </p:nvSpPr>
+        <p:spPr>
+          <a:xfrm>
+            <a:off x="455479" y="4024800"/>
+            <a:ext cx="3456000" cy="2196000"/>
+          </a:xfrm>
+          <a:prstGeom prst="rect">
+            <a:avLst/>
+          </a:prstGeom>
+        </p:spPr>
+        <p:txBody>
+          <a:bodyPr/>
+          <a:lstStyle>
+            <a:lvl1pPr marL="0" indent="0">
+              <a:buNone/>
+              <a:defRPr sz="3200"/>
+            </a:lvl1pPr>
+          </a:lstStyle>
+          <a:p>
+            <a:endParaRPr lang="nl-NL" dirty="0"/>
+          </a:p>
+        </p:txBody>
+      </p:sp>
     </p:spTree>
     <p:extLst>
       <p:ext uri="{BB962C8B-B14F-4D97-AF65-F5344CB8AC3E}">
@@ -5540,7 +6575,7 @@
 </p:sldLayout>
 </file>
 
-<file path=ppt/slideLayouts/slideLayout15.xml><?xml version="1.0" encoding="utf-8"?>
+<file path=ppt/slideLayouts/slideLayout16.xml><?xml version="1.0" encoding="utf-8"?>
 <p:sldLayout xmlns:a="http://schemas.openxmlformats.org/drawingml/2006/main" xmlns:r="http://schemas.openxmlformats.org/officeDocument/2006/relationships" xmlns:p="http://schemas.openxmlformats.org/presentationml/2006/main" preserve="1" userDrawn="1">
   <p:cSld name="Leeftijdsgenoten 4">
     <p:spTree>
@@ -6148,7 +7183,7 @@
 </p:sldLayout>
 </file>
 
-<file path=ppt/slideLayouts/slideLayout16.xml><?xml version="1.0" encoding="utf-8"?>
+<file path=ppt/slideLayouts/slideLayout17.xml><?xml version="1.0" encoding="utf-8"?>
 <p:sldLayout xmlns:a="http://schemas.openxmlformats.org/drawingml/2006/main" xmlns:r="http://schemas.openxmlformats.org/officeDocument/2006/relationships" xmlns:p="http://schemas.openxmlformats.org/presentationml/2006/main" preserve="1" userDrawn="1">
   <p:cSld name="Vrije tijd">
     <p:spTree>
@@ -7251,7 +8286,7 @@
 </p:sldLayout>
 </file>
 
-<file path=ppt/slideLayouts/slideLayout17.xml><?xml version="1.0" encoding="utf-8"?>
+<file path=ppt/slideLayouts/slideLayout18.xml><?xml version="1.0" encoding="utf-8"?>
 <p:sldLayout xmlns:a="http://schemas.openxmlformats.org/drawingml/2006/main" xmlns:r="http://schemas.openxmlformats.org/officeDocument/2006/relationships" xmlns:p="http://schemas.openxmlformats.org/presentationml/2006/main" preserve="1" userDrawn="1">
   <p:cSld name="Vrije tijd 2">
     <p:spTree>
@@ -8027,9 +9062,9 @@
 </p:sldLayout>
 </file>
 
-<file path=ppt/slideLayouts/slideLayout2.xml><?xml version="1.0" encoding="utf-8"?>
+<file path=ppt/slideLayouts/slideLayout19.xml><?xml version="1.0" encoding="utf-8"?>
 <p:sldLayout xmlns:a="http://schemas.openxmlformats.org/drawingml/2006/main" xmlns:r="http://schemas.openxmlformats.org/officeDocument/2006/relationships" xmlns:p="http://schemas.openxmlformats.org/presentationml/2006/main" preserve="1" userDrawn="1">
-  <p:cSld name="Inhoudsopgave">
+  <p:cSld name="1_Vrije tijd 2">
     <p:spTree>
       <p:nvGrpSpPr>
         <p:cNvPr id="1" name=""/>
@@ -8046,10 +9081,10 @@
       </p:grpSpPr>
       <p:cxnSp>
         <p:nvCxnSpPr>
-          <p:cNvPr id="2" name="Rechter scheidingslijn" hidden="1">
-            <a:extLst>
-              <a:ext uri="{FF2B5EF4-FFF2-40B4-BE49-F238E27FC236}">
-                <a16:creationId xmlns:a16="http://schemas.microsoft.com/office/drawing/2014/main" id="{4F24702C-E64E-2547-EF7A-D18982DAC4CD}"/>
+          <p:cNvPr id="16" name="Linker scheidingslijn" hidden="1">
+            <a:extLst>
+              <a:ext uri="{FF2B5EF4-FFF2-40B4-BE49-F238E27FC236}">
+                <a16:creationId xmlns:a16="http://schemas.microsoft.com/office/drawing/2014/main" id="{BF991402-2FA5-B072-B26C-C18CB28F119D}"/>
               </a:ext>
             </a:extLst>
           </p:cNvPr>
@@ -8060,7 +9095,7 @@
         </p:nvCxnSpPr>
         <p:spPr>
           <a:xfrm flipV="1">
-            <a:off x="8051825" y="1519200"/>
+            <a:off x="4140175" y="1519200"/>
             <a:ext cx="0" cy="4881600"/>
           </a:xfrm>
           <a:prstGeom prst="line">
@@ -8090,58 +9125,12 @@
           </a:fontRef>
         </p:style>
       </p:cxnSp>
-      <p:cxnSp>
-        <p:nvCxnSpPr>
-          <p:cNvPr id="5" name="Linker scheidingslijn" hidden="1">
-            <a:extLst>
-              <a:ext uri="{FF2B5EF4-FFF2-40B4-BE49-F238E27FC236}">
-                <a16:creationId xmlns:a16="http://schemas.microsoft.com/office/drawing/2014/main" id="{024B5762-4C9B-2E1A-D584-EA7C43CAD9B0}"/>
-              </a:ext>
-            </a:extLst>
-          </p:cNvPr>
-          <p:cNvCxnSpPr>
-            <a:cxnSpLocks/>
-          </p:cNvCxnSpPr>
-          <p:nvPr userDrawn="1"/>
-        </p:nvCxnSpPr>
-        <p:spPr>
-          <a:xfrm flipV="1">
-            <a:off x="4140175" y="1519200"/>
-            <a:ext cx="0" cy="4881600"/>
-          </a:xfrm>
-          <a:prstGeom prst="line">
-            <a:avLst/>
-          </a:prstGeom>
-          <a:ln w="12700">
-            <a:solidFill>
-              <a:schemeClr val="tx2">
-                <a:lumMod val="20000"/>
-                <a:lumOff val="80000"/>
-              </a:schemeClr>
-            </a:solidFill>
-          </a:ln>
-        </p:spPr>
-        <p:style>
-          <a:lnRef idx="1">
-            <a:schemeClr val="accent1"/>
-          </a:lnRef>
-          <a:fillRef idx="0">
-            <a:schemeClr val="accent1"/>
-          </a:fillRef>
-          <a:effectRef idx="0">
-            <a:schemeClr val="accent1"/>
-          </a:effectRef>
-          <a:fontRef idx="minor">
-            <a:schemeClr val="tx1"/>
-          </a:fontRef>
-        </p:style>
-      </p:cxnSp>
-      <p:sp>
-        <p:nvSpPr>
-          <p:cNvPr id="6" name="Rechtervlak" hidden="1">
-            <a:extLst>
-              <a:ext uri="{FF2B5EF4-FFF2-40B4-BE49-F238E27FC236}">
-                <a16:creationId xmlns:a16="http://schemas.microsoft.com/office/drawing/2014/main" id="{C48817EE-9108-2543-1BCB-27B17B31E919}"/>
+      <p:sp>
+        <p:nvSpPr>
+          <p:cNvPr id="17" name="Rechtervlak" hidden="1">
+            <a:extLst>
+              <a:ext uri="{FF2B5EF4-FFF2-40B4-BE49-F238E27FC236}">
+                <a16:creationId xmlns:a16="http://schemas.microsoft.com/office/drawing/2014/main" id="{478B4E9C-6EA3-86BA-A005-4898D3F0418B}"/>
               </a:ext>
             </a:extLst>
           </p:cNvPr>
@@ -8192,10 +9181,10 @@
       </p:sp>
       <p:sp>
         <p:nvSpPr>
-          <p:cNvPr id="7" name="Middenvlak" hidden="1">
-            <a:extLst>
-              <a:ext uri="{FF2B5EF4-FFF2-40B4-BE49-F238E27FC236}">
-                <a16:creationId xmlns:a16="http://schemas.microsoft.com/office/drawing/2014/main" id="{E136F790-08A3-3874-D920-266B03612B9F}"/>
+          <p:cNvPr id="18" name="Middenvlak" hidden="1">
+            <a:extLst>
+              <a:ext uri="{FF2B5EF4-FFF2-40B4-BE49-F238E27FC236}">
+                <a16:creationId xmlns:a16="http://schemas.microsoft.com/office/drawing/2014/main" id="{BF23DF73-A70D-5886-BDA9-8AC739DA40ED}"/>
               </a:ext>
             </a:extLst>
           </p:cNvPr>
@@ -8204,7 +9193,7 @@
         </p:nvSpPr>
         <p:spPr>
           <a:xfrm>
-            <a:off x="4368870" y="1519200"/>
+            <a:off x="4368814" y="1520170"/>
             <a:ext cx="3454375" cy="4880630"/>
           </a:xfrm>
           <a:prstGeom prst="rect">
@@ -8246,10 +9235,10 @@
       </p:sp>
       <p:sp>
         <p:nvSpPr>
-          <p:cNvPr id="8" name="Linkervlak" hidden="1">
-            <a:extLst>
-              <a:ext uri="{FF2B5EF4-FFF2-40B4-BE49-F238E27FC236}">
-                <a16:creationId xmlns:a16="http://schemas.microsoft.com/office/drawing/2014/main" id="{D6EE9A9C-0C94-24AE-98D4-30E97FD9D95E}"/>
+          <p:cNvPr id="19" name="Linkervlak" hidden="1">
+            <a:extLst>
+              <a:ext uri="{FF2B5EF4-FFF2-40B4-BE49-F238E27FC236}">
+                <a16:creationId xmlns:a16="http://schemas.microsoft.com/office/drawing/2014/main" id="{97D42C6D-667D-3980-8218-AB7A63BFE11B}"/>
               </a:ext>
             </a:extLst>
           </p:cNvPr>
@@ -8300,10 +9289,10 @@
       </p:sp>
       <p:sp>
         <p:nvSpPr>
-          <p:cNvPr id="10" name="Driehoek">
-            <a:extLst>
-              <a:ext uri="{FF2B5EF4-FFF2-40B4-BE49-F238E27FC236}">
-                <a16:creationId xmlns:a16="http://schemas.microsoft.com/office/drawing/2014/main" id="{D382B982-138B-EF5F-A4A3-F952DD1C516E}"/>
+          <p:cNvPr id="21" name="Driehoek">
+            <a:extLst>
+              <a:ext uri="{FF2B5EF4-FFF2-40B4-BE49-F238E27FC236}">
+                <a16:creationId xmlns:a16="http://schemas.microsoft.com/office/drawing/2014/main" id="{21B134B6-8770-5116-9C38-3B3F380F4B00}"/>
               </a:ext>
             </a:extLst>
           </p:cNvPr>
@@ -8326,16 +9315,14 @@
           </a:ln>
         </p:spPr>
         <p:style>
-          <a:lnRef idx="2">
-            <a:schemeClr val="accent1">
-              <a:shade val="50000"/>
-            </a:schemeClr>
+          <a:lnRef idx="0">
+            <a:scrgbClr r="0" g="0" b="0"/>
           </a:lnRef>
-          <a:fillRef idx="1">
-            <a:schemeClr val="accent1"/>
+          <a:fillRef idx="0">
+            <a:scrgbClr r="0" g="0" b="0"/>
           </a:fillRef>
           <a:effectRef idx="0">
-            <a:schemeClr val="accent1"/>
+            <a:scrgbClr r="0" g="0" b="0"/>
           </a:effectRef>
           <a:fontRef idx="minor">
             <a:schemeClr val="lt1"/>
@@ -8354,10 +9341,10 @@
       </p:sp>
       <p:sp>
         <p:nvSpPr>
-          <p:cNvPr id="11" name="Titelblok">
-            <a:extLst>
-              <a:ext uri="{FF2B5EF4-FFF2-40B4-BE49-F238E27FC236}">
-                <a16:creationId xmlns:a16="http://schemas.microsoft.com/office/drawing/2014/main" id="{25BB0762-1AD0-F5A1-E01E-F53682EB8F5D}"/>
+          <p:cNvPr id="22" name="Titelblok">
+            <a:extLst>
+              <a:ext uri="{FF2B5EF4-FFF2-40B4-BE49-F238E27FC236}">
+                <a16:creationId xmlns:a16="http://schemas.microsoft.com/office/drawing/2014/main" id="{4A4E7343-055A-E338-0CFE-074BB9B9608F}"/>
               </a:ext>
             </a:extLst>
           </p:cNvPr>
@@ -8380,16 +9367,14 @@
           </a:ln>
         </p:spPr>
         <p:style>
-          <a:lnRef idx="2">
-            <a:schemeClr val="accent1">
-              <a:shade val="50000"/>
-            </a:schemeClr>
+          <a:lnRef idx="0">
+            <a:scrgbClr r="0" g="0" b="0"/>
           </a:lnRef>
-          <a:fillRef idx="1">
-            <a:schemeClr val="accent1"/>
+          <a:fillRef idx="0">
+            <a:scrgbClr r="0" g="0" b="0"/>
           </a:fillRef>
           <a:effectRef idx="0">
-            <a:schemeClr val="accent1"/>
+            <a:scrgbClr r="0" g="0" b="0"/>
           </a:effectRef>
           <a:fontRef idx="minor">
             <a:schemeClr val="lt1"/>
@@ -8404,434 +9389,17 @@
               <a:rPr lang="nl-NL" sz="2400" b="1" noProof="0" dirty="0">
                 <a:latin typeface="Century Gothic" panose="020B0502020202020204" pitchFamily="34" charset="0"/>
               </a:rPr>
-              <a:t>Inhoudsopgave</a:t>
+              <a:t>Contact</a:t>
             </a:r>
-            <a:endParaRPr lang="nl-NL" sz="1800" b="1" noProof="0" dirty="0">
-              <a:latin typeface="Century Gothic" panose="020B0502020202020204" pitchFamily="34" charset="0"/>
-            </a:endParaRPr>
-          </a:p>
-        </p:txBody>
-      </p:sp>
-    </p:spTree>
-    <p:extLst>
-      <p:ext uri="{BB962C8B-B14F-4D97-AF65-F5344CB8AC3E}">
-        <p14:creationId xmlns:p14="http://schemas.microsoft.com/office/powerpoint/2010/main" val="2036413586"/>
-      </p:ext>
-    </p:extLst>
-  </p:cSld>
-  <p:clrMapOvr>
-    <a:masterClrMapping/>
-  </p:clrMapOvr>
-  <p:extLst>
-    <p:ext uri="{DCECCB84-F9BA-43D5-87BE-67443E8EF086}">
-      <p15:sldGuideLst xmlns:p15="http://schemas.microsoft.com/office/powerpoint/2012/main">
-        <p15:guide id="1" orient="horz" pos="2160" userDrawn="1">
-          <p15:clr>
-            <a:srgbClr val="FBAE40"/>
-          </p15:clr>
-        </p15:guide>
-        <p15:guide id="2" pos="3840" userDrawn="1">
-          <p15:clr>
-            <a:srgbClr val="FBAE40"/>
-          </p15:clr>
-        </p15:guide>
-      </p15:sldGuideLst>
-    </p:ext>
-  </p:extLst>
-</p:sldLayout>
-</file>
-
-<file path=ppt/slideLayouts/slideLayout3.xml><?xml version="1.0" encoding="utf-8"?>
-<p:sldLayout xmlns:a="http://schemas.openxmlformats.org/drawingml/2006/main" xmlns:r="http://schemas.openxmlformats.org/officeDocument/2006/relationships" xmlns:p="http://schemas.openxmlformats.org/presentationml/2006/main" preserve="1" userDrawn="1">
-  <p:cSld name="Toelichting">
-    <p:spTree>
-      <p:nvGrpSpPr>
-        <p:cNvPr id="1" name=""/>
-        <p:cNvGrpSpPr/>
-        <p:nvPr/>
-      </p:nvGrpSpPr>
-      <p:grpSpPr>
-        <a:xfrm>
-          <a:off x="0" y="0"/>
-          <a:ext cx="0" cy="0"/>
-          <a:chOff x="0" y="0"/>
-          <a:chExt cx="0" cy="0"/>
-        </a:xfrm>
-      </p:grpSpPr>
-      <p:cxnSp>
-        <p:nvCxnSpPr>
-          <p:cNvPr id="3" name="Rechter scheidingslijn" hidden="1">
-            <a:extLst>
-              <a:ext uri="{FF2B5EF4-FFF2-40B4-BE49-F238E27FC236}">
-                <a16:creationId xmlns:a16="http://schemas.microsoft.com/office/drawing/2014/main" id="{FDECFAAB-D754-F97C-74FE-839594156FA2}"/>
-              </a:ext>
-            </a:extLst>
-          </p:cNvPr>
-          <p:cNvCxnSpPr>
-            <a:cxnSpLocks/>
-          </p:cNvCxnSpPr>
-          <p:nvPr userDrawn="1"/>
-        </p:nvCxnSpPr>
-        <p:spPr>
-          <a:xfrm flipV="1">
-            <a:off x="8051825" y="1519200"/>
-            <a:ext cx="0" cy="4881600"/>
-          </a:xfrm>
-          <a:prstGeom prst="line">
-            <a:avLst/>
-          </a:prstGeom>
-          <a:ln w="12700">
-            <a:solidFill>
-              <a:schemeClr val="tx2">
-                <a:lumMod val="20000"/>
-                <a:lumOff val="80000"/>
-              </a:schemeClr>
-            </a:solidFill>
-          </a:ln>
-        </p:spPr>
-        <p:style>
-          <a:lnRef idx="1">
-            <a:schemeClr val="accent1"/>
-          </a:lnRef>
-          <a:fillRef idx="0">
-            <a:schemeClr val="accent1"/>
-          </a:fillRef>
-          <a:effectRef idx="0">
-            <a:schemeClr val="accent1"/>
-          </a:effectRef>
-          <a:fontRef idx="minor">
-            <a:schemeClr val="tx1"/>
-          </a:fontRef>
-        </p:style>
-      </p:cxnSp>
-      <p:cxnSp>
-        <p:nvCxnSpPr>
-          <p:cNvPr id="5" name="Linker scheidingslijn" hidden="1">
-            <a:extLst>
-              <a:ext uri="{FF2B5EF4-FFF2-40B4-BE49-F238E27FC236}">
-                <a16:creationId xmlns:a16="http://schemas.microsoft.com/office/drawing/2014/main" id="{2D7E72C6-5CA6-7B1A-0C91-91CE52CD78AE}"/>
-              </a:ext>
-            </a:extLst>
-          </p:cNvPr>
-          <p:cNvCxnSpPr>
-            <a:cxnSpLocks/>
-          </p:cNvCxnSpPr>
-          <p:nvPr userDrawn="1"/>
-        </p:nvCxnSpPr>
-        <p:spPr>
-          <a:xfrm flipV="1">
-            <a:off x="4140175" y="1519200"/>
-            <a:ext cx="0" cy="4881600"/>
-          </a:xfrm>
-          <a:prstGeom prst="line">
-            <a:avLst/>
-          </a:prstGeom>
-          <a:ln w="12700">
-            <a:solidFill>
-              <a:schemeClr val="tx2">
-                <a:lumMod val="20000"/>
-                <a:lumOff val="80000"/>
-              </a:schemeClr>
-            </a:solidFill>
-          </a:ln>
-        </p:spPr>
-        <p:style>
-          <a:lnRef idx="1">
-            <a:schemeClr val="accent1"/>
-          </a:lnRef>
-          <a:fillRef idx="0">
-            <a:schemeClr val="accent1"/>
-          </a:fillRef>
-          <a:effectRef idx="0">
-            <a:schemeClr val="accent1"/>
-          </a:effectRef>
-          <a:fontRef idx="minor">
-            <a:schemeClr val="tx1"/>
-          </a:fontRef>
-        </p:style>
-      </p:cxnSp>
-      <p:sp>
-        <p:nvSpPr>
-          <p:cNvPr id="8" name="Rechtervlak" hidden="1">
-            <a:extLst>
-              <a:ext uri="{FF2B5EF4-FFF2-40B4-BE49-F238E27FC236}">
-                <a16:creationId xmlns:a16="http://schemas.microsoft.com/office/drawing/2014/main" id="{B3354C12-7F6E-3696-5BCB-73772B9B0AF7}"/>
-              </a:ext>
-            </a:extLst>
-          </p:cNvPr>
-          <p:cNvSpPr/>
-          <p:nvPr userDrawn="1"/>
-        </p:nvSpPr>
-        <p:spPr>
-          <a:xfrm>
-            <a:off x="8280409" y="1520170"/>
-            <a:ext cx="3454375" cy="4880630"/>
-          </a:xfrm>
-          <a:prstGeom prst="rect">
-            <a:avLst/>
-          </a:prstGeom>
-          <a:solidFill>
-            <a:schemeClr val="bg1">
-              <a:lumMod val="95000"/>
-            </a:schemeClr>
-          </a:solidFill>
-          <a:ln>
-            <a:noFill/>
-          </a:ln>
-        </p:spPr>
-        <p:style>
-          <a:lnRef idx="2">
-            <a:schemeClr val="accent1">
-              <a:shade val="15000"/>
-            </a:schemeClr>
-          </a:lnRef>
-          <a:fillRef idx="1">
-            <a:schemeClr val="accent1"/>
-          </a:fillRef>
-          <a:effectRef idx="0">
-            <a:schemeClr val="accent1"/>
-          </a:effectRef>
-          <a:fontRef idx="minor">
-            <a:schemeClr val="lt1"/>
-          </a:fontRef>
-        </p:style>
-        <p:txBody>
-          <a:bodyPr rtlCol="0" anchor="ctr"/>
-          <a:lstStyle/>
-          <a:p>
-            <a:pPr algn="ctr"/>
-            <a:endParaRPr lang="nl-NL" sz="1240"/>
-          </a:p>
-        </p:txBody>
-      </p:sp>
-      <p:sp>
-        <p:nvSpPr>
-          <p:cNvPr id="9" name="Middenvlak" hidden="1">
-            <a:extLst>
-              <a:ext uri="{FF2B5EF4-FFF2-40B4-BE49-F238E27FC236}">
-                <a16:creationId xmlns:a16="http://schemas.microsoft.com/office/drawing/2014/main" id="{C3B8DC55-799A-9CEE-0ED8-0B8FED5F9317}"/>
-              </a:ext>
-            </a:extLst>
-          </p:cNvPr>
-          <p:cNvSpPr/>
-          <p:nvPr userDrawn="1"/>
-        </p:nvSpPr>
-        <p:spPr>
-          <a:xfrm>
-            <a:off x="4368814" y="1520170"/>
-            <a:ext cx="3454375" cy="4880630"/>
-          </a:xfrm>
-          <a:prstGeom prst="rect">
-            <a:avLst/>
-          </a:prstGeom>
-          <a:solidFill>
-            <a:schemeClr val="bg1">
-              <a:lumMod val="95000"/>
-            </a:schemeClr>
-          </a:solidFill>
-          <a:ln>
-            <a:noFill/>
-          </a:ln>
-        </p:spPr>
-        <p:style>
-          <a:lnRef idx="2">
-            <a:schemeClr val="accent1">
-              <a:shade val="15000"/>
-            </a:schemeClr>
-          </a:lnRef>
-          <a:fillRef idx="1">
-            <a:schemeClr val="accent1"/>
-          </a:fillRef>
-          <a:effectRef idx="0">
-            <a:schemeClr val="accent1"/>
-          </a:effectRef>
-          <a:fontRef idx="minor">
-            <a:schemeClr val="lt1"/>
-          </a:fontRef>
-        </p:style>
-        <p:txBody>
-          <a:bodyPr rtlCol="0" anchor="ctr"/>
-          <a:lstStyle/>
-          <a:p>
-            <a:pPr algn="ctr"/>
-            <a:endParaRPr lang="nl-NL" sz="1240"/>
-          </a:p>
-        </p:txBody>
-      </p:sp>
-      <p:sp>
-        <p:nvSpPr>
-          <p:cNvPr id="10" name="Linkervlak" hidden="1">
-            <a:extLst>
-              <a:ext uri="{FF2B5EF4-FFF2-40B4-BE49-F238E27FC236}">
-                <a16:creationId xmlns:a16="http://schemas.microsoft.com/office/drawing/2014/main" id="{61963E38-AC16-8FB5-CE17-33645891A9B4}"/>
-              </a:ext>
-            </a:extLst>
-          </p:cNvPr>
-          <p:cNvSpPr/>
-          <p:nvPr userDrawn="1"/>
-        </p:nvSpPr>
-        <p:spPr>
-          <a:xfrm>
-            <a:off x="457221" y="1520170"/>
-            <a:ext cx="3454375" cy="4880630"/>
-          </a:xfrm>
-          <a:prstGeom prst="rect">
-            <a:avLst/>
-          </a:prstGeom>
-          <a:solidFill>
-            <a:schemeClr val="bg1">
-              <a:lumMod val="95000"/>
-            </a:schemeClr>
-          </a:solidFill>
-          <a:ln>
-            <a:noFill/>
-          </a:ln>
-        </p:spPr>
-        <p:style>
-          <a:lnRef idx="2">
-            <a:schemeClr val="accent1">
-              <a:shade val="15000"/>
-            </a:schemeClr>
-          </a:lnRef>
-          <a:fillRef idx="1">
-            <a:schemeClr val="accent1"/>
-          </a:fillRef>
-          <a:effectRef idx="0">
-            <a:schemeClr val="accent1"/>
-          </a:effectRef>
-          <a:fontRef idx="minor">
-            <a:schemeClr val="lt1"/>
-          </a:fontRef>
-        </p:style>
-        <p:txBody>
-          <a:bodyPr rtlCol="0" anchor="ctr"/>
-          <a:lstStyle/>
-          <a:p>
-            <a:pPr algn="ctr"/>
-            <a:endParaRPr lang="nl-NL" sz="1240"/>
-          </a:p>
-        </p:txBody>
-      </p:sp>
-      <p:sp>
-        <p:nvSpPr>
-          <p:cNvPr id="4" name="Driehoek">
-            <a:extLst>
-              <a:ext uri="{FF2B5EF4-FFF2-40B4-BE49-F238E27FC236}">
-                <a16:creationId xmlns:a16="http://schemas.microsoft.com/office/drawing/2014/main" id="{6BF81F9D-47A9-F838-539A-4DA092003706}"/>
-              </a:ext>
-            </a:extLst>
-          </p:cNvPr>
-          <p:cNvSpPr/>
-          <p:nvPr userDrawn="1"/>
-        </p:nvSpPr>
-        <p:spPr>
-          <a:xfrm rot="10800000" flipH="1">
-            <a:off x="9719595" y="0"/>
-            <a:ext cx="576000" cy="1066800"/>
-          </a:xfrm>
-          <a:prstGeom prst="rtTriangle">
-            <a:avLst/>
-          </a:prstGeom>
-          <a:solidFill>
-            <a:srgbClr val="011763"/>
-          </a:solidFill>
-          <a:ln>
-            <a:noFill/>
-          </a:ln>
-        </p:spPr>
-        <p:style>
-          <a:lnRef idx="2">
-            <a:schemeClr val="accent1">
-              <a:shade val="50000"/>
-            </a:schemeClr>
-          </a:lnRef>
-          <a:fillRef idx="1">
-            <a:schemeClr val="accent1"/>
-          </a:fillRef>
-          <a:effectRef idx="0">
-            <a:schemeClr val="accent1"/>
-          </a:effectRef>
-          <a:fontRef idx="minor">
-            <a:schemeClr val="lt1"/>
-          </a:fontRef>
-        </p:style>
-        <p:txBody>
-          <a:bodyPr rtlCol="0" anchor="ctr"/>
-          <a:lstStyle/>
-          <a:p>
-            <a:pPr algn="l"/>
-            <a:endParaRPr lang="en-US" sz="1600" b="1">
-              <a:latin typeface="+mn-lt"/>
-            </a:endParaRPr>
-          </a:p>
-        </p:txBody>
-      </p:sp>
-      <p:sp>
-        <p:nvSpPr>
-          <p:cNvPr id="6" name="Titelblok">
-            <a:extLst>
-              <a:ext uri="{FF2B5EF4-FFF2-40B4-BE49-F238E27FC236}">
-                <a16:creationId xmlns:a16="http://schemas.microsoft.com/office/drawing/2014/main" id="{07B0C315-6B31-EEFE-32F9-63CE169AD419}"/>
-              </a:ext>
-            </a:extLst>
-          </p:cNvPr>
-          <p:cNvSpPr/>
-          <p:nvPr userDrawn="1"/>
-        </p:nvSpPr>
-        <p:spPr>
-          <a:xfrm>
-            <a:off x="0" y="0"/>
-            <a:ext cx="9719589" cy="1066800"/>
-          </a:xfrm>
-          <a:prstGeom prst="rect">
-            <a:avLst/>
-          </a:prstGeom>
-          <a:solidFill>
-            <a:srgbClr val="011763"/>
-          </a:solidFill>
-          <a:ln>
-            <a:noFill/>
-          </a:ln>
-        </p:spPr>
-        <p:style>
-          <a:lnRef idx="2">
-            <a:schemeClr val="accent1">
-              <a:shade val="50000"/>
-            </a:schemeClr>
-          </a:lnRef>
-          <a:fillRef idx="1">
-            <a:schemeClr val="accent1"/>
-          </a:fillRef>
-          <a:effectRef idx="0">
-            <a:schemeClr val="accent1"/>
-          </a:effectRef>
-          <a:fontRef idx="minor">
-            <a:schemeClr val="lt1"/>
-          </a:fontRef>
-        </p:style>
-        <p:txBody>
-          <a:bodyPr rtlCol="0" anchor="ctr"/>
-          <a:lstStyle/>
-          <a:p>
-            <a:pPr marL="0" indent="270272" algn="l"/>
-            <a:r>
-              <a:rPr lang="nl-NL" sz="2400" b="1" noProof="0" dirty="0">
-                <a:latin typeface="+mn-lt"/>
-              </a:rPr>
-              <a:t>Toelichting</a:t>
-            </a:r>
-            <a:endParaRPr lang="nl-NL" sz="1800" b="1" noProof="0" dirty="0">
-              <a:latin typeface="+mn-lt"/>
-            </a:endParaRPr>
-          </a:p>
-        </p:txBody>
-      </p:sp>
-      <p:sp>
-        <p:nvSpPr>
-          <p:cNvPr id="7" name="Tekstvak 6">
-            <a:extLst>
-              <a:ext uri="{FF2B5EF4-FFF2-40B4-BE49-F238E27FC236}">
-                <a16:creationId xmlns:a16="http://schemas.microsoft.com/office/drawing/2014/main" id="{AA0CA219-2428-2DC8-8B60-DFF85A1CC921}"/>
+          </a:p>
+        </p:txBody>
+      </p:sp>
+      <p:sp>
+        <p:nvSpPr>
+          <p:cNvPr id="2" name="TextBox 1">
+            <a:extLst>
+              <a:ext uri="{FF2B5EF4-FFF2-40B4-BE49-F238E27FC236}">
+                <a16:creationId xmlns:a16="http://schemas.microsoft.com/office/drawing/2014/main" id="{D58FCCE2-B6C0-B248-DA9E-969396D57D8F}"/>
               </a:ext>
             </a:extLst>
           </p:cNvPr>
@@ -8840,612 +9408,8 @@
         </p:nvSpPr>
         <p:spPr>
           <a:xfrm>
-            <a:off x="457220" y="1531527"/>
-            <a:ext cx="11277561" cy="1631216"/>
-          </a:xfrm>
-          <a:prstGeom prst="rect">
-            <a:avLst/>
-          </a:prstGeom>
-          <a:noFill/>
-        </p:spPr>
-        <p:txBody>
-          <a:bodyPr wrap="square" rtlCol="0">
-            <a:spAutoFit/>
-          </a:bodyPr>
-          <a:lstStyle/>
-          <a:p>
-            <a:r>
-              <a:rPr lang="nl-NL" sz="1000" b="1" dirty="0">
-                <a:latin typeface="+mn-lt"/>
-                <a:cs typeface="Arial" panose="020B0604020202020204" pitchFamily="34" charset="0"/>
-              </a:rPr>
-              <a:t>OKO Gezondheidsmonitor 2025</a:t>
-            </a:r>
-          </a:p>
-          <a:p>
-            <a:r>
-              <a:rPr lang="nl-NL" sz="1000" dirty="0">
-                <a:latin typeface="+mn-lt"/>
-                <a:cs typeface="Arial" panose="020B0604020202020204" pitchFamily="34" charset="0"/>
-              </a:rPr>
-              <a:t>OKO is een meerjarige aanpak die de gemeente inzet om te voorkomen dat jongeren onder de 18 jaar alcohol, nicotine of drugs gaan gebruiken. De aanpak richt zich op beschermende en risicofactoren in de leefomgeving van jongeren. Samenwerkingspartners gaan met elkaar aan de slag om de beschermende factoren te versterken en de risicofactoren te verminderen. Dat doen ze in elk van de volgende vier leefomgevingen van jongeren: Gezin, Leeftijdsgenoten, School en Vrije tijd. Deze omgevingsgerichte aanpak draagt naast het voorkomen van middelengebruik ook bij aan het mentale welbevinden van jongeren.</a:t>
-            </a:r>
-          </a:p>
-          <a:p>
-            <a:endParaRPr lang="nl-NL" sz="1000" dirty="0">
-              <a:latin typeface="+mn-lt"/>
-              <a:cs typeface="Arial" panose="020B0604020202020204" pitchFamily="34" charset="0"/>
-            </a:endParaRPr>
-          </a:p>
-          <a:p>
-            <a:r>
-              <a:rPr lang="nl-NL" sz="1000" dirty="0">
-                <a:latin typeface="+mn-lt"/>
-                <a:cs typeface="Arial" panose="020B0604020202020204" pitchFamily="34" charset="0"/>
-              </a:rPr>
-              <a:t>De OKO Gezondheidsmonitor is in het najaar van 2025 afgenomen onder jongeren in leerjaar 2 en 4 van het regulier voortgezet onderwijs.</a:t>
-            </a:r>
-          </a:p>
-          <a:p>
-            <a:endParaRPr lang="nl-NL" sz="1000" dirty="0">
-              <a:latin typeface="+mn-lt"/>
-              <a:cs typeface="Arial" panose="020B0604020202020204" pitchFamily="34" charset="0"/>
-            </a:endParaRPr>
-          </a:p>
-          <a:p>
-            <a:r>
-              <a:rPr lang="nl-NL" sz="1000" dirty="0">
-                <a:latin typeface="+mn-lt"/>
-                <a:cs typeface="Arial" panose="020B0604020202020204" pitchFamily="34" charset="0"/>
-              </a:rPr>
-              <a:t>In deze rapportage zijn alleen antwoorden meegenomen waarbij minimaal 30 leerlingen de betreffende vraag hebben ingevuld én minimaal 5 leerlingen het betreffende antwoord hebben aangekruist. Bij een lagere respons is de privacy van de leerlingen niet meer gewaarborgd en zijn de resultaten onvoldoende betrouwbaar.</a:t>
-            </a:r>
-          </a:p>
-        </p:txBody>
-      </p:sp>
-      <p:sp>
-        <p:nvSpPr>
-          <p:cNvPr id="11" name="Responstabel">
-            <a:extLst>
-              <a:ext uri="{FF2B5EF4-FFF2-40B4-BE49-F238E27FC236}">
-                <a16:creationId xmlns:a16="http://schemas.microsoft.com/office/drawing/2014/main" id="{9A854317-E31C-6BC1-5B71-F076BEBBBF41}"/>
-              </a:ext>
-            </a:extLst>
-          </p:cNvPr>
-          <p:cNvSpPr>
-            <a:spLocks noGrp="1"/>
-          </p:cNvSpPr>
-          <p:nvPr>
-            <p:ph type="tbl" sz="quarter" idx="10" hasCustomPrompt="1"/>
-          </p:nvPr>
-        </p:nvSpPr>
-        <p:spPr>
-          <a:xfrm>
-            <a:off x="457220" y="3429000"/>
-            <a:ext cx="5400000" cy="2700000"/>
-          </a:xfrm>
-          <a:prstGeom prst="rect">
-            <a:avLst/>
-          </a:prstGeom>
-        </p:spPr>
-        <p:txBody>
-          <a:bodyPr/>
-          <a:lstStyle>
-            <a:lvl1pPr marL="0" indent="0">
-              <a:buFontTx/>
-              <a:buNone/>
-              <a:defRPr sz="3200">
-                <a:latin typeface="+mn-lt"/>
-              </a:defRPr>
-            </a:lvl1pPr>
-          </a:lstStyle>
-          <a:p>
-            <a:r>
-              <a:rPr lang="nl-NL" noProof="0"/>
-              <a:t>Responstabel</a:t>
-            </a:r>
-          </a:p>
-        </p:txBody>
-      </p:sp>
-      <p:pic>
-        <p:nvPicPr>
-          <p:cNvPr id="2" name="Tijdelijke aanduiding voor tabel 6">
-            <a:extLst>
-              <a:ext uri="{FF2B5EF4-FFF2-40B4-BE49-F238E27FC236}">
-                <a16:creationId xmlns:a16="http://schemas.microsoft.com/office/drawing/2014/main" id="{9E694703-6FF2-B7E3-6462-431B2CE255CF}"/>
-              </a:ext>
-            </a:extLst>
-          </p:cNvPr>
-          <p:cNvPicPr>
-            <a:picLocks noChangeAspect="1"/>
-          </p:cNvPicPr>
-          <p:nvPr userDrawn="1"/>
-        </p:nvPicPr>
-        <p:blipFill>
-          <a:blip r:embed="rId2"/>
-          <a:srcRect t="13216" b="14645"/>
-          <a:stretch>
-            <a:fillRect/>
-          </a:stretch>
-        </p:blipFill>
-        <p:spPr>
-          <a:xfrm>
-            <a:off x="6346301" y="3373032"/>
-            <a:ext cx="5291718" cy="2811936"/>
-          </a:xfrm>
-          <a:prstGeom prst="rect">
-            <a:avLst/>
-          </a:prstGeom>
-        </p:spPr>
-      </p:pic>
-    </p:spTree>
-    <p:extLst>
-      <p:ext uri="{BB962C8B-B14F-4D97-AF65-F5344CB8AC3E}">
-        <p14:creationId xmlns:p14="http://schemas.microsoft.com/office/powerpoint/2010/main" val="585029964"/>
-      </p:ext>
-    </p:extLst>
-  </p:cSld>
-  <p:clrMapOvr>
-    <a:masterClrMapping/>
-  </p:clrMapOvr>
-  <p:extLst>
-    <p:ext uri="{DCECCB84-F9BA-43D5-87BE-67443E8EF086}">
-      <p15:sldGuideLst xmlns:p15="http://schemas.microsoft.com/office/powerpoint/2012/main">
-        <p15:guide id="1" orient="horz" pos="2160" userDrawn="1">
-          <p15:clr>
-            <a:srgbClr val="FBAE40"/>
-          </p15:clr>
-        </p15:guide>
-        <p15:guide id="2" pos="3840" userDrawn="1">
-          <p15:clr>
-            <a:srgbClr val="FBAE40"/>
-          </p15:clr>
-        </p15:guide>
-      </p15:sldGuideLst>
-    </p:ext>
-  </p:extLst>
-</p:sldLayout>
-</file>
-
-<file path=ppt/slideLayouts/slideLayout4.xml><?xml version="1.0" encoding="utf-8"?>
-<p:sldLayout xmlns:a="http://schemas.openxmlformats.org/drawingml/2006/main" xmlns:r="http://schemas.openxmlformats.org/officeDocument/2006/relationships" xmlns:p="http://schemas.openxmlformats.org/presentationml/2006/main" preserve="1" userDrawn="1">
-  <p:cSld name="Gezondheid">
-    <p:spTree>
-      <p:nvGrpSpPr>
-        <p:cNvPr id="1" name=""/>
-        <p:cNvGrpSpPr/>
-        <p:nvPr/>
-      </p:nvGrpSpPr>
-      <p:grpSpPr>
-        <a:xfrm>
-          <a:off x="0" y="0"/>
-          <a:ext cx="0" cy="0"/>
-          <a:chOff x="0" y="0"/>
-          <a:chExt cx="0" cy="0"/>
-        </a:xfrm>
-      </p:grpSpPr>
-      <p:cxnSp>
-        <p:nvCxnSpPr>
-          <p:cNvPr id="6" name="Rechter scheidingslijn">
-            <a:extLst>
-              <a:ext uri="{FF2B5EF4-FFF2-40B4-BE49-F238E27FC236}">
-                <a16:creationId xmlns:a16="http://schemas.microsoft.com/office/drawing/2014/main" id="{7DC6EEF1-E10D-4A9D-BAAB-B80128CFA9A0}"/>
-              </a:ext>
-            </a:extLst>
-          </p:cNvPr>
-          <p:cNvCxnSpPr>
-            <a:cxnSpLocks/>
-          </p:cNvCxnSpPr>
-          <p:nvPr userDrawn="1"/>
-        </p:nvCxnSpPr>
-        <p:spPr>
-          <a:xfrm flipV="1">
-            <a:off x="8051825" y="1519200"/>
-            <a:ext cx="0" cy="4881600"/>
-          </a:xfrm>
-          <a:prstGeom prst="line">
-            <a:avLst/>
-          </a:prstGeom>
-          <a:ln w="12700">
-            <a:solidFill>
-              <a:schemeClr val="tx2">
-                <a:lumMod val="20000"/>
-                <a:lumOff val="80000"/>
-              </a:schemeClr>
-            </a:solidFill>
-          </a:ln>
-        </p:spPr>
-        <p:style>
-          <a:lnRef idx="1">
-            <a:schemeClr val="accent1"/>
-          </a:lnRef>
-          <a:fillRef idx="0">
-            <a:schemeClr val="accent1"/>
-          </a:fillRef>
-          <a:effectRef idx="0">
-            <a:schemeClr val="accent1"/>
-          </a:effectRef>
-          <a:fontRef idx="minor">
-            <a:schemeClr val="tx1"/>
-          </a:fontRef>
-        </p:style>
-      </p:cxnSp>
-      <p:cxnSp>
-        <p:nvCxnSpPr>
-          <p:cNvPr id="7" name="Linker scheidingslijn">
-            <a:extLst>
-              <a:ext uri="{FF2B5EF4-FFF2-40B4-BE49-F238E27FC236}">
-                <a16:creationId xmlns:a16="http://schemas.microsoft.com/office/drawing/2014/main" id="{5D2F1186-7B59-72A8-4592-0DFDF921B9C6}"/>
-              </a:ext>
-            </a:extLst>
-          </p:cNvPr>
-          <p:cNvCxnSpPr>
-            <a:cxnSpLocks/>
-          </p:cNvCxnSpPr>
-          <p:nvPr userDrawn="1"/>
-        </p:nvCxnSpPr>
-        <p:spPr>
-          <a:xfrm flipV="1">
-            <a:off x="4140175" y="1519200"/>
-            <a:ext cx="0" cy="4881600"/>
-          </a:xfrm>
-          <a:prstGeom prst="line">
-            <a:avLst/>
-          </a:prstGeom>
-          <a:ln w="12700">
-            <a:solidFill>
-              <a:schemeClr val="tx2">
-                <a:lumMod val="20000"/>
-                <a:lumOff val="80000"/>
-              </a:schemeClr>
-            </a:solidFill>
-          </a:ln>
-        </p:spPr>
-        <p:style>
-          <a:lnRef idx="1">
-            <a:schemeClr val="accent1"/>
-          </a:lnRef>
-          <a:fillRef idx="0">
-            <a:schemeClr val="accent1"/>
-          </a:fillRef>
-          <a:effectRef idx="0">
-            <a:schemeClr val="accent1"/>
-          </a:effectRef>
-          <a:fontRef idx="minor">
-            <a:schemeClr val="tx1"/>
-          </a:fontRef>
-        </p:style>
-      </p:cxnSp>
-      <p:sp>
-        <p:nvSpPr>
-          <p:cNvPr id="11" name="Rechtervlak" hidden="1">
-            <a:extLst>
-              <a:ext uri="{FF2B5EF4-FFF2-40B4-BE49-F238E27FC236}">
-                <a16:creationId xmlns:a16="http://schemas.microsoft.com/office/drawing/2014/main" id="{2AB83298-1132-DCAE-0651-FFCF6A6BBED0}"/>
-              </a:ext>
-            </a:extLst>
-          </p:cNvPr>
-          <p:cNvSpPr/>
-          <p:nvPr userDrawn="1"/>
-        </p:nvSpPr>
-        <p:spPr>
-          <a:xfrm>
-            <a:off x="8280409" y="1520170"/>
-            <a:ext cx="3454375" cy="4880630"/>
-          </a:xfrm>
-          <a:prstGeom prst="rect">
-            <a:avLst/>
-          </a:prstGeom>
-          <a:solidFill>
-            <a:schemeClr val="bg1">
-              <a:lumMod val="95000"/>
-            </a:schemeClr>
-          </a:solidFill>
-          <a:ln>
-            <a:noFill/>
-          </a:ln>
-        </p:spPr>
-        <p:style>
-          <a:lnRef idx="2">
-            <a:schemeClr val="accent1">
-              <a:shade val="15000"/>
-            </a:schemeClr>
-          </a:lnRef>
-          <a:fillRef idx="1">
-            <a:schemeClr val="accent1"/>
-          </a:fillRef>
-          <a:effectRef idx="0">
-            <a:schemeClr val="accent1"/>
-          </a:effectRef>
-          <a:fontRef idx="minor">
-            <a:schemeClr val="lt1"/>
-          </a:fontRef>
-        </p:style>
-        <p:txBody>
-          <a:bodyPr rtlCol="0" anchor="ctr"/>
-          <a:lstStyle/>
-          <a:p>
-            <a:pPr algn="ctr"/>
-            <a:endParaRPr lang="nl-NL" sz="1240"/>
-          </a:p>
-        </p:txBody>
-      </p:sp>
-      <p:sp>
-        <p:nvSpPr>
-          <p:cNvPr id="14" name="Middenvlak" hidden="1">
-            <a:extLst>
-              <a:ext uri="{FF2B5EF4-FFF2-40B4-BE49-F238E27FC236}">
-                <a16:creationId xmlns:a16="http://schemas.microsoft.com/office/drawing/2014/main" id="{C49D12F7-13AF-A61C-E6A3-0B8A65611D07}"/>
-              </a:ext>
-            </a:extLst>
-          </p:cNvPr>
-          <p:cNvSpPr/>
-          <p:nvPr userDrawn="1"/>
-        </p:nvSpPr>
-        <p:spPr>
-          <a:xfrm>
-            <a:off x="4368814" y="1520170"/>
-            <a:ext cx="3454375" cy="4880630"/>
-          </a:xfrm>
-          <a:prstGeom prst="rect">
-            <a:avLst/>
-          </a:prstGeom>
-          <a:solidFill>
-            <a:schemeClr val="bg1">
-              <a:lumMod val="95000"/>
-            </a:schemeClr>
-          </a:solidFill>
-          <a:ln>
-            <a:noFill/>
-          </a:ln>
-        </p:spPr>
-        <p:style>
-          <a:lnRef idx="2">
-            <a:schemeClr val="accent1">
-              <a:shade val="15000"/>
-            </a:schemeClr>
-          </a:lnRef>
-          <a:fillRef idx="1">
-            <a:schemeClr val="accent1"/>
-          </a:fillRef>
-          <a:effectRef idx="0">
-            <a:schemeClr val="accent1"/>
-          </a:effectRef>
-          <a:fontRef idx="minor">
-            <a:schemeClr val="lt1"/>
-          </a:fontRef>
-        </p:style>
-        <p:txBody>
-          <a:bodyPr rtlCol="0" anchor="ctr"/>
-          <a:lstStyle/>
-          <a:p>
-            <a:pPr algn="ctr"/>
-            <a:endParaRPr lang="nl-NL" sz="1240"/>
-          </a:p>
-        </p:txBody>
-      </p:sp>
-      <p:sp>
-        <p:nvSpPr>
-          <p:cNvPr id="15" name="Linkervlak" hidden="1">
-            <a:extLst>
-              <a:ext uri="{FF2B5EF4-FFF2-40B4-BE49-F238E27FC236}">
-                <a16:creationId xmlns:a16="http://schemas.microsoft.com/office/drawing/2014/main" id="{966327DC-A2CA-F917-57C8-2311909BFC4B}"/>
-              </a:ext>
-            </a:extLst>
-          </p:cNvPr>
-          <p:cNvSpPr/>
-          <p:nvPr userDrawn="1"/>
-        </p:nvSpPr>
-        <p:spPr>
-          <a:xfrm>
-            <a:off x="457221" y="1520170"/>
-            <a:ext cx="3454375" cy="4880630"/>
-          </a:xfrm>
-          <a:prstGeom prst="rect">
-            <a:avLst/>
-          </a:prstGeom>
-          <a:solidFill>
-            <a:schemeClr val="bg1">
-              <a:lumMod val="95000"/>
-            </a:schemeClr>
-          </a:solidFill>
-          <a:ln>
-            <a:noFill/>
-          </a:ln>
-        </p:spPr>
-        <p:style>
-          <a:lnRef idx="2">
-            <a:schemeClr val="accent1">
-              <a:shade val="15000"/>
-            </a:schemeClr>
-          </a:lnRef>
-          <a:fillRef idx="1">
-            <a:schemeClr val="accent1"/>
-          </a:fillRef>
-          <a:effectRef idx="0">
-            <a:schemeClr val="accent1"/>
-          </a:effectRef>
-          <a:fontRef idx="minor">
-            <a:schemeClr val="lt1"/>
-          </a:fontRef>
-        </p:style>
-        <p:txBody>
-          <a:bodyPr rtlCol="0" anchor="ctr"/>
-          <a:lstStyle/>
-          <a:p>
-            <a:pPr algn="ctr"/>
-            <a:endParaRPr lang="nl-NL" sz="1240"/>
-          </a:p>
-        </p:txBody>
-      </p:sp>
-      <p:sp>
-        <p:nvSpPr>
-          <p:cNvPr id="19" name="Driehoek">
-            <a:extLst>
-              <a:ext uri="{FF2B5EF4-FFF2-40B4-BE49-F238E27FC236}">
-                <a16:creationId xmlns:a16="http://schemas.microsoft.com/office/drawing/2014/main" id="{586A169A-7A17-2F3F-B192-FACC840B9957}"/>
-              </a:ext>
-            </a:extLst>
-          </p:cNvPr>
-          <p:cNvSpPr/>
-          <p:nvPr userDrawn="1"/>
-        </p:nvSpPr>
-        <p:spPr>
-          <a:xfrm rot="10800000" flipH="1">
-            <a:off x="9719595" y="0"/>
-            <a:ext cx="576000" cy="1066800"/>
-          </a:xfrm>
-          <a:prstGeom prst="rtTriangle">
-            <a:avLst/>
-          </a:prstGeom>
-          <a:solidFill>
-            <a:schemeClr val="accent3"/>
-          </a:solidFill>
-          <a:ln>
-            <a:noFill/>
-          </a:ln>
-        </p:spPr>
-        <p:style>
-          <a:lnRef idx="2">
-            <a:schemeClr val="accent1">
-              <a:shade val="50000"/>
-            </a:schemeClr>
-          </a:lnRef>
-          <a:fillRef idx="1">
-            <a:schemeClr val="accent1"/>
-          </a:fillRef>
-          <a:effectRef idx="0">
-            <a:schemeClr val="accent1"/>
-          </a:effectRef>
-          <a:fontRef idx="minor">
-            <a:schemeClr val="lt1"/>
-          </a:fontRef>
-        </p:style>
-        <p:txBody>
-          <a:bodyPr rtlCol="0" anchor="ctr"/>
-          <a:lstStyle/>
-          <a:p>
-            <a:pPr algn="l"/>
-            <a:endParaRPr lang="en-US" sz="1400" b="1">
-              <a:latin typeface="Century Gothic" panose="020B0502020202020204" pitchFamily="34" charset="0"/>
-            </a:endParaRPr>
-          </a:p>
-        </p:txBody>
-      </p:sp>
-      <p:sp>
-        <p:nvSpPr>
-          <p:cNvPr id="20" name="Titelblok">
-            <a:extLst>
-              <a:ext uri="{FF2B5EF4-FFF2-40B4-BE49-F238E27FC236}">
-                <a16:creationId xmlns:a16="http://schemas.microsoft.com/office/drawing/2014/main" id="{09DB097E-8577-1284-CB7B-3627CC87E052}"/>
-              </a:ext>
-            </a:extLst>
-          </p:cNvPr>
-          <p:cNvSpPr/>
-          <p:nvPr userDrawn="1"/>
-        </p:nvSpPr>
-        <p:spPr>
-          <a:xfrm>
-            <a:off x="0" y="0"/>
-            <a:ext cx="9719589" cy="1066800"/>
-          </a:xfrm>
-          <a:prstGeom prst="rect">
-            <a:avLst/>
-          </a:prstGeom>
-          <a:solidFill>
-            <a:schemeClr val="accent3"/>
-          </a:solidFill>
-          <a:ln>
-            <a:noFill/>
-          </a:ln>
-        </p:spPr>
-        <p:style>
-          <a:lnRef idx="2">
-            <a:schemeClr val="accent1">
-              <a:shade val="50000"/>
-            </a:schemeClr>
-          </a:lnRef>
-          <a:fillRef idx="1">
-            <a:schemeClr val="accent1"/>
-          </a:fillRef>
-          <a:effectRef idx="0">
-            <a:schemeClr val="accent1"/>
-          </a:effectRef>
-          <a:fontRef idx="minor">
-            <a:schemeClr val="lt1"/>
-          </a:fontRef>
-        </p:style>
-        <p:txBody>
-          <a:bodyPr rtlCol="0" anchor="ctr"/>
-          <a:lstStyle/>
-          <a:p>
-            <a:pPr marL="0" indent="270272" algn="l"/>
-            <a:r>
-              <a:rPr lang="nl-NL" sz="2400" b="1" noProof="0" dirty="0">
-                <a:latin typeface="Century Gothic" panose="020B0502020202020204" pitchFamily="34" charset="0"/>
-              </a:rPr>
-              <a:t>Gezondheid en eenzaamheid</a:t>
-            </a:r>
-          </a:p>
-        </p:txBody>
-      </p:sp>
-      <p:sp>
-        <p:nvSpPr>
-          <p:cNvPr id="3" name="Tekstvak 2">
-            <a:extLst>
-              <a:ext uri="{FF2B5EF4-FFF2-40B4-BE49-F238E27FC236}">
-                <a16:creationId xmlns:a16="http://schemas.microsoft.com/office/drawing/2014/main" id="{DBB94449-5BD6-0E92-A1D1-7AB05F3ABB97}"/>
-              </a:ext>
-            </a:extLst>
-          </p:cNvPr>
-          <p:cNvSpPr txBox="1"/>
-          <p:nvPr userDrawn="1"/>
-        </p:nvSpPr>
-        <p:spPr>
-          <a:xfrm>
-            <a:off x="5393832" y="2976525"/>
-            <a:ext cx="2420287" cy="400110"/>
-          </a:xfrm>
-          <a:prstGeom prst="rect">
-            <a:avLst/>
-          </a:prstGeom>
-          <a:noFill/>
-        </p:spPr>
-        <p:txBody>
-          <a:bodyPr wrap="square" rtlCol="0">
-            <a:spAutoFit/>
-          </a:bodyPr>
-          <a:lstStyle/>
-          <a:p>
-            <a:r>
-              <a:rPr lang="nl-NL" sz="1000" b="1" dirty="0">
-                <a:solidFill>
-                  <a:schemeClr val="tx1"/>
-                </a:solidFill>
-                <a:latin typeface="Century Gothic" panose="020B0502020202020204" pitchFamily="34" charset="0"/>
-                <a:cs typeface="Arial" panose="020B0604020202020204" pitchFamily="34" charset="0"/>
-              </a:rPr>
-              <a:t>ervaart de eigen mentale gezondheid als (heel) goed</a:t>
-            </a:r>
-          </a:p>
-        </p:txBody>
-      </p:sp>
-      <p:sp>
-        <p:nvSpPr>
-          <p:cNvPr id="29" name="TextBox 1">
-            <a:extLst>
-              <a:ext uri="{FF2B5EF4-FFF2-40B4-BE49-F238E27FC236}">
-                <a16:creationId xmlns:a16="http://schemas.microsoft.com/office/drawing/2014/main" id="{665FFA3C-9688-3102-AB45-7828DF662A5A}"/>
-              </a:ext>
-            </a:extLst>
-          </p:cNvPr>
-          <p:cNvSpPr txBox="1"/>
-          <p:nvPr userDrawn="1"/>
-        </p:nvSpPr>
-        <p:spPr>
-          <a:xfrm>
-            <a:off x="457219" y="1519201"/>
-            <a:ext cx="3456000" cy="346249"/>
+            <a:off x="457218" y="1519201"/>
+            <a:ext cx="7367645" cy="238527"/>
           </a:xfrm>
           <a:prstGeom prst="rect">
             <a:avLst/>
@@ -9555,23 +9519,1472 @@
             </a:lvl9pPr>
           </a:lstStyle>
           <a:p>
+            <a:pPr marL="0" indent="0">
+              <a:buNone/>
+            </a:pPr>
+            <a:r>
+              <a:rPr lang="nl-NL" sz="1000" noProof="0" dirty="0">
+                <a:ea typeface="+mn-lt"/>
+                <a:cs typeface="+mn-lt"/>
+              </a:rPr>
+              <a:t>Verhaaltje over </a:t>
+            </a:r>
+            <a:r>
+              <a:rPr lang="nl-NL" sz="1100" noProof="0" dirty="0">
+                <a:ea typeface="+mn-lt"/>
+                <a:cs typeface="+mn-lt"/>
+              </a:rPr>
+              <a:t>contactgegevens</a:t>
+            </a:r>
+            <a:endParaRPr lang="nl-NL" sz="1000" noProof="0" dirty="0">
+              <a:ea typeface="+mn-lt"/>
+              <a:cs typeface="+mn-lt"/>
+            </a:endParaRPr>
+          </a:p>
+        </p:txBody>
+      </p:sp>
+      <p:sp>
+        <p:nvSpPr>
+          <p:cNvPr id="10" name="Tijdelijke aanduiding voor tekst 9">
+            <a:extLst>
+              <a:ext uri="{FF2B5EF4-FFF2-40B4-BE49-F238E27FC236}">
+                <a16:creationId xmlns:a16="http://schemas.microsoft.com/office/drawing/2014/main" id="{1E889B4B-6313-A93F-D20F-5F9B72B75503}"/>
+              </a:ext>
+            </a:extLst>
+          </p:cNvPr>
+          <p:cNvSpPr>
+            <a:spLocks noGrp="1"/>
+          </p:cNvSpPr>
+          <p:nvPr>
+            <p:ph type="body" sz="quarter" idx="10" hasCustomPrompt="1"/>
+          </p:nvPr>
+        </p:nvSpPr>
+        <p:spPr>
+          <a:xfrm>
+            <a:off x="457218" y="2083094"/>
+            <a:ext cx="5178425" cy="2586038"/>
+          </a:xfrm>
+          <a:prstGeom prst="rect">
+            <a:avLst/>
+          </a:prstGeom>
+        </p:spPr>
+        <p:txBody>
+          <a:bodyPr/>
+          <a:lstStyle>
+            <a:lvl1pPr>
+              <a:buNone/>
+              <a:defRPr sz="1400" i="1">
+                <a:latin typeface="+mj-lt"/>
+              </a:defRPr>
+            </a:lvl1pPr>
+            <a:lvl2pPr>
+              <a:buNone/>
+              <a:defRPr/>
+            </a:lvl2pPr>
+            <a:lvl3pPr>
+              <a:buNone/>
+              <a:defRPr/>
+            </a:lvl3pPr>
+            <a:lvl4pPr>
+              <a:buNone/>
+              <a:defRPr/>
+            </a:lvl4pPr>
+            <a:lvl5pPr>
+              <a:buNone/>
+              <a:defRPr/>
+            </a:lvl5pPr>
+          </a:lstStyle>
+          <a:p>
+            <a:pPr lvl="0"/>
+            <a:r>
+              <a:rPr lang="nl-NL" i="1" dirty="0"/>
+              <a:t>Contactgegevens</a:t>
+            </a:r>
+            <a:endParaRPr lang="nl-NL" dirty="0"/>
+          </a:p>
+        </p:txBody>
+      </p:sp>
+    </p:spTree>
+    <p:extLst>
+      <p:ext uri="{BB962C8B-B14F-4D97-AF65-F5344CB8AC3E}">
+        <p14:creationId xmlns:p14="http://schemas.microsoft.com/office/powerpoint/2010/main" val="3562401432"/>
+      </p:ext>
+    </p:extLst>
+  </p:cSld>
+  <p:clrMapOvr>
+    <a:masterClrMapping/>
+  </p:clrMapOvr>
+</p:sldLayout>
+</file>
+
+<file path=ppt/slideLayouts/slideLayout2.xml><?xml version="1.0" encoding="utf-8"?>
+<p:sldLayout xmlns:a="http://schemas.openxmlformats.org/drawingml/2006/main" xmlns:r="http://schemas.openxmlformats.org/officeDocument/2006/relationships" xmlns:p="http://schemas.openxmlformats.org/presentationml/2006/main" preserve="1" userDrawn="1">
+  <p:cSld name="Inhoudsopgave">
+    <p:spTree>
+      <p:nvGrpSpPr>
+        <p:cNvPr id="1" name=""/>
+        <p:cNvGrpSpPr/>
+        <p:nvPr/>
+      </p:nvGrpSpPr>
+      <p:grpSpPr>
+        <a:xfrm>
+          <a:off x="0" y="0"/>
+          <a:ext cx="0" cy="0"/>
+          <a:chOff x="0" y="0"/>
+          <a:chExt cx="0" cy="0"/>
+        </a:xfrm>
+      </p:grpSpPr>
+      <p:cxnSp>
+        <p:nvCxnSpPr>
+          <p:cNvPr id="2" name="Rechter scheidingslijn" hidden="1">
+            <a:extLst>
+              <a:ext uri="{FF2B5EF4-FFF2-40B4-BE49-F238E27FC236}">
+                <a16:creationId xmlns:a16="http://schemas.microsoft.com/office/drawing/2014/main" id="{4F24702C-E64E-2547-EF7A-D18982DAC4CD}"/>
+              </a:ext>
+            </a:extLst>
+          </p:cNvPr>
+          <p:cNvCxnSpPr>
+            <a:cxnSpLocks/>
+          </p:cNvCxnSpPr>
+          <p:nvPr userDrawn="1"/>
+        </p:nvCxnSpPr>
+        <p:spPr>
+          <a:xfrm flipV="1">
+            <a:off x="8051825" y="1519200"/>
+            <a:ext cx="0" cy="4881600"/>
+          </a:xfrm>
+          <a:prstGeom prst="line">
+            <a:avLst/>
+          </a:prstGeom>
+          <a:ln w="12700">
+            <a:solidFill>
+              <a:schemeClr val="tx2">
+                <a:lumMod val="20000"/>
+                <a:lumOff val="80000"/>
+              </a:schemeClr>
+            </a:solidFill>
+          </a:ln>
+        </p:spPr>
+        <p:style>
+          <a:lnRef idx="1">
+            <a:schemeClr val="accent1"/>
+          </a:lnRef>
+          <a:fillRef idx="0">
+            <a:schemeClr val="accent1"/>
+          </a:fillRef>
+          <a:effectRef idx="0">
+            <a:schemeClr val="accent1"/>
+          </a:effectRef>
+          <a:fontRef idx="minor">
+            <a:schemeClr val="tx1"/>
+          </a:fontRef>
+        </p:style>
+      </p:cxnSp>
+      <p:cxnSp>
+        <p:nvCxnSpPr>
+          <p:cNvPr id="5" name="Linker scheidingslijn" hidden="1">
+            <a:extLst>
+              <a:ext uri="{FF2B5EF4-FFF2-40B4-BE49-F238E27FC236}">
+                <a16:creationId xmlns:a16="http://schemas.microsoft.com/office/drawing/2014/main" id="{024B5762-4C9B-2E1A-D584-EA7C43CAD9B0}"/>
+              </a:ext>
+            </a:extLst>
+          </p:cNvPr>
+          <p:cNvCxnSpPr>
+            <a:cxnSpLocks/>
+          </p:cNvCxnSpPr>
+          <p:nvPr userDrawn="1"/>
+        </p:nvCxnSpPr>
+        <p:spPr>
+          <a:xfrm flipV="1">
+            <a:off x="4140175" y="1519200"/>
+            <a:ext cx="0" cy="4881600"/>
+          </a:xfrm>
+          <a:prstGeom prst="line">
+            <a:avLst/>
+          </a:prstGeom>
+          <a:ln w="12700">
+            <a:solidFill>
+              <a:schemeClr val="tx2">
+                <a:lumMod val="20000"/>
+                <a:lumOff val="80000"/>
+              </a:schemeClr>
+            </a:solidFill>
+          </a:ln>
+        </p:spPr>
+        <p:style>
+          <a:lnRef idx="1">
+            <a:schemeClr val="accent1"/>
+          </a:lnRef>
+          <a:fillRef idx="0">
+            <a:schemeClr val="accent1"/>
+          </a:fillRef>
+          <a:effectRef idx="0">
+            <a:schemeClr val="accent1"/>
+          </a:effectRef>
+          <a:fontRef idx="minor">
+            <a:schemeClr val="tx1"/>
+          </a:fontRef>
+        </p:style>
+      </p:cxnSp>
+      <p:sp>
+        <p:nvSpPr>
+          <p:cNvPr id="6" name="Rechtervlak" hidden="1">
+            <a:extLst>
+              <a:ext uri="{FF2B5EF4-FFF2-40B4-BE49-F238E27FC236}">
+                <a16:creationId xmlns:a16="http://schemas.microsoft.com/office/drawing/2014/main" id="{C48817EE-9108-2543-1BCB-27B17B31E919}"/>
+              </a:ext>
+            </a:extLst>
+          </p:cNvPr>
+          <p:cNvSpPr/>
+          <p:nvPr userDrawn="1"/>
+        </p:nvSpPr>
+        <p:spPr>
+          <a:xfrm>
+            <a:off x="8280409" y="1520170"/>
+            <a:ext cx="3454375" cy="4880630"/>
+          </a:xfrm>
+          <a:prstGeom prst="rect">
+            <a:avLst/>
+          </a:prstGeom>
+          <a:solidFill>
+            <a:schemeClr val="bg1">
+              <a:lumMod val="95000"/>
+            </a:schemeClr>
+          </a:solidFill>
+          <a:ln>
+            <a:noFill/>
+          </a:ln>
+        </p:spPr>
+        <p:style>
+          <a:lnRef idx="2">
+            <a:schemeClr val="accent1">
+              <a:shade val="15000"/>
+            </a:schemeClr>
+          </a:lnRef>
+          <a:fillRef idx="1">
+            <a:schemeClr val="accent1"/>
+          </a:fillRef>
+          <a:effectRef idx="0">
+            <a:schemeClr val="accent1"/>
+          </a:effectRef>
+          <a:fontRef idx="minor">
+            <a:schemeClr val="lt1"/>
+          </a:fontRef>
+        </p:style>
+        <p:txBody>
+          <a:bodyPr rtlCol="0" anchor="ctr"/>
+          <a:lstStyle/>
+          <a:p>
+            <a:pPr algn="ctr"/>
+            <a:endParaRPr lang="nl-NL" sz="1240"/>
+          </a:p>
+        </p:txBody>
+      </p:sp>
+      <p:sp>
+        <p:nvSpPr>
+          <p:cNvPr id="7" name="Middenvlak" hidden="1">
+            <a:extLst>
+              <a:ext uri="{FF2B5EF4-FFF2-40B4-BE49-F238E27FC236}">
+                <a16:creationId xmlns:a16="http://schemas.microsoft.com/office/drawing/2014/main" id="{E136F790-08A3-3874-D920-266B03612B9F}"/>
+              </a:ext>
+            </a:extLst>
+          </p:cNvPr>
+          <p:cNvSpPr/>
+          <p:nvPr userDrawn="1"/>
+        </p:nvSpPr>
+        <p:spPr>
+          <a:xfrm>
+            <a:off x="4368870" y="1519200"/>
+            <a:ext cx="3454375" cy="4880630"/>
+          </a:xfrm>
+          <a:prstGeom prst="rect">
+            <a:avLst/>
+          </a:prstGeom>
+          <a:solidFill>
+            <a:schemeClr val="bg1">
+              <a:lumMod val="95000"/>
+            </a:schemeClr>
+          </a:solidFill>
+          <a:ln>
+            <a:noFill/>
+          </a:ln>
+        </p:spPr>
+        <p:style>
+          <a:lnRef idx="2">
+            <a:schemeClr val="accent1">
+              <a:shade val="15000"/>
+            </a:schemeClr>
+          </a:lnRef>
+          <a:fillRef idx="1">
+            <a:schemeClr val="accent1"/>
+          </a:fillRef>
+          <a:effectRef idx="0">
+            <a:schemeClr val="accent1"/>
+          </a:effectRef>
+          <a:fontRef idx="minor">
+            <a:schemeClr val="lt1"/>
+          </a:fontRef>
+        </p:style>
+        <p:txBody>
+          <a:bodyPr rtlCol="0" anchor="ctr"/>
+          <a:lstStyle/>
+          <a:p>
+            <a:pPr algn="ctr"/>
+            <a:endParaRPr lang="nl-NL" sz="1240"/>
+          </a:p>
+        </p:txBody>
+      </p:sp>
+      <p:sp>
+        <p:nvSpPr>
+          <p:cNvPr id="8" name="Linkervlak" hidden="1">
+            <a:extLst>
+              <a:ext uri="{FF2B5EF4-FFF2-40B4-BE49-F238E27FC236}">
+                <a16:creationId xmlns:a16="http://schemas.microsoft.com/office/drawing/2014/main" id="{D6EE9A9C-0C94-24AE-98D4-30E97FD9D95E}"/>
+              </a:ext>
+            </a:extLst>
+          </p:cNvPr>
+          <p:cNvSpPr/>
+          <p:nvPr userDrawn="1"/>
+        </p:nvSpPr>
+        <p:spPr>
+          <a:xfrm>
+            <a:off x="457221" y="1520170"/>
+            <a:ext cx="3454375" cy="4880630"/>
+          </a:xfrm>
+          <a:prstGeom prst="rect">
+            <a:avLst/>
+          </a:prstGeom>
+          <a:solidFill>
+            <a:schemeClr val="bg1">
+              <a:lumMod val="95000"/>
+            </a:schemeClr>
+          </a:solidFill>
+          <a:ln>
+            <a:noFill/>
+          </a:ln>
+        </p:spPr>
+        <p:style>
+          <a:lnRef idx="2">
+            <a:schemeClr val="accent1">
+              <a:shade val="15000"/>
+            </a:schemeClr>
+          </a:lnRef>
+          <a:fillRef idx="1">
+            <a:schemeClr val="accent1"/>
+          </a:fillRef>
+          <a:effectRef idx="0">
+            <a:schemeClr val="accent1"/>
+          </a:effectRef>
+          <a:fontRef idx="minor">
+            <a:schemeClr val="lt1"/>
+          </a:fontRef>
+        </p:style>
+        <p:txBody>
+          <a:bodyPr rtlCol="0" anchor="ctr"/>
+          <a:lstStyle/>
+          <a:p>
+            <a:pPr algn="ctr"/>
+            <a:endParaRPr lang="nl-NL" sz="1240"/>
+          </a:p>
+        </p:txBody>
+      </p:sp>
+      <p:sp>
+        <p:nvSpPr>
+          <p:cNvPr id="10" name="Driehoek">
+            <a:extLst>
+              <a:ext uri="{FF2B5EF4-FFF2-40B4-BE49-F238E27FC236}">
+                <a16:creationId xmlns:a16="http://schemas.microsoft.com/office/drawing/2014/main" id="{D382B982-138B-EF5F-A4A3-F952DD1C516E}"/>
+              </a:ext>
+            </a:extLst>
+          </p:cNvPr>
+          <p:cNvSpPr/>
+          <p:nvPr userDrawn="1"/>
+        </p:nvSpPr>
+        <p:spPr>
+          <a:xfrm rot="10800000" flipH="1">
+            <a:off x="9719595" y="0"/>
+            <a:ext cx="576000" cy="1066800"/>
+          </a:xfrm>
+          <a:prstGeom prst="rtTriangle">
+            <a:avLst/>
+          </a:prstGeom>
+          <a:solidFill>
+            <a:srgbClr val="011763"/>
+          </a:solidFill>
+          <a:ln>
+            <a:noFill/>
+          </a:ln>
+        </p:spPr>
+        <p:style>
+          <a:lnRef idx="2">
+            <a:schemeClr val="accent1">
+              <a:shade val="50000"/>
+            </a:schemeClr>
+          </a:lnRef>
+          <a:fillRef idx="1">
+            <a:schemeClr val="accent1"/>
+          </a:fillRef>
+          <a:effectRef idx="0">
+            <a:schemeClr val="accent1"/>
+          </a:effectRef>
+          <a:fontRef idx="minor">
+            <a:schemeClr val="lt1"/>
+          </a:fontRef>
+        </p:style>
+        <p:txBody>
+          <a:bodyPr rtlCol="0" anchor="ctr"/>
+          <a:lstStyle/>
+          <a:p>
             <a:pPr algn="l"/>
+            <a:endParaRPr lang="en-US" sz="1793" b="1">
+              <a:latin typeface="Century Gothic" panose="020B0502020202020204" pitchFamily="34" charset="0"/>
+            </a:endParaRPr>
+          </a:p>
+        </p:txBody>
+      </p:sp>
+      <p:sp>
+        <p:nvSpPr>
+          <p:cNvPr id="11" name="Titelblok">
+            <a:extLst>
+              <a:ext uri="{FF2B5EF4-FFF2-40B4-BE49-F238E27FC236}">
+                <a16:creationId xmlns:a16="http://schemas.microsoft.com/office/drawing/2014/main" id="{25BB0762-1AD0-F5A1-E01E-F53682EB8F5D}"/>
+              </a:ext>
+            </a:extLst>
+          </p:cNvPr>
+          <p:cNvSpPr/>
+          <p:nvPr userDrawn="1"/>
+        </p:nvSpPr>
+        <p:spPr>
+          <a:xfrm>
+            <a:off x="0" y="0"/>
+            <a:ext cx="9719589" cy="1066800"/>
+          </a:xfrm>
+          <a:prstGeom prst="rect">
+            <a:avLst/>
+          </a:prstGeom>
+          <a:solidFill>
+            <a:srgbClr val="011763"/>
+          </a:solidFill>
+          <a:ln>
+            <a:noFill/>
+          </a:ln>
+        </p:spPr>
+        <p:style>
+          <a:lnRef idx="2">
+            <a:schemeClr val="accent1">
+              <a:shade val="50000"/>
+            </a:schemeClr>
+          </a:lnRef>
+          <a:fillRef idx="1">
+            <a:schemeClr val="accent1"/>
+          </a:fillRef>
+          <a:effectRef idx="0">
+            <a:schemeClr val="accent1"/>
+          </a:effectRef>
+          <a:fontRef idx="minor">
+            <a:schemeClr val="lt1"/>
+          </a:fontRef>
+        </p:style>
+        <p:txBody>
+          <a:bodyPr rtlCol="0" anchor="ctr"/>
+          <a:lstStyle/>
+          <a:p>
+            <a:pPr marL="0" indent="270272" algn="l"/>
             <a:r>
-              <a:rPr lang="nl-NL" sz="900" b="0" dirty="0">
+              <a:rPr lang="nl-NL" sz="2400" b="1" noProof="0" dirty="0">
                 <a:latin typeface="Century Gothic" panose="020B0502020202020204" pitchFamily="34" charset="0"/>
+              </a:rPr>
+              <a:t>Inhoudsopgave</a:t>
+            </a:r>
+            <a:endParaRPr lang="nl-NL" sz="1800" b="1" noProof="0" dirty="0">
+              <a:latin typeface="Century Gothic" panose="020B0502020202020204" pitchFamily="34" charset="0"/>
+            </a:endParaRPr>
+          </a:p>
+        </p:txBody>
+      </p:sp>
+    </p:spTree>
+    <p:extLst>
+      <p:ext uri="{BB962C8B-B14F-4D97-AF65-F5344CB8AC3E}">
+        <p14:creationId xmlns:p14="http://schemas.microsoft.com/office/powerpoint/2010/main" val="2036413586"/>
+      </p:ext>
+    </p:extLst>
+  </p:cSld>
+  <p:clrMapOvr>
+    <a:masterClrMapping/>
+  </p:clrMapOvr>
+  <p:extLst>
+    <p:ext uri="{DCECCB84-F9BA-43D5-87BE-67443E8EF086}">
+      <p15:sldGuideLst xmlns:p15="http://schemas.microsoft.com/office/powerpoint/2012/main">
+        <p15:guide id="1" orient="horz" pos="2160" userDrawn="1">
+          <p15:clr>
+            <a:srgbClr val="FBAE40"/>
+          </p15:clr>
+        </p15:guide>
+        <p15:guide id="2" pos="3840" userDrawn="1">
+          <p15:clr>
+            <a:srgbClr val="FBAE40"/>
+          </p15:clr>
+        </p15:guide>
+      </p15:sldGuideLst>
+    </p:ext>
+  </p:extLst>
+</p:sldLayout>
+</file>
+
+<file path=ppt/slideLayouts/slideLayout3.xml><?xml version="1.0" encoding="utf-8"?>
+<p:sldLayout xmlns:a="http://schemas.openxmlformats.org/drawingml/2006/main" xmlns:r="http://schemas.openxmlformats.org/officeDocument/2006/relationships" xmlns:p="http://schemas.openxmlformats.org/presentationml/2006/main" preserve="1" userDrawn="1">
+  <p:cSld name="Toelichting">
+    <p:spTree>
+      <p:nvGrpSpPr>
+        <p:cNvPr id="1" name=""/>
+        <p:cNvGrpSpPr/>
+        <p:nvPr/>
+      </p:nvGrpSpPr>
+      <p:grpSpPr>
+        <a:xfrm>
+          <a:off x="0" y="0"/>
+          <a:ext cx="0" cy="0"/>
+          <a:chOff x="0" y="0"/>
+          <a:chExt cx="0" cy="0"/>
+        </a:xfrm>
+      </p:grpSpPr>
+      <p:cxnSp>
+        <p:nvCxnSpPr>
+          <p:cNvPr id="3" name="Rechter scheidingslijn" hidden="1">
+            <a:extLst>
+              <a:ext uri="{FF2B5EF4-FFF2-40B4-BE49-F238E27FC236}">
+                <a16:creationId xmlns:a16="http://schemas.microsoft.com/office/drawing/2014/main" id="{FDECFAAB-D754-F97C-74FE-839594156FA2}"/>
+              </a:ext>
+            </a:extLst>
+          </p:cNvPr>
+          <p:cNvCxnSpPr>
+            <a:cxnSpLocks/>
+          </p:cNvCxnSpPr>
+          <p:nvPr userDrawn="1"/>
+        </p:nvCxnSpPr>
+        <p:spPr>
+          <a:xfrm flipV="1">
+            <a:off x="8051825" y="1519200"/>
+            <a:ext cx="0" cy="4881600"/>
+          </a:xfrm>
+          <a:prstGeom prst="line">
+            <a:avLst/>
+          </a:prstGeom>
+          <a:ln w="12700">
+            <a:solidFill>
+              <a:schemeClr val="tx2">
+                <a:lumMod val="20000"/>
+                <a:lumOff val="80000"/>
+              </a:schemeClr>
+            </a:solidFill>
+          </a:ln>
+        </p:spPr>
+        <p:style>
+          <a:lnRef idx="1">
+            <a:schemeClr val="accent1"/>
+          </a:lnRef>
+          <a:fillRef idx="0">
+            <a:schemeClr val="accent1"/>
+          </a:fillRef>
+          <a:effectRef idx="0">
+            <a:schemeClr val="accent1"/>
+          </a:effectRef>
+          <a:fontRef idx="minor">
+            <a:schemeClr val="tx1"/>
+          </a:fontRef>
+        </p:style>
+      </p:cxnSp>
+      <p:cxnSp>
+        <p:nvCxnSpPr>
+          <p:cNvPr id="5" name="Linker scheidingslijn" hidden="1">
+            <a:extLst>
+              <a:ext uri="{FF2B5EF4-FFF2-40B4-BE49-F238E27FC236}">
+                <a16:creationId xmlns:a16="http://schemas.microsoft.com/office/drawing/2014/main" id="{2D7E72C6-5CA6-7B1A-0C91-91CE52CD78AE}"/>
+              </a:ext>
+            </a:extLst>
+          </p:cNvPr>
+          <p:cNvCxnSpPr>
+            <a:cxnSpLocks/>
+          </p:cNvCxnSpPr>
+          <p:nvPr userDrawn="1"/>
+        </p:nvCxnSpPr>
+        <p:spPr>
+          <a:xfrm flipV="1">
+            <a:off x="4140175" y="1519200"/>
+            <a:ext cx="0" cy="4881600"/>
+          </a:xfrm>
+          <a:prstGeom prst="line">
+            <a:avLst/>
+          </a:prstGeom>
+          <a:ln w="12700">
+            <a:solidFill>
+              <a:schemeClr val="tx2">
+                <a:lumMod val="20000"/>
+                <a:lumOff val="80000"/>
+              </a:schemeClr>
+            </a:solidFill>
+          </a:ln>
+        </p:spPr>
+        <p:style>
+          <a:lnRef idx="1">
+            <a:schemeClr val="accent1"/>
+          </a:lnRef>
+          <a:fillRef idx="0">
+            <a:schemeClr val="accent1"/>
+          </a:fillRef>
+          <a:effectRef idx="0">
+            <a:schemeClr val="accent1"/>
+          </a:effectRef>
+          <a:fontRef idx="minor">
+            <a:schemeClr val="tx1"/>
+          </a:fontRef>
+        </p:style>
+      </p:cxnSp>
+      <p:sp>
+        <p:nvSpPr>
+          <p:cNvPr id="8" name="Rechtervlak" hidden="1">
+            <a:extLst>
+              <a:ext uri="{FF2B5EF4-FFF2-40B4-BE49-F238E27FC236}">
+                <a16:creationId xmlns:a16="http://schemas.microsoft.com/office/drawing/2014/main" id="{B3354C12-7F6E-3696-5BCB-73772B9B0AF7}"/>
+              </a:ext>
+            </a:extLst>
+          </p:cNvPr>
+          <p:cNvSpPr/>
+          <p:nvPr userDrawn="1"/>
+        </p:nvSpPr>
+        <p:spPr>
+          <a:xfrm>
+            <a:off x="8280409" y="1520170"/>
+            <a:ext cx="3454375" cy="4880630"/>
+          </a:xfrm>
+          <a:prstGeom prst="rect">
+            <a:avLst/>
+          </a:prstGeom>
+          <a:solidFill>
+            <a:schemeClr val="bg1">
+              <a:lumMod val="95000"/>
+            </a:schemeClr>
+          </a:solidFill>
+          <a:ln>
+            <a:noFill/>
+          </a:ln>
+        </p:spPr>
+        <p:style>
+          <a:lnRef idx="2">
+            <a:schemeClr val="accent1">
+              <a:shade val="15000"/>
+            </a:schemeClr>
+          </a:lnRef>
+          <a:fillRef idx="1">
+            <a:schemeClr val="accent1"/>
+          </a:fillRef>
+          <a:effectRef idx="0">
+            <a:schemeClr val="accent1"/>
+          </a:effectRef>
+          <a:fontRef idx="minor">
+            <a:schemeClr val="lt1"/>
+          </a:fontRef>
+        </p:style>
+        <p:txBody>
+          <a:bodyPr rtlCol="0" anchor="ctr"/>
+          <a:lstStyle/>
+          <a:p>
+            <a:pPr algn="ctr"/>
+            <a:endParaRPr lang="nl-NL" sz="1240"/>
+          </a:p>
+        </p:txBody>
+      </p:sp>
+      <p:sp>
+        <p:nvSpPr>
+          <p:cNvPr id="9" name="Middenvlak" hidden="1">
+            <a:extLst>
+              <a:ext uri="{FF2B5EF4-FFF2-40B4-BE49-F238E27FC236}">
+                <a16:creationId xmlns:a16="http://schemas.microsoft.com/office/drawing/2014/main" id="{C3B8DC55-799A-9CEE-0ED8-0B8FED5F9317}"/>
+              </a:ext>
+            </a:extLst>
+          </p:cNvPr>
+          <p:cNvSpPr/>
+          <p:nvPr userDrawn="1"/>
+        </p:nvSpPr>
+        <p:spPr>
+          <a:xfrm>
+            <a:off x="4368814" y="1520170"/>
+            <a:ext cx="3454375" cy="4880630"/>
+          </a:xfrm>
+          <a:prstGeom prst="rect">
+            <a:avLst/>
+          </a:prstGeom>
+          <a:solidFill>
+            <a:schemeClr val="bg1">
+              <a:lumMod val="95000"/>
+            </a:schemeClr>
+          </a:solidFill>
+          <a:ln>
+            <a:noFill/>
+          </a:ln>
+        </p:spPr>
+        <p:style>
+          <a:lnRef idx="2">
+            <a:schemeClr val="accent1">
+              <a:shade val="15000"/>
+            </a:schemeClr>
+          </a:lnRef>
+          <a:fillRef idx="1">
+            <a:schemeClr val="accent1"/>
+          </a:fillRef>
+          <a:effectRef idx="0">
+            <a:schemeClr val="accent1"/>
+          </a:effectRef>
+          <a:fontRef idx="minor">
+            <a:schemeClr val="lt1"/>
+          </a:fontRef>
+        </p:style>
+        <p:txBody>
+          <a:bodyPr rtlCol="0" anchor="ctr"/>
+          <a:lstStyle/>
+          <a:p>
+            <a:pPr algn="ctr"/>
+            <a:endParaRPr lang="nl-NL" sz="1240"/>
+          </a:p>
+        </p:txBody>
+      </p:sp>
+      <p:sp>
+        <p:nvSpPr>
+          <p:cNvPr id="10" name="Linkervlak" hidden="1">
+            <a:extLst>
+              <a:ext uri="{FF2B5EF4-FFF2-40B4-BE49-F238E27FC236}">
+                <a16:creationId xmlns:a16="http://schemas.microsoft.com/office/drawing/2014/main" id="{61963E38-AC16-8FB5-CE17-33645891A9B4}"/>
+              </a:ext>
+            </a:extLst>
+          </p:cNvPr>
+          <p:cNvSpPr/>
+          <p:nvPr userDrawn="1"/>
+        </p:nvSpPr>
+        <p:spPr>
+          <a:xfrm>
+            <a:off x="457221" y="1520170"/>
+            <a:ext cx="3454375" cy="4880630"/>
+          </a:xfrm>
+          <a:prstGeom prst="rect">
+            <a:avLst/>
+          </a:prstGeom>
+          <a:solidFill>
+            <a:schemeClr val="bg1">
+              <a:lumMod val="95000"/>
+            </a:schemeClr>
+          </a:solidFill>
+          <a:ln>
+            <a:noFill/>
+          </a:ln>
+        </p:spPr>
+        <p:style>
+          <a:lnRef idx="2">
+            <a:schemeClr val="accent1">
+              <a:shade val="15000"/>
+            </a:schemeClr>
+          </a:lnRef>
+          <a:fillRef idx="1">
+            <a:schemeClr val="accent1"/>
+          </a:fillRef>
+          <a:effectRef idx="0">
+            <a:schemeClr val="accent1"/>
+          </a:effectRef>
+          <a:fontRef idx="minor">
+            <a:schemeClr val="lt1"/>
+          </a:fontRef>
+        </p:style>
+        <p:txBody>
+          <a:bodyPr rtlCol="0" anchor="ctr"/>
+          <a:lstStyle/>
+          <a:p>
+            <a:pPr algn="ctr"/>
+            <a:endParaRPr lang="nl-NL" sz="1240"/>
+          </a:p>
+        </p:txBody>
+      </p:sp>
+      <p:sp>
+        <p:nvSpPr>
+          <p:cNvPr id="4" name="Driehoek">
+            <a:extLst>
+              <a:ext uri="{FF2B5EF4-FFF2-40B4-BE49-F238E27FC236}">
+                <a16:creationId xmlns:a16="http://schemas.microsoft.com/office/drawing/2014/main" id="{6BF81F9D-47A9-F838-539A-4DA092003706}"/>
+              </a:ext>
+            </a:extLst>
+          </p:cNvPr>
+          <p:cNvSpPr/>
+          <p:nvPr userDrawn="1"/>
+        </p:nvSpPr>
+        <p:spPr>
+          <a:xfrm rot="10800000" flipH="1">
+            <a:off x="9719595" y="0"/>
+            <a:ext cx="576000" cy="1066800"/>
+          </a:xfrm>
+          <a:prstGeom prst="rtTriangle">
+            <a:avLst/>
+          </a:prstGeom>
+          <a:solidFill>
+            <a:srgbClr val="011763"/>
+          </a:solidFill>
+          <a:ln>
+            <a:noFill/>
+          </a:ln>
+        </p:spPr>
+        <p:style>
+          <a:lnRef idx="2">
+            <a:schemeClr val="accent1">
+              <a:shade val="50000"/>
+            </a:schemeClr>
+          </a:lnRef>
+          <a:fillRef idx="1">
+            <a:schemeClr val="accent1"/>
+          </a:fillRef>
+          <a:effectRef idx="0">
+            <a:schemeClr val="accent1"/>
+          </a:effectRef>
+          <a:fontRef idx="minor">
+            <a:schemeClr val="lt1"/>
+          </a:fontRef>
+        </p:style>
+        <p:txBody>
+          <a:bodyPr rtlCol="0" anchor="ctr"/>
+          <a:lstStyle/>
+          <a:p>
+            <a:pPr algn="l"/>
+            <a:endParaRPr lang="en-US" sz="1600" b="1">
+              <a:latin typeface="+mn-lt"/>
+            </a:endParaRPr>
+          </a:p>
+        </p:txBody>
+      </p:sp>
+      <p:sp>
+        <p:nvSpPr>
+          <p:cNvPr id="6" name="Titelblok">
+            <a:extLst>
+              <a:ext uri="{FF2B5EF4-FFF2-40B4-BE49-F238E27FC236}">
+                <a16:creationId xmlns:a16="http://schemas.microsoft.com/office/drawing/2014/main" id="{07B0C315-6B31-EEFE-32F9-63CE169AD419}"/>
+              </a:ext>
+            </a:extLst>
+          </p:cNvPr>
+          <p:cNvSpPr/>
+          <p:nvPr userDrawn="1"/>
+        </p:nvSpPr>
+        <p:spPr>
+          <a:xfrm>
+            <a:off x="0" y="0"/>
+            <a:ext cx="9719589" cy="1066800"/>
+          </a:xfrm>
+          <a:prstGeom prst="rect">
+            <a:avLst/>
+          </a:prstGeom>
+          <a:solidFill>
+            <a:srgbClr val="011763"/>
+          </a:solidFill>
+          <a:ln>
+            <a:noFill/>
+          </a:ln>
+        </p:spPr>
+        <p:style>
+          <a:lnRef idx="2">
+            <a:schemeClr val="accent1">
+              <a:shade val="50000"/>
+            </a:schemeClr>
+          </a:lnRef>
+          <a:fillRef idx="1">
+            <a:schemeClr val="accent1"/>
+          </a:fillRef>
+          <a:effectRef idx="0">
+            <a:schemeClr val="accent1"/>
+          </a:effectRef>
+          <a:fontRef idx="minor">
+            <a:schemeClr val="lt1"/>
+          </a:fontRef>
+        </p:style>
+        <p:txBody>
+          <a:bodyPr rtlCol="0" anchor="ctr"/>
+          <a:lstStyle/>
+          <a:p>
+            <a:pPr marL="0" indent="270272" algn="l"/>
+            <a:r>
+              <a:rPr lang="nl-NL" sz="2400" b="1" noProof="0" dirty="0">
+                <a:latin typeface="+mn-lt"/>
+              </a:rPr>
+              <a:t>Toelichting</a:t>
+            </a:r>
+            <a:endParaRPr lang="nl-NL" sz="1800" b="1" noProof="0" dirty="0">
+              <a:latin typeface="+mn-lt"/>
+            </a:endParaRPr>
+          </a:p>
+        </p:txBody>
+      </p:sp>
+      <p:sp>
+        <p:nvSpPr>
+          <p:cNvPr id="7" name="Tekstvak 6">
+            <a:extLst>
+              <a:ext uri="{FF2B5EF4-FFF2-40B4-BE49-F238E27FC236}">
+                <a16:creationId xmlns:a16="http://schemas.microsoft.com/office/drawing/2014/main" id="{AA0CA219-2428-2DC8-8B60-DFF85A1CC921}"/>
+              </a:ext>
+            </a:extLst>
+          </p:cNvPr>
+          <p:cNvSpPr txBox="1"/>
+          <p:nvPr userDrawn="1"/>
+        </p:nvSpPr>
+        <p:spPr>
+          <a:xfrm>
+            <a:off x="457220" y="1531527"/>
+            <a:ext cx="11277561" cy="1631216"/>
+          </a:xfrm>
+          <a:prstGeom prst="rect">
+            <a:avLst/>
+          </a:prstGeom>
+          <a:noFill/>
+        </p:spPr>
+        <p:txBody>
+          <a:bodyPr wrap="square" rtlCol="0">
+            <a:spAutoFit/>
+          </a:bodyPr>
+          <a:lstStyle/>
+          <a:p>
+            <a:r>
+              <a:rPr lang="nl-NL" sz="1000" b="1" dirty="0">
+                <a:latin typeface="+mn-lt"/>
                 <a:cs typeface="Arial" panose="020B0604020202020204" pitchFamily="34" charset="0"/>
               </a:rPr>
-              <a:t>Ervaren gezondheid is een betrouwbare indicator voor de algehele gezondheidstoestand van jongeren.</a:t>
+              <a:t>OKO Gezondheidsmonitor 2025</a:t>
             </a:r>
           </a:p>
-        </p:txBody>
-      </p:sp>
-      <p:sp>
-        <p:nvSpPr>
-          <p:cNvPr id="8" name="Tekstvak 7">
-            <a:extLst>
-              <a:ext uri="{FF2B5EF4-FFF2-40B4-BE49-F238E27FC236}">
-                <a16:creationId xmlns:a16="http://schemas.microsoft.com/office/drawing/2014/main" id="{3A2A39C7-5342-D2BD-DCFF-D6D224422930}"/>
+          <a:p>
+            <a:r>
+              <a:rPr lang="nl-NL" sz="1000" dirty="0">
+                <a:latin typeface="+mn-lt"/>
+                <a:cs typeface="Arial" panose="020B0604020202020204" pitchFamily="34" charset="0"/>
+              </a:rPr>
+              <a:t>OKO is een meerjarige aanpak die de gemeente inzet om te voorkomen dat jongeren onder de 18 jaar alcohol, nicotine of drugs gaan gebruiken. De aanpak richt zich op beschermende en risicofactoren in de leefomgeving van jongeren. Samenwerkingspartners gaan met elkaar aan de slag om de beschermende factoren te versterken en de risicofactoren te verminderen. Dat doen ze in elk van de volgende vier leefomgevingen van jongeren: Gezin, Leeftijdsgenoten, School en Vrije tijd. Deze omgevingsgerichte aanpak draagt naast het voorkomen van middelengebruik ook bij aan het mentale welbevinden van jongeren.</a:t>
+            </a:r>
+          </a:p>
+          <a:p>
+            <a:endParaRPr lang="nl-NL" sz="1000" dirty="0">
+              <a:latin typeface="+mn-lt"/>
+              <a:cs typeface="Arial" panose="020B0604020202020204" pitchFamily="34" charset="0"/>
+            </a:endParaRPr>
+          </a:p>
+          <a:p>
+            <a:r>
+              <a:rPr lang="nl-NL" sz="1000" dirty="0">
+                <a:latin typeface="+mn-lt"/>
+                <a:cs typeface="Arial" panose="020B0604020202020204" pitchFamily="34" charset="0"/>
+              </a:rPr>
+              <a:t>De OKO Gezondheidsmonitor is in het najaar van 2025 afgenomen onder jongeren in leerjaar 2 en 4 van het regulier voortgezet onderwijs.</a:t>
+            </a:r>
+          </a:p>
+          <a:p>
+            <a:endParaRPr lang="nl-NL" sz="1000" dirty="0">
+              <a:latin typeface="+mn-lt"/>
+              <a:cs typeface="Arial" panose="020B0604020202020204" pitchFamily="34" charset="0"/>
+            </a:endParaRPr>
+          </a:p>
+          <a:p>
+            <a:r>
+              <a:rPr lang="nl-NL" sz="1000" dirty="0">
+                <a:latin typeface="+mn-lt"/>
+                <a:cs typeface="Arial" panose="020B0604020202020204" pitchFamily="34" charset="0"/>
+              </a:rPr>
+              <a:t>In deze rapportage zijn alleen antwoorden meegenomen waarbij minimaal 30 leerlingen de betreffende vraag hebben ingevuld én minimaal 5 leerlingen het betreffende antwoord hebben aangekruist. Bij een lagere respons is de privacy van de leerlingen niet meer gewaarborgd en zijn de resultaten onvoldoende betrouwbaar.</a:t>
+            </a:r>
+          </a:p>
+        </p:txBody>
+      </p:sp>
+      <p:sp>
+        <p:nvSpPr>
+          <p:cNvPr id="11" name="Responstabel">
+            <a:extLst>
+              <a:ext uri="{FF2B5EF4-FFF2-40B4-BE49-F238E27FC236}">
+                <a16:creationId xmlns:a16="http://schemas.microsoft.com/office/drawing/2014/main" id="{9A854317-E31C-6BC1-5B71-F076BEBBBF41}"/>
+              </a:ext>
+            </a:extLst>
+          </p:cNvPr>
+          <p:cNvSpPr>
+            <a:spLocks noGrp="1"/>
+          </p:cNvSpPr>
+          <p:nvPr>
+            <p:ph type="tbl" sz="quarter" idx="10" hasCustomPrompt="1"/>
+          </p:nvPr>
+        </p:nvSpPr>
+        <p:spPr>
+          <a:xfrm>
+            <a:off x="457220" y="3429000"/>
+            <a:ext cx="5400000" cy="2700000"/>
+          </a:xfrm>
+          <a:prstGeom prst="rect">
+            <a:avLst/>
+          </a:prstGeom>
+        </p:spPr>
+        <p:txBody>
+          <a:bodyPr/>
+          <a:lstStyle>
+            <a:lvl1pPr marL="0" indent="0">
+              <a:buFontTx/>
+              <a:buNone/>
+              <a:defRPr sz="3200">
+                <a:latin typeface="+mn-lt"/>
+              </a:defRPr>
+            </a:lvl1pPr>
+          </a:lstStyle>
+          <a:p>
+            <a:r>
+              <a:rPr lang="nl-NL" noProof="0"/>
+              <a:t>Responstabel</a:t>
+            </a:r>
+          </a:p>
+        </p:txBody>
+      </p:sp>
+      <p:pic>
+        <p:nvPicPr>
+          <p:cNvPr id="2" name="Tijdelijke aanduiding voor tabel 6">
+            <a:extLst>
+              <a:ext uri="{FF2B5EF4-FFF2-40B4-BE49-F238E27FC236}">
+                <a16:creationId xmlns:a16="http://schemas.microsoft.com/office/drawing/2014/main" id="{9E694703-6FF2-B7E3-6462-431B2CE255CF}"/>
+              </a:ext>
+            </a:extLst>
+          </p:cNvPr>
+          <p:cNvPicPr>
+            <a:picLocks noChangeAspect="1"/>
+          </p:cNvPicPr>
+          <p:nvPr userDrawn="1"/>
+        </p:nvPicPr>
+        <p:blipFill>
+          <a:blip r:embed="rId2"/>
+          <a:srcRect t="13216" b="14645"/>
+          <a:stretch>
+            <a:fillRect/>
+          </a:stretch>
+        </p:blipFill>
+        <p:spPr>
+          <a:xfrm>
+            <a:off x="6346301" y="3373032"/>
+            <a:ext cx="5291718" cy="2811936"/>
+          </a:xfrm>
+          <a:prstGeom prst="rect">
+            <a:avLst/>
+          </a:prstGeom>
+        </p:spPr>
+      </p:pic>
+    </p:spTree>
+    <p:extLst>
+      <p:ext uri="{BB962C8B-B14F-4D97-AF65-F5344CB8AC3E}">
+        <p14:creationId xmlns:p14="http://schemas.microsoft.com/office/powerpoint/2010/main" val="585029964"/>
+      </p:ext>
+    </p:extLst>
+  </p:cSld>
+  <p:clrMapOvr>
+    <a:masterClrMapping/>
+  </p:clrMapOvr>
+  <p:extLst>
+    <p:ext uri="{DCECCB84-F9BA-43D5-87BE-67443E8EF086}">
+      <p15:sldGuideLst xmlns:p15="http://schemas.microsoft.com/office/powerpoint/2012/main">
+        <p15:guide id="1" orient="horz" pos="2160" userDrawn="1">
+          <p15:clr>
+            <a:srgbClr val="FBAE40"/>
+          </p15:clr>
+        </p15:guide>
+        <p15:guide id="2" pos="3840" userDrawn="1">
+          <p15:clr>
+            <a:srgbClr val="FBAE40"/>
+          </p15:clr>
+        </p15:guide>
+      </p15:sldGuideLst>
+    </p:ext>
+  </p:extLst>
+</p:sldLayout>
+</file>
+
+<file path=ppt/slideLayouts/slideLayout4.xml><?xml version="1.0" encoding="utf-8"?>
+<p:sldLayout xmlns:a="http://schemas.openxmlformats.org/drawingml/2006/main" xmlns:r="http://schemas.openxmlformats.org/officeDocument/2006/relationships" xmlns:p="http://schemas.openxmlformats.org/presentationml/2006/main" preserve="1" userDrawn="1">
+  <p:cSld name="Gezondheid">
+    <p:spTree>
+      <p:nvGrpSpPr>
+        <p:cNvPr id="1" name=""/>
+        <p:cNvGrpSpPr/>
+        <p:nvPr/>
+      </p:nvGrpSpPr>
+      <p:grpSpPr>
+        <a:xfrm>
+          <a:off x="0" y="0"/>
+          <a:ext cx="0" cy="0"/>
+          <a:chOff x="0" y="0"/>
+          <a:chExt cx="0" cy="0"/>
+        </a:xfrm>
+      </p:grpSpPr>
+      <p:cxnSp>
+        <p:nvCxnSpPr>
+          <p:cNvPr id="6" name="Rechter scheidingslijn">
+            <a:extLst>
+              <a:ext uri="{FF2B5EF4-FFF2-40B4-BE49-F238E27FC236}">
+                <a16:creationId xmlns:a16="http://schemas.microsoft.com/office/drawing/2014/main" id="{7DC6EEF1-E10D-4A9D-BAAB-B80128CFA9A0}"/>
+              </a:ext>
+            </a:extLst>
+          </p:cNvPr>
+          <p:cNvCxnSpPr>
+            <a:cxnSpLocks/>
+          </p:cNvCxnSpPr>
+          <p:nvPr userDrawn="1"/>
+        </p:nvCxnSpPr>
+        <p:spPr>
+          <a:xfrm flipV="1">
+            <a:off x="8051825" y="1519200"/>
+            <a:ext cx="0" cy="4881600"/>
+          </a:xfrm>
+          <a:prstGeom prst="line">
+            <a:avLst/>
+          </a:prstGeom>
+          <a:ln w="12700">
+            <a:solidFill>
+              <a:schemeClr val="tx2">
+                <a:lumMod val="20000"/>
+                <a:lumOff val="80000"/>
+              </a:schemeClr>
+            </a:solidFill>
+          </a:ln>
+        </p:spPr>
+        <p:style>
+          <a:lnRef idx="1">
+            <a:schemeClr val="accent1"/>
+          </a:lnRef>
+          <a:fillRef idx="0">
+            <a:schemeClr val="accent1"/>
+          </a:fillRef>
+          <a:effectRef idx="0">
+            <a:schemeClr val="accent1"/>
+          </a:effectRef>
+          <a:fontRef idx="minor">
+            <a:schemeClr val="tx1"/>
+          </a:fontRef>
+        </p:style>
+      </p:cxnSp>
+      <p:cxnSp>
+        <p:nvCxnSpPr>
+          <p:cNvPr id="7" name="Linker scheidingslijn">
+            <a:extLst>
+              <a:ext uri="{FF2B5EF4-FFF2-40B4-BE49-F238E27FC236}">
+                <a16:creationId xmlns:a16="http://schemas.microsoft.com/office/drawing/2014/main" id="{5D2F1186-7B59-72A8-4592-0DFDF921B9C6}"/>
+              </a:ext>
+            </a:extLst>
+          </p:cNvPr>
+          <p:cNvCxnSpPr>
+            <a:cxnSpLocks/>
+          </p:cNvCxnSpPr>
+          <p:nvPr userDrawn="1"/>
+        </p:nvCxnSpPr>
+        <p:spPr>
+          <a:xfrm flipV="1">
+            <a:off x="4140175" y="1519200"/>
+            <a:ext cx="0" cy="4881600"/>
+          </a:xfrm>
+          <a:prstGeom prst="line">
+            <a:avLst/>
+          </a:prstGeom>
+          <a:ln w="12700">
+            <a:solidFill>
+              <a:schemeClr val="tx2">
+                <a:lumMod val="20000"/>
+                <a:lumOff val="80000"/>
+              </a:schemeClr>
+            </a:solidFill>
+          </a:ln>
+        </p:spPr>
+        <p:style>
+          <a:lnRef idx="1">
+            <a:schemeClr val="accent1"/>
+          </a:lnRef>
+          <a:fillRef idx="0">
+            <a:schemeClr val="accent1"/>
+          </a:fillRef>
+          <a:effectRef idx="0">
+            <a:schemeClr val="accent1"/>
+          </a:effectRef>
+          <a:fontRef idx="minor">
+            <a:schemeClr val="tx1"/>
+          </a:fontRef>
+        </p:style>
+      </p:cxnSp>
+      <p:sp>
+        <p:nvSpPr>
+          <p:cNvPr id="11" name="Rechtervlak" hidden="1">
+            <a:extLst>
+              <a:ext uri="{FF2B5EF4-FFF2-40B4-BE49-F238E27FC236}">
+                <a16:creationId xmlns:a16="http://schemas.microsoft.com/office/drawing/2014/main" id="{2AB83298-1132-DCAE-0651-FFCF6A6BBED0}"/>
+              </a:ext>
+            </a:extLst>
+          </p:cNvPr>
+          <p:cNvSpPr/>
+          <p:nvPr userDrawn="1"/>
+        </p:nvSpPr>
+        <p:spPr>
+          <a:xfrm>
+            <a:off x="8280409" y="1520170"/>
+            <a:ext cx="3454375" cy="4880630"/>
+          </a:xfrm>
+          <a:prstGeom prst="rect">
+            <a:avLst/>
+          </a:prstGeom>
+          <a:solidFill>
+            <a:schemeClr val="bg1">
+              <a:lumMod val="95000"/>
+            </a:schemeClr>
+          </a:solidFill>
+          <a:ln>
+            <a:noFill/>
+          </a:ln>
+        </p:spPr>
+        <p:style>
+          <a:lnRef idx="2">
+            <a:schemeClr val="accent1">
+              <a:shade val="15000"/>
+            </a:schemeClr>
+          </a:lnRef>
+          <a:fillRef idx="1">
+            <a:schemeClr val="accent1"/>
+          </a:fillRef>
+          <a:effectRef idx="0">
+            <a:schemeClr val="accent1"/>
+          </a:effectRef>
+          <a:fontRef idx="minor">
+            <a:schemeClr val="lt1"/>
+          </a:fontRef>
+        </p:style>
+        <p:txBody>
+          <a:bodyPr rtlCol="0" anchor="ctr"/>
+          <a:lstStyle/>
+          <a:p>
+            <a:pPr algn="ctr"/>
+            <a:endParaRPr lang="nl-NL" sz="1240"/>
+          </a:p>
+        </p:txBody>
+      </p:sp>
+      <p:sp>
+        <p:nvSpPr>
+          <p:cNvPr id="14" name="Middenvlak" hidden="1">
+            <a:extLst>
+              <a:ext uri="{FF2B5EF4-FFF2-40B4-BE49-F238E27FC236}">
+                <a16:creationId xmlns:a16="http://schemas.microsoft.com/office/drawing/2014/main" id="{C49D12F7-13AF-A61C-E6A3-0B8A65611D07}"/>
+              </a:ext>
+            </a:extLst>
+          </p:cNvPr>
+          <p:cNvSpPr/>
+          <p:nvPr userDrawn="1"/>
+        </p:nvSpPr>
+        <p:spPr>
+          <a:xfrm>
+            <a:off x="4368814" y="1520170"/>
+            <a:ext cx="3454375" cy="4880630"/>
+          </a:xfrm>
+          <a:prstGeom prst="rect">
+            <a:avLst/>
+          </a:prstGeom>
+          <a:solidFill>
+            <a:schemeClr val="bg1">
+              <a:lumMod val="95000"/>
+            </a:schemeClr>
+          </a:solidFill>
+          <a:ln>
+            <a:noFill/>
+          </a:ln>
+        </p:spPr>
+        <p:style>
+          <a:lnRef idx="2">
+            <a:schemeClr val="accent1">
+              <a:shade val="15000"/>
+            </a:schemeClr>
+          </a:lnRef>
+          <a:fillRef idx="1">
+            <a:schemeClr val="accent1"/>
+          </a:fillRef>
+          <a:effectRef idx="0">
+            <a:schemeClr val="accent1"/>
+          </a:effectRef>
+          <a:fontRef idx="minor">
+            <a:schemeClr val="lt1"/>
+          </a:fontRef>
+        </p:style>
+        <p:txBody>
+          <a:bodyPr rtlCol="0" anchor="ctr"/>
+          <a:lstStyle/>
+          <a:p>
+            <a:pPr algn="ctr"/>
+            <a:endParaRPr lang="nl-NL" sz="1240"/>
+          </a:p>
+        </p:txBody>
+      </p:sp>
+      <p:sp>
+        <p:nvSpPr>
+          <p:cNvPr id="15" name="Linkervlak" hidden="1">
+            <a:extLst>
+              <a:ext uri="{FF2B5EF4-FFF2-40B4-BE49-F238E27FC236}">
+                <a16:creationId xmlns:a16="http://schemas.microsoft.com/office/drawing/2014/main" id="{966327DC-A2CA-F917-57C8-2311909BFC4B}"/>
+              </a:ext>
+            </a:extLst>
+          </p:cNvPr>
+          <p:cNvSpPr/>
+          <p:nvPr userDrawn="1"/>
+        </p:nvSpPr>
+        <p:spPr>
+          <a:xfrm>
+            <a:off x="457221" y="1520170"/>
+            <a:ext cx="3454375" cy="4880630"/>
+          </a:xfrm>
+          <a:prstGeom prst="rect">
+            <a:avLst/>
+          </a:prstGeom>
+          <a:solidFill>
+            <a:schemeClr val="bg1">
+              <a:lumMod val="95000"/>
+            </a:schemeClr>
+          </a:solidFill>
+          <a:ln>
+            <a:noFill/>
+          </a:ln>
+        </p:spPr>
+        <p:style>
+          <a:lnRef idx="2">
+            <a:schemeClr val="accent1">
+              <a:shade val="15000"/>
+            </a:schemeClr>
+          </a:lnRef>
+          <a:fillRef idx="1">
+            <a:schemeClr val="accent1"/>
+          </a:fillRef>
+          <a:effectRef idx="0">
+            <a:schemeClr val="accent1"/>
+          </a:effectRef>
+          <a:fontRef idx="minor">
+            <a:schemeClr val="lt1"/>
+          </a:fontRef>
+        </p:style>
+        <p:txBody>
+          <a:bodyPr rtlCol="0" anchor="ctr"/>
+          <a:lstStyle/>
+          <a:p>
+            <a:pPr algn="ctr"/>
+            <a:endParaRPr lang="nl-NL" sz="1240"/>
+          </a:p>
+        </p:txBody>
+      </p:sp>
+      <p:sp>
+        <p:nvSpPr>
+          <p:cNvPr id="19" name="Driehoek">
+            <a:extLst>
+              <a:ext uri="{FF2B5EF4-FFF2-40B4-BE49-F238E27FC236}">
+                <a16:creationId xmlns:a16="http://schemas.microsoft.com/office/drawing/2014/main" id="{586A169A-7A17-2F3F-B192-FACC840B9957}"/>
+              </a:ext>
+            </a:extLst>
+          </p:cNvPr>
+          <p:cNvSpPr/>
+          <p:nvPr userDrawn="1"/>
+        </p:nvSpPr>
+        <p:spPr>
+          <a:xfrm rot="10800000" flipH="1">
+            <a:off x="9719595" y="0"/>
+            <a:ext cx="576000" cy="1066800"/>
+          </a:xfrm>
+          <a:prstGeom prst="rtTriangle">
+            <a:avLst/>
+          </a:prstGeom>
+          <a:solidFill>
+            <a:schemeClr val="accent3"/>
+          </a:solidFill>
+          <a:ln>
+            <a:noFill/>
+          </a:ln>
+        </p:spPr>
+        <p:style>
+          <a:lnRef idx="2">
+            <a:schemeClr val="accent1">
+              <a:shade val="50000"/>
+            </a:schemeClr>
+          </a:lnRef>
+          <a:fillRef idx="1">
+            <a:schemeClr val="accent1"/>
+          </a:fillRef>
+          <a:effectRef idx="0">
+            <a:schemeClr val="accent1"/>
+          </a:effectRef>
+          <a:fontRef idx="minor">
+            <a:schemeClr val="lt1"/>
+          </a:fontRef>
+        </p:style>
+        <p:txBody>
+          <a:bodyPr rtlCol="0" anchor="ctr"/>
+          <a:lstStyle/>
+          <a:p>
+            <a:pPr algn="l"/>
+            <a:endParaRPr lang="en-US" sz="1400" b="1">
+              <a:latin typeface="Century Gothic" panose="020B0502020202020204" pitchFamily="34" charset="0"/>
+            </a:endParaRPr>
+          </a:p>
+        </p:txBody>
+      </p:sp>
+      <p:sp>
+        <p:nvSpPr>
+          <p:cNvPr id="20" name="Titelblok">
+            <a:extLst>
+              <a:ext uri="{FF2B5EF4-FFF2-40B4-BE49-F238E27FC236}">
+                <a16:creationId xmlns:a16="http://schemas.microsoft.com/office/drawing/2014/main" id="{09DB097E-8577-1284-CB7B-3627CC87E052}"/>
+              </a:ext>
+            </a:extLst>
+          </p:cNvPr>
+          <p:cNvSpPr/>
+          <p:nvPr userDrawn="1"/>
+        </p:nvSpPr>
+        <p:spPr>
+          <a:xfrm>
+            <a:off x="0" y="0"/>
+            <a:ext cx="9719589" cy="1066800"/>
+          </a:xfrm>
+          <a:prstGeom prst="rect">
+            <a:avLst/>
+          </a:prstGeom>
+          <a:solidFill>
+            <a:schemeClr val="accent3"/>
+          </a:solidFill>
+          <a:ln>
+            <a:noFill/>
+          </a:ln>
+        </p:spPr>
+        <p:style>
+          <a:lnRef idx="2">
+            <a:schemeClr val="accent1">
+              <a:shade val="50000"/>
+            </a:schemeClr>
+          </a:lnRef>
+          <a:fillRef idx="1">
+            <a:schemeClr val="accent1"/>
+          </a:fillRef>
+          <a:effectRef idx="0">
+            <a:schemeClr val="accent1"/>
+          </a:effectRef>
+          <a:fontRef idx="minor">
+            <a:schemeClr val="lt1"/>
+          </a:fontRef>
+        </p:style>
+        <p:txBody>
+          <a:bodyPr rtlCol="0" anchor="ctr"/>
+          <a:lstStyle/>
+          <a:p>
+            <a:pPr marL="0" indent="270272" algn="l"/>
+            <a:r>
+              <a:rPr lang="nl-NL" sz="2400" b="1" noProof="0" dirty="0">
+                <a:latin typeface="Century Gothic" panose="020B0502020202020204" pitchFamily="34" charset="0"/>
+              </a:rPr>
+              <a:t>Gezondheid en eenzaamheid</a:t>
+            </a:r>
+          </a:p>
+        </p:txBody>
+      </p:sp>
+      <p:sp>
+        <p:nvSpPr>
+          <p:cNvPr id="3" name="Tekstvak 2">
+            <a:extLst>
+              <a:ext uri="{FF2B5EF4-FFF2-40B4-BE49-F238E27FC236}">
+                <a16:creationId xmlns:a16="http://schemas.microsoft.com/office/drawing/2014/main" id="{DBB94449-5BD6-0E92-A1D1-7AB05F3ABB97}"/>
               </a:ext>
             </a:extLst>
           </p:cNvPr>
@@ -9580,8 +10993,8 @@
         </p:nvSpPr>
         <p:spPr>
           <a:xfrm>
-            <a:off x="9347499" y="2976525"/>
-            <a:ext cx="2378270" cy="400110"/>
+            <a:off x="5393832" y="2976525"/>
+            <a:ext cx="2420287" cy="400110"/>
           </a:xfrm>
           <a:prstGeom prst="rect">
             <a:avLst/>
@@ -9602,17 +11015,17 @@
                 <a:latin typeface="Century Gothic" panose="020B0502020202020204" pitchFamily="34" charset="0"/>
                 <a:cs typeface="Arial" panose="020B0604020202020204" pitchFamily="34" charset="0"/>
               </a:rPr>
-              <a:t>voelde zich soms tot altijd eenzaam in de afgelopen 4 weken</a:t>
+              <a:t>ervaart de eigen mentale gezondheid als (heel) goed</a:t>
             </a:r>
           </a:p>
         </p:txBody>
       </p:sp>
       <p:sp>
         <p:nvSpPr>
-          <p:cNvPr id="10" name="Tekstvak 9">
-            <a:extLst>
-              <a:ext uri="{FF2B5EF4-FFF2-40B4-BE49-F238E27FC236}">
-                <a16:creationId xmlns:a16="http://schemas.microsoft.com/office/drawing/2014/main" id="{4D53EAB4-ED05-F6D0-5CC9-AAF6EEE422D6}"/>
+          <p:cNvPr id="29" name="TextBox 1">
+            <a:extLst>
+              <a:ext uri="{FF2B5EF4-FFF2-40B4-BE49-F238E27FC236}">
+                <a16:creationId xmlns:a16="http://schemas.microsoft.com/office/drawing/2014/main" id="{665FFA3C-9688-3102-AB45-7828DF662A5A}"/>
               </a:ext>
             </a:extLst>
           </p:cNvPr>
@@ -9621,48 +11034,7 @@
         </p:nvSpPr>
         <p:spPr>
           <a:xfrm>
-            <a:off x="1523903" y="2976525"/>
-            <a:ext cx="2378564" cy="400110"/>
-          </a:xfrm>
-          <a:prstGeom prst="rect">
-            <a:avLst/>
-          </a:prstGeom>
-          <a:noFill/>
-        </p:spPr>
-        <p:txBody>
-          <a:bodyPr wrap="square" rtlCol="0">
-            <a:spAutoFit/>
-          </a:bodyPr>
-          <a:lstStyle/>
-          <a:p>
-            <a:r>
-              <a:rPr lang="nl-NL" sz="1000" b="1" dirty="0">
-                <a:solidFill>
-                  <a:schemeClr val="tx1"/>
-                </a:solidFill>
-                <a:latin typeface="Century Gothic" panose="020B0502020202020204" pitchFamily="34" charset="0"/>
-                <a:cs typeface="Arial" panose="020B0604020202020204" pitchFamily="34" charset="0"/>
-              </a:rPr>
-              <a:t>ervaart de eigen algemene gezondheid als (zeer) goed</a:t>
-            </a:r>
-          </a:p>
-        </p:txBody>
-      </p:sp>
-      <p:sp>
-        <p:nvSpPr>
-          <p:cNvPr id="16" name="TextBox 1">
-            <a:extLst>
-              <a:ext uri="{FF2B5EF4-FFF2-40B4-BE49-F238E27FC236}">
-                <a16:creationId xmlns:a16="http://schemas.microsoft.com/office/drawing/2014/main" id="{39DA7E63-F8DB-69F2-E53A-B92720D0DB73}"/>
-              </a:ext>
-            </a:extLst>
-          </p:cNvPr>
-          <p:cNvSpPr txBox="1"/>
-          <p:nvPr userDrawn="1"/>
-        </p:nvSpPr>
-        <p:spPr>
-          <a:xfrm>
-            <a:off x="4365366" y="1519200"/>
+            <a:off x="457219" y="1519201"/>
             <a:ext cx="3456000" cy="346249"/>
           </a:xfrm>
           <a:prstGeom prst="rect">
@@ -9779,17 +11151,17 @@
                 <a:latin typeface="Century Gothic" panose="020B0502020202020204" pitchFamily="34" charset="0"/>
                 <a:cs typeface="Arial" panose="020B0604020202020204" pitchFamily="34" charset="0"/>
               </a:rPr>
-              <a:t>Jongeren is ook is gevraagd hoe ze zelf hun mentale gezondheid ervaren.</a:t>
+              <a:t>Ervaren gezondheid is een betrouwbare indicator voor de algehele gezondheidstoestand van jongeren.</a:t>
             </a:r>
           </a:p>
         </p:txBody>
       </p:sp>
       <p:sp>
         <p:nvSpPr>
-          <p:cNvPr id="17" name="TextBox 1">
-            <a:extLst>
-              <a:ext uri="{FF2B5EF4-FFF2-40B4-BE49-F238E27FC236}">
-                <a16:creationId xmlns:a16="http://schemas.microsoft.com/office/drawing/2014/main" id="{83BD08AD-0583-B8D4-FD8D-EC44809BEB33}"/>
+          <p:cNvPr id="8" name="Tekstvak 7">
+            <a:extLst>
+              <a:ext uri="{FF2B5EF4-FFF2-40B4-BE49-F238E27FC236}">
+                <a16:creationId xmlns:a16="http://schemas.microsoft.com/office/drawing/2014/main" id="{3A2A39C7-5342-D2BD-DCFF-D6D224422930}"/>
               </a:ext>
             </a:extLst>
           </p:cNvPr>
@@ -9798,8 +11170,90 @@
         </p:nvSpPr>
         <p:spPr>
           <a:xfrm>
-            <a:off x="8273513" y="1519199"/>
-            <a:ext cx="3456000" cy="761747"/>
+            <a:off x="9347499" y="2976525"/>
+            <a:ext cx="2378270" cy="400110"/>
+          </a:xfrm>
+          <a:prstGeom prst="rect">
+            <a:avLst/>
+          </a:prstGeom>
+          <a:noFill/>
+        </p:spPr>
+        <p:txBody>
+          <a:bodyPr wrap="square" rtlCol="0">
+            <a:spAutoFit/>
+          </a:bodyPr>
+          <a:lstStyle/>
+          <a:p>
+            <a:r>
+              <a:rPr lang="nl-NL" sz="1000" b="1" dirty="0">
+                <a:solidFill>
+                  <a:schemeClr val="tx1"/>
+                </a:solidFill>
+                <a:latin typeface="Century Gothic" panose="020B0502020202020204" pitchFamily="34" charset="0"/>
+                <a:cs typeface="Arial" panose="020B0604020202020204" pitchFamily="34" charset="0"/>
+              </a:rPr>
+              <a:t>voelde zich soms tot altijd eenzaam in de afgelopen 4 weken</a:t>
+            </a:r>
+          </a:p>
+        </p:txBody>
+      </p:sp>
+      <p:sp>
+        <p:nvSpPr>
+          <p:cNvPr id="10" name="Tekstvak 9">
+            <a:extLst>
+              <a:ext uri="{FF2B5EF4-FFF2-40B4-BE49-F238E27FC236}">
+                <a16:creationId xmlns:a16="http://schemas.microsoft.com/office/drawing/2014/main" id="{4D53EAB4-ED05-F6D0-5CC9-AAF6EEE422D6}"/>
+              </a:ext>
+            </a:extLst>
+          </p:cNvPr>
+          <p:cNvSpPr txBox="1"/>
+          <p:nvPr userDrawn="1"/>
+        </p:nvSpPr>
+        <p:spPr>
+          <a:xfrm>
+            <a:off x="1523903" y="2976525"/>
+            <a:ext cx="2378564" cy="400110"/>
+          </a:xfrm>
+          <a:prstGeom prst="rect">
+            <a:avLst/>
+          </a:prstGeom>
+          <a:noFill/>
+        </p:spPr>
+        <p:txBody>
+          <a:bodyPr wrap="square" rtlCol="0">
+            <a:spAutoFit/>
+          </a:bodyPr>
+          <a:lstStyle/>
+          <a:p>
+            <a:r>
+              <a:rPr lang="nl-NL" sz="1000" b="1" dirty="0">
+                <a:solidFill>
+                  <a:schemeClr val="tx1"/>
+                </a:solidFill>
+                <a:latin typeface="Century Gothic" panose="020B0502020202020204" pitchFamily="34" charset="0"/>
+                <a:cs typeface="Arial" panose="020B0604020202020204" pitchFamily="34" charset="0"/>
+              </a:rPr>
+              <a:t>ervaart de eigen algemene gezondheid als (zeer) goed</a:t>
+            </a:r>
+          </a:p>
+        </p:txBody>
+      </p:sp>
+      <p:sp>
+        <p:nvSpPr>
+          <p:cNvPr id="16" name="TextBox 1">
+            <a:extLst>
+              <a:ext uri="{FF2B5EF4-FFF2-40B4-BE49-F238E27FC236}">
+                <a16:creationId xmlns:a16="http://schemas.microsoft.com/office/drawing/2014/main" id="{39DA7E63-F8DB-69F2-E53A-B92720D0DB73}"/>
+              </a:ext>
+            </a:extLst>
+          </p:cNvPr>
+          <p:cNvSpPr txBox="1"/>
+          <p:nvPr userDrawn="1"/>
+        </p:nvSpPr>
+        <p:spPr>
+          <a:xfrm>
+            <a:off x="4365366" y="1519200"/>
+            <a:ext cx="3456000" cy="346249"/>
           </a:xfrm>
           <a:prstGeom prst="rect">
             <a:avLst/>
@@ -9915,733 +11369,17 @@
                 <a:latin typeface="Century Gothic" panose="020B0502020202020204" pitchFamily="34" charset="0"/>
                 <a:cs typeface="Arial" panose="020B0604020202020204" pitchFamily="34" charset="0"/>
               </a:rPr>
-              <a:t>Jongeren kunnen zich eenzaam voelen, ondanks een groot sociaal netwerk. Gevoelens van eenzaamheid kunnen onder andere voortkomen uit een negatief zelfbeeld, onbegrepen voelen, weinig sociale vaardigheden of een moeizame thuissituatie.</a:t>
+              <a:t>Jongeren is ook gevraagd hoe ze zelf hun mentale gezondheid ervaren.</a:t>
             </a:r>
           </a:p>
         </p:txBody>
       </p:sp>
       <p:sp>
         <p:nvSpPr>
-          <p:cNvPr id="21" name="Grafiek eenzaam">
-            <a:extLst>
-              <a:ext uri="{FF2B5EF4-FFF2-40B4-BE49-F238E27FC236}">
-                <a16:creationId xmlns:a16="http://schemas.microsoft.com/office/drawing/2014/main" id="{A1DFC9B8-E1E8-33C7-87FC-C3F346814DBD}"/>
-              </a:ext>
-            </a:extLst>
-          </p:cNvPr>
-          <p:cNvSpPr>
-            <a:spLocks noGrp="1"/>
-          </p:cNvSpPr>
-          <p:nvPr>
-            <p:ph type="chart" sz="quarter" idx="20"/>
-          </p:nvPr>
-        </p:nvSpPr>
-        <p:spPr>
-          <a:xfrm>
-            <a:off x="8280407" y="4024800"/>
-            <a:ext cx="3456000" cy="2340000"/>
-          </a:xfrm>
-          <a:prstGeom prst="rect">
-            <a:avLst/>
-          </a:prstGeom>
-        </p:spPr>
-        <p:txBody>
-          <a:bodyPr/>
-          <a:lstStyle>
-            <a:lvl1pPr marL="0" indent="0">
-              <a:buNone/>
-              <a:defRPr sz="2800"/>
-            </a:lvl1pPr>
-          </a:lstStyle>
-          <a:p>
-            <a:endParaRPr lang="nl-NL" dirty="0"/>
-          </a:p>
-        </p:txBody>
-      </p:sp>
-      <p:sp>
-        <p:nvSpPr>
-          <p:cNvPr id="9" name="Percentage eenzaam">
-            <a:extLst>
-              <a:ext uri="{FF2B5EF4-FFF2-40B4-BE49-F238E27FC236}">
-                <a16:creationId xmlns:a16="http://schemas.microsoft.com/office/drawing/2014/main" id="{48474979-3912-7E33-CD5B-7CCA5A5FF403}"/>
-              </a:ext>
-            </a:extLst>
-          </p:cNvPr>
-          <p:cNvSpPr>
-            <a:spLocks noGrp="1"/>
-          </p:cNvSpPr>
-          <p:nvPr>
-            <p:ph type="body" sz="quarter" idx="22" hasCustomPrompt="1"/>
-          </p:nvPr>
-        </p:nvSpPr>
-        <p:spPr>
-          <a:xfrm>
-            <a:off x="8511120" y="2772868"/>
-            <a:ext cx="838200" cy="838200"/>
-          </a:xfrm>
-          <a:prstGeom prst="ellipse">
-            <a:avLst/>
-          </a:prstGeom>
-          <a:solidFill>
-            <a:schemeClr val="accent3"/>
-          </a:solidFill>
-          <a:ln>
-            <a:noFill/>
-          </a:ln>
-        </p:spPr>
-        <p:txBody>
-          <a:bodyPr anchor="ctr"/>
-          <a:lstStyle>
-            <a:lvl1pPr marL="0" indent="0" algn="ctr">
-              <a:buNone/>
-              <a:defRPr sz="1600" b="1">
-                <a:solidFill>
-                  <a:schemeClr val="bg1"/>
-                </a:solidFill>
-                <a:latin typeface="Century Gothic" panose="020B0502020202020204" pitchFamily="34" charset="0"/>
-              </a:defRPr>
-            </a:lvl1pPr>
-            <a:lvl2pPr marL="502159" indent="0">
-              <a:buNone/>
-              <a:defRPr/>
-            </a:lvl2pPr>
-            <a:lvl3pPr marL="1004316" indent="0">
-              <a:buNone/>
-              <a:defRPr/>
-            </a:lvl3pPr>
-            <a:lvl4pPr marL="1506476" indent="0">
-              <a:buNone/>
-              <a:defRPr/>
-            </a:lvl4pPr>
-            <a:lvl5pPr marL="2008632" indent="0">
-              <a:buNone/>
-              <a:defRPr/>
-            </a:lvl5pPr>
-          </a:lstStyle>
-          <a:p>
-            <a:pPr lvl="0"/>
-            <a:r>
-              <a:rPr lang="nl-NL" dirty="0"/>
-              <a:t>xx%</a:t>
-            </a:r>
-          </a:p>
-        </p:txBody>
-      </p:sp>
-      <p:sp>
-        <p:nvSpPr>
-          <p:cNvPr id="23" name="Grafiek mentaal">
-            <a:extLst>
-              <a:ext uri="{FF2B5EF4-FFF2-40B4-BE49-F238E27FC236}">
-                <a16:creationId xmlns:a16="http://schemas.microsoft.com/office/drawing/2014/main" id="{14582CEC-4D12-FA6E-3C61-CC5836BB026E}"/>
-              </a:ext>
-            </a:extLst>
-          </p:cNvPr>
-          <p:cNvSpPr>
-            <a:spLocks noGrp="1"/>
-          </p:cNvSpPr>
-          <p:nvPr>
-            <p:ph type="chart" sz="quarter" idx="19"/>
-          </p:nvPr>
-        </p:nvSpPr>
-        <p:spPr>
-          <a:xfrm>
-            <a:off x="4365366" y="4024800"/>
-            <a:ext cx="3456000" cy="2340000"/>
-          </a:xfrm>
-          <a:prstGeom prst="rect">
-            <a:avLst/>
-          </a:prstGeom>
-        </p:spPr>
-        <p:txBody>
-          <a:bodyPr/>
-          <a:lstStyle>
-            <a:lvl1pPr marL="0" indent="0">
-              <a:buNone/>
-              <a:defRPr sz="2800"/>
-            </a:lvl1pPr>
-          </a:lstStyle>
-          <a:p>
-            <a:endParaRPr lang="nl-NL" dirty="0"/>
-          </a:p>
-        </p:txBody>
-      </p:sp>
-      <p:sp>
-        <p:nvSpPr>
-          <p:cNvPr id="4" name="Percentage mentaal">
-            <a:extLst>
-              <a:ext uri="{FF2B5EF4-FFF2-40B4-BE49-F238E27FC236}">
-                <a16:creationId xmlns:a16="http://schemas.microsoft.com/office/drawing/2014/main" id="{90719C87-AD08-2C55-B688-CD3815C29D24}"/>
-              </a:ext>
-            </a:extLst>
-          </p:cNvPr>
-          <p:cNvSpPr>
-            <a:spLocks noGrp="1"/>
-          </p:cNvSpPr>
-          <p:nvPr>
-            <p:ph type="body" sz="quarter" idx="18" hasCustomPrompt="1"/>
-          </p:nvPr>
-        </p:nvSpPr>
-        <p:spPr>
-          <a:xfrm>
-            <a:off x="4557454" y="2772868"/>
-            <a:ext cx="838200" cy="838200"/>
-          </a:xfrm>
-          <a:prstGeom prst="ellipse">
-            <a:avLst/>
-          </a:prstGeom>
-          <a:solidFill>
-            <a:schemeClr val="accent3"/>
-          </a:solidFill>
-          <a:ln>
-            <a:noFill/>
-          </a:ln>
-        </p:spPr>
-        <p:txBody>
-          <a:bodyPr anchor="ctr"/>
-          <a:lstStyle>
-            <a:lvl1pPr marL="0" indent="0" algn="ctr">
-              <a:buNone/>
-              <a:defRPr sz="1600" b="1">
-                <a:solidFill>
-                  <a:schemeClr val="bg1"/>
-                </a:solidFill>
-                <a:latin typeface="Century Gothic" panose="020B0502020202020204" pitchFamily="34" charset="0"/>
-              </a:defRPr>
-            </a:lvl1pPr>
-            <a:lvl2pPr marL="502159" indent="0">
-              <a:buNone/>
-              <a:defRPr/>
-            </a:lvl2pPr>
-            <a:lvl3pPr marL="1004316" indent="0">
-              <a:buNone/>
-              <a:defRPr/>
-            </a:lvl3pPr>
-            <a:lvl4pPr marL="1506476" indent="0">
-              <a:buNone/>
-              <a:defRPr/>
-            </a:lvl4pPr>
-            <a:lvl5pPr marL="2008632" indent="0">
-              <a:buNone/>
-              <a:defRPr/>
-            </a:lvl5pPr>
-          </a:lstStyle>
-          <a:p>
-            <a:pPr lvl="0"/>
-            <a:r>
-              <a:rPr lang="nl-NL" dirty="0"/>
-              <a:t>xx%</a:t>
-            </a:r>
-          </a:p>
-        </p:txBody>
-      </p:sp>
-      <p:sp>
-        <p:nvSpPr>
-          <p:cNvPr id="22" name="Grafiek gezondheid">
-            <a:extLst>
-              <a:ext uri="{FF2B5EF4-FFF2-40B4-BE49-F238E27FC236}">
-                <a16:creationId xmlns:a16="http://schemas.microsoft.com/office/drawing/2014/main" id="{AEC6019B-E5C6-DD62-B766-72C2710F2BA9}"/>
-              </a:ext>
-            </a:extLst>
-          </p:cNvPr>
-          <p:cNvSpPr>
-            <a:spLocks noGrp="1"/>
-          </p:cNvSpPr>
-          <p:nvPr>
-            <p:ph type="chart" sz="quarter" idx="21"/>
-          </p:nvPr>
-        </p:nvSpPr>
-        <p:spPr>
-          <a:xfrm>
-            <a:off x="455539" y="4024800"/>
-            <a:ext cx="3456000" cy="2340000"/>
-          </a:xfrm>
-          <a:prstGeom prst="rect">
-            <a:avLst/>
-          </a:prstGeom>
-        </p:spPr>
-        <p:txBody>
-          <a:bodyPr/>
-          <a:lstStyle>
-            <a:lvl1pPr marL="0" indent="0">
-              <a:buNone/>
-              <a:defRPr sz="2800"/>
-            </a:lvl1pPr>
-          </a:lstStyle>
-          <a:p>
-            <a:endParaRPr lang="nl-NL" dirty="0"/>
-          </a:p>
-        </p:txBody>
-      </p:sp>
-      <p:sp>
-        <p:nvSpPr>
-          <p:cNvPr id="13" name="Percentage gezondheid">
-            <a:extLst>
-              <a:ext uri="{FF2B5EF4-FFF2-40B4-BE49-F238E27FC236}">
-                <a16:creationId xmlns:a16="http://schemas.microsoft.com/office/drawing/2014/main" id="{8FE7DD93-8611-447B-5FC7-F00B51EFA9AC}"/>
-              </a:ext>
-            </a:extLst>
-          </p:cNvPr>
-          <p:cNvSpPr>
-            <a:spLocks noGrp="1"/>
-          </p:cNvSpPr>
-          <p:nvPr>
-            <p:ph type="body" sz="quarter" idx="23" hasCustomPrompt="1"/>
-          </p:nvPr>
-        </p:nvSpPr>
-        <p:spPr>
-          <a:xfrm>
-            <a:off x="687524" y="2772868"/>
-            <a:ext cx="838200" cy="838200"/>
-          </a:xfrm>
-          <a:prstGeom prst="ellipse">
-            <a:avLst/>
-          </a:prstGeom>
-          <a:solidFill>
-            <a:schemeClr val="accent3"/>
-          </a:solidFill>
-          <a:ln>
-            <a:noFill/>
-          </a:ln>
-        </p:spPr>
-        <p:txBody>
-          <a:bodyPr anchor="ctr"/>
-          <a:lstStyle>
-            <a:lvl1pPr marL="0" indent="0" algn="ctr">
-              <a:buNone/>
-              <a:defRPr sz="1600" b="1">
-                <a:solidFill>
-                  <a:schemeClr val="bg1"/>
-                </a:solidFill>
-                <a:latin typeface="Century Gothic" panose="020B0502020202020204" pitchFamily="34" charset="0"/>
-              </a:defRPr>
-            </a:lvl1pPr>
-            <a:lvl2pPr marL="502159" indent="0">
-              <a:buNone/>
-              <a:defRPr/>
-            </a:lvl2pPr>
-            <a:lvl3pPr marL="1004316" indent="0">
-              <a:buNone/>
-              <a:defRPr/>
-            </a:lvl3pPr>
-            <a:lvl4pPr marL="1506476" indent="0">
-              <a:buNone/>
-              <a:defRPr/>
-            </a:lvl4pPr>
-            <a:lvl5pPr marL="2008632" indent="0">
-              <a:buNone/>
-              <a:defRPr/>
-            </a:lvl5pPr>
-          </a:lstStyle>
-          <a:p>
-            <a:pPr lvl="0"/>
-            <a:r>
-              <a:rPr lang="nl-NL" dirty="0"/>
-              <a:t>xx%</a:t>
-            </a:r>
-          </a:p>
-        </p:txBody>
-      </p:sp>
-    </p:spTree>
-    <p:extLst>
-      <p:ext uri="{BB962C8B-B14F-4D97-AF65-F5344CB8AC3E}">
-        <p14:creationId xmlns:p14="http://schemas.microsoft.com/office/powerpoint/2010/main" val="1058498703"/>
-      </p:ext>
-    </p:extLst>
-  </p:cSld>
-  <p:clrMapOvr>
-    <a:masterClrMapping/>
-  </p:clrMapOvr>
-</p:sldLayout>
-</file>
-
-<file path=ppt/slideLayouts/slideLayout5.xml><?xml version="1.0" encoding="utf-8"?>
-<p:sldLayout xmlns:a="http://schemas.openxmlformats.org/drawingml/2006/main" xmlns:r="http://schemas.openxmlformats.org/officeDocument/2006/relationships" xmlns:p="http://schemas.openxmlformats.org/presentationml/2006/main" preserve="1" userDrawn="1">
-  <p:cSld name="Gezondheid 2">
-    <p:spTree>
-      <p:nvGrpSpPr>
-        <p:cNvPr id="1" name=""/>
-        <p:cNvGrpSpPr/>
-        <p:nvPr/>
-      </p:nvGrpSpPr>
-      <p:grpSpPr>
-        <a:xfrm>
-          <a:off x="0" y="0"/>
-          <a:ext cx="0" cy="0"/>
-          <a:chOff x="0" y="0"/>
-          <a:chExt cx="0" cy="0"/>
-        </a:xfrm>
-      </p:grpSpPr>
-      <p:cxnSp>
-        <p:nvCxnSpPr>
-          <p:cNvPr id="6" name="Rechter scheidingslijn">
-            <a:extLst>
-              <a:ext uri="{FF2B5EF4-FFF2-40B4-BE49-F238E27FC236}">
-                <a16:creationId xmlns:a16="http://schemas.microsoft.com/office/drawing/2014/main" id="{7DC6EEF1-E10D-4A9D-BAAB-B80128CFA9A0}"/>
-              </a:ext>
-            </a:extLst>
-          </p:cNvPr>
-          <p:cNvCxnSpPr>
-            <a:cxnSpLocks/>
-          </p:cNvCxnSpPr>
-          <p:nvPr userDrawn="1"/>
-        </p:nvCxnSpPr>
-        <p:spPr>
-          <a:xfrm flipV="1">
-            <a:off x="8051825" y="1519200"/>
-            <a:ext cx="0" cy="4881600"/>
-          </a:xfrm>
-          <a:prstGeom prst="line">
-            <a:avLst/>
-          </a:prstGeom>
-          <a:ln w="12700">
-            <a:solidFill>
-              <a:schemeClr val="tx2">
-                <a:lumMod val="20000"/>
-                <a:lumOff val="80000"/>
-              </a:schemeClr>
-            </a:solidFill>
-          </a:ln>
-        </p:spPr>
-        <p:style>
-          <a:lnRef idx="1">
-            <a:schemeClr val="accent1"/>
-          </a:lnRef>
-          <a:fillRef idx="0">
-            <a:schemeClr val="accent1"/>
-          </a:fillRef>
-          <a:effectRef idx="0">
-            <a:schemeClr val="accent1"/>
-          </a:effectRef>
-          <a:fontRef idx="minor">
-            <a:schemeClr val="tx1"/>
-          </a:fontRef>
-        </p:style>
-      </p:cxnSp>
-      <p:cxnSp>
-        <p:nvCxnSpPr>
-          <p:cNvPr id="7" name="Linker scheidingslijn">
-            <a:extLst>
-              <a:ext uri="{FF2B5EF4-FFF2-40B4-BE49-F238E27FC236}">
-                <a16:creationId xmlns:a16="http://schemas.microsoft.com/office/drawing/2014/main" id="{5D2F1186-7B59-72A8-4592-0DFDF921B9C6}"/>
-              </a:ext>
-            </a:extLst>
-          </p:cNvPr>
-          <p:cNvCxnSpPr>
-            <a:cxnSpLocks/>
-          </p:cNvCxnSpPr>
-          <p:nvPr userDrawn="1"/>
-        </p:nvCxnSpPr>
-        <p:spPr>
-          <a:xfrm flipV="1">
-            <a:off x="4140175" y="1519200"/>
-            <a:ext cx="0" cy="4881600"/>
-          </a:xfrm>
-          <a:prstGeom prst="line">
-            <a:avLst/>
-          </a:prstGeom>
-          <a:ln w="12700">
-            <a:solidFill>
-              <a:schemeClr val="tx2">
-                <a:lumMod val="20000"/>
-                <a:lumOff val="80000"/>
-              </a:schemeClr>
-            </a:solidFill>
-          </a:ln>
-        </p:spPr>
-        <p:style>
-          <a:lnRef idx="1">
-            <a:schemeClr val="accent1"/>
-          </a:lnRef>
-          <a:fillRef idx="0">
-            <a:schemeClr val="accent1"/>
-          </a:fillRef>
-          <a:effectRef idx="0">
-            <a:schemeClr val="accent1"/>
-          </a:effectRef>
-          <a:fontRef idx="minor">
-            <a:schemeClr val="tx1"/>
-          </a:fontRef>
-        </p:style>
-      </p:cxnSp>
-      <p:sp>
-        <p:nvSpPr>
-          <p:cNvPr id="11" name="Rechtervlak" hidden="1">
-            <a:extLst>
-              <a:ext uri="{FF2B5EF4-FFF2-40B4-BE49-F238E27FC236}">
-                <a16:creationId xmlns:a16="http://schemas.microsoft.com/office/drawing/2014/main" id="{2AB83298-1132-DCAE-0651-FFCF6A6BBED0}"/>
-              </a:ext>
-            </a:extLst>
-          </p:cNvPr>
-          <p:cNvSpPr/>
-          <p:nvPr userDrawn="1"/>
-        </p:nvSpPr>
-        <p:spPr>
-          <a:xfrm>
-            <a:off x="8280409" y="1520170"/>
-            <a:ext cx="3454375" cy="4880630"/>
-          </a:xfrm>
-          <a:prstGeom prst="rect">
-            <a:avLst/>
-          </a:prstGeom>
-          <a:solidFill>
-            <a:schemeClr val="bg1">
-              <a:lumMod val="95000"/>
-            </a:schemeClr>
-          </a:solidFill>
-          <a:ln>
-            <a:noFill/>
-          </a:ln>
-        </p:spPr>
-        <p:style>
-          <a:lnRef idx="2">
-            <a:schemeClr val="accent1">
-              <a:shade val="15000"/>
-            </a:schemeClr>
-          </a:lnRef>
-          <a:fillRef idx="1">
-            <a:schemeClr val="accent1"/>
-          </a:fillRef>
-          <a:effectRef idx="0">
-            <a:schemeClr val="accent1"/>
-          </a:effectRef>
-          <a:fontRef idx="minor">
-            <a:schemeClr val="lt1"/>
-          </a:fontRef>
-        </p:style>
-        <p:txBody>
-          <a:bodyPr rtlCol="0" anchor="ctr"/>
-          <a:lstStyle/>
-          <a:p>
-            <a:pPr algn="ctr"/>
-            <a:endParaRPr lang="nl-NL" sz="1240"/>
-          </a:p>
-        </p:txBody>
-      </p:sp>
-      <p:sp>
-        <p:nvSpPr>
-          <p:cNvPr id="14" name="Middenvlak" hidden="1">
-            <a:extLst>
-              <a:ext uri="{FF2B5EF4-FFF2-40B4-BE49-F238E27FC236}">
-                <a16:creationId xmlns:a16="http://schemas.microsoft.com/office/drawing/2014/main" id="{C49D12F7-13AF-A61C-E6A3-0B8A65611D07}"/>
-              </a:ext>
-            </a:extLst>
-          </p:cNvPr>
-          <p:cNvSpPr/>
-          <p:nvPr userDrawn="1"/>
-        </p:nvSpPr>
-        <p:spPr>
-          <a:xfrm>
-            <a:off x="4368814" y="1520170"/>
-            <a:ext cx="3454375" cy="4880630"/>
-          </a:xfrm>
-          <a:prstGeom prst="rect">
-            <a:avLst/>
-          </a:prstGeom>
-          <a:solidFill>
-            <a:schemeClr val="bg1">
-              <a:lumMod val="95000"/>
-            </a:schemeClr>
-          </a:solidFill>
-          <a:ln>
-            <a:noFill/>
-          </a:ln>
-        </p:spPr>
-        <p:style>
-          <a:lnRef idx="2">
-            <a:schemeClr val="accent1">
-              <a:shade val="15000"/>
-            </a:schemeClr>
-          </a:lnRef>
-          <a:fillRef idx="1">
-            <a:schemeClr val="accent1"/>
-          </a:fillRef>
-          <a:effectRef idx="0">
-            <a:schemeClr val="accent1"/>
-          </a:effectRef>
-          <a:fontRef idx="minor">
-            <a:schemeClr val="lt1"/>
-          </a:fontRef>
-        </p:style>
-        <p:txBody>
-          <a:bodyPr rtlCol="0" anchor="ctr"/>
-          <a:lstStyle/>
-          <a:p>
-            <a:pPr algn="ctr"/>
-            <a:endParaRPr lang="nl-NL" sz="1240"/>
-          </a:p>
-        </p:txBody>
-      </p:sp>
-      <p:sp>
-        <p:nvSpPr>
-          <p:cNvPr id="15" name="Linkervlak" hidden="1">
-            <a:extLst>
-              <a:ext uri="{FF2B5EF4-FFF2-40B4-BE49-F238E27FC236}">
-                <a16:creationId xmlns:a16="http://schemas.microsoft.com/office/drawing/2014/main" id="{966327DC-A2CA-F917-57C8-2311909BFC4B}"/>
-              </a:ext>
-            </a:extLst>
-          </p:cNvPr>
-          <p:cNvSpPr/>
-          <p:nvPr userDrawn="1"/>
-        </p:nvSpPr>
-        <p:spPr>
-          <a:xfrm>
-            <a:off x="457221" y="1520170"/>
-            <a:ext cx="3454375" cy="4880630"/>
-          </a:xfrm>
-          <a:prstGeom prst="rect">
-            <a:avLst/>
-          </a:prstGeom>
-          <a:solidFill>
-            <a:schemeClr val="bg1">
-              <a:lumMod val="95000"/>
-            </a:schemeClr>
-          </a:solidFill>
-          <a:ln>
-            <a:noFill/>
-          </a:ln>
-        </p:spPr>
-        <p:style>
-          <a:lnRef idx="2">
-            <a:schemeClr val="accent1">
-              <a:shade val="15000"/>
-            </a:schemeClr>
-          </a:lnRef>
-          <a:fillRef idx="1">
-            <a:schemeClr val="accent1"/>
-          </a:fillRef>
-          <a:effectRef idx="0">
-            <a:schemeClr val="accent1"/>
-          </a:effectRef>
-          <a:fontRef idx="minor">
-            <a:schemeClr val="lt1"/>
-          </a:fontRef>
-        </p:style>
-        <p:txBody>
-          <a:bodyPr rtlCol="0" anchor="ctr"/>
-          <a:lstStyle/>
-          <a:p>
-            <a:pPr algn="ctr"/>
-            <a:endParaRPr lang="nl-NL" sz="1240"/>
-          </a:p>
-        </p:txBody>
-      </p:sp>
-      <p:sp>
-        <p:nvSpPr>
-          <p:cNvPr id="19" name="Driehoek">
-            <a:extLst>
-              <a:ext uri="{FF2B5EF4-FFF2-40B4-BE49-F238E27FC236}">
-                <a16:creationId xmlns:a16="http://schemas.microsoft.com/office/drawing/2014/main" id="{586A169A-7A17-2F3F-B192-FACC840B9957}"/>
-              </a:ext>
-            </a:extLst>
-          </p:cNvPr>
-          <p:cNvSpPr/>
-          <p:nvPr userDrawn="1"/>
-        </p:nvSpPr>
-        <p:spPr>
-          <a:xfrm rot="10800000" flipH="1">
-            <a:off x="9719595" y="0"/>
-            <a:ext cx="576000" cy="1066800"/>
-          </a:xfrm>
-          <a:prstGeom prst="rtTriangle">
-            <a:avLst/>
-          </a:prstGeom>
-          <a:solidFill>
-            <a:schemeClr val="accent3"/>
-          </a:solidFill>
-          <a:ln>
-            <a:noFill/>
-          </a:ln>
-        </p:spPr>
-        <p:style>
-          <a:lnRef idx="2">
-            <a:schemeClr val="accent1">
-              <a:shade val="50000"/>
-            </a:schemeClr>
-          </a:lnRef>
-          <a:fillRef idx="1">
-            <a:schemeClr val="accent1"/>
-          </a:fillRef>
-          <a:effectRef idx="0">
-            <a:schemeClr val="accent1"/>
-          </a:effectRef>
-          <a:fontRef idx="minor">
-            <a:schemeClr val="lt1"/>
-          </a:fontRef>
-        </p:style>
-        <p:txBody>
-          <a:bodyPr rtlCol="0" anchor="ctr"/>
-          <a:lstStyle/>
-          <a:p>
-            <a:pPr algn="l"/>
-            <a:endParaRPr lang="en-US" sz="1793" b="1">
-              <a:latin typeface="Century Gothic" panose="020B0502020202020204" pitchFamily="34" charset="0"/>
-            </a:endParaRPr>
-          </a:p>
-        </p:txBody>
-      </p:sp>
-      <p:sp>
-        <p:nvSpPr>
-          <p:cNvPr id="20" name="Titelblok">
-            <a:extLst>
-              <a:ext uri="{FF2B5EF4-FFF2-40B4-BE49-F238E27FC236}">
-                <a16:creationId xmlns:a16="http://schemas.microsoft.com/office/drawing/2014/main" id="{09DB097E-8577-1284-CB7B-3627CC87E052}"/>
-              </a:ext>
-            </a:extLst>
-          </p:cNvPr>
-          <p:cNvSpPr/>
-          <p:nvPr userDrawn="1"/>
-        </p:nvSpPr>
-        <p:spPr>
-          <a:xfrm>
-            <a:off x="0" y="0"/>
-            <a:ext cx="9719589" cy="1066800"/>
-          </a:xfrm>
-          <a:prstGeom prst="rect">
-            <a:avLst/>
-          </a:prstGeom>
-          <a:solidFill>
-            <a:schemeClr val="accent3"/>
-          </a:solidFill>
-          <a:ln>
-            <a:noFill/>
-          </a:ln>
-        </p:spPr>
-        <p:style>
-          <a:lnRef idx="2">
-            <a:schemeClr val="accent1">
-              <a:shade val="50000"/>
-            </a:schemeClr>
-          </a:lnRef>
-          <a:fillRef idx="1">
-            <a:schemeClr val="accent1"/>
-          </a:fillRef>
-          <a:effectRef idx="0">
-            <a:schemeClr val="accent1"/>
-          </a:effectRef>
-          <a:fontRef idx="minor">
-            <a:schemeClr val="lt1"/>
-          </a:fontRef>
-        </p:style>
-        <p:txBody>
-          <a:bodyPr rtlCol="0" anchor="ctr"/>
-          <a:lstStyle/>
-          <a:p>
-            <a:pPr marL="0" indent="270272" algn="l"/>
-            <a:r>
-              <a:rPr lang="nl-NL" sz="2400" b="1" noProof="0" dirty="0">
-                <a:latin typeface="Century Gothic" panose="020B0502020202020204" pitchFamily="34" charset="0"/>
-              </a:rPr>
-              <a:t>Emotioneel welbevinden, stress en weerbaarheid</a:t>
-            </a:r>
-          </a:p>
-        </p:txBody>
-      </p:sp>
-      <p:sp>
-        <p:nvSpPr>
-          <p:cNvPr id="29" name="TextBox 1">
-            <a:extLst>
-              <a:ext uri="{FF2B5EF4-FFF2-40B4-BE49-F238E27FC236}">
-                <a16:creationId xmlns:a16="http://schemas.microsoft.com/office/drawing/2014/main" id="{665FFA3C-9688-3102-AB45-7828DF662A5A}"/>
+          <p:cNvPr id="17" name="TextBox 1">
+            <a:extLst>
+              <a:ext uri="{FF2B5EF4-FFF2-40B4-BE49-F238E27FC236}">
+                <a16:creationId xmlns:a16="http://schemas.microsoft.com/office/drawing/2014/main" id="{83BD08AD-0583-B8D4-FD8D-EC44809BEB33}"/>
               </a:ext>
             </a:extLst>
           </p:cNvPr>
@@ -10650,8 +11388,8 @@
         </p:nvSpPr>
         <p:spPr>
           <a:xfrm>
-            <a:off x="457219" y="1519201"/>
-            <a:ext cx="3456000" cy="1146468"/>
+            <a:off x="8273513" y="1519199"/>
+            <a:ext cx="3456000" cy="761747"/>
           </a:xfrm>
           <a:prstGeom prst="rect">
             <a:avLst/>
@@ -10763,38 +11501,737 @@
           <a:p>
             <a:pPr algn="l"/>
             <a:r>
-              <a:rPr lang="nl-NL" sz="1000" b="0" dirty="0">
+              <a:rPr lang="nl-NL" sz="900" b="0" dirty="0">
                 <a:latin typeface="Century Gothic" panose="020B0502020202020204" pitchFamily="34" charset="0"/>
                 <a:cs typeface="Arial" panose="020B0604020202020204" pitchFamily="34" charset="0"/>
               </a:rPr>
-              <a:t>Emotioneel welbevinden wordt gemeten met 5 vragen (WHO-5), zoals: ‘Voelde je je in de laatste 2 weken actief en vol energie?’</a:t>
+              <a:t>Jongeren kunnen zich eenzaam voelen, ondanks een groot sociaal netwerk. Gevoelens van eenzaamheid kunnen onder andere voortkomen uit een negatief zelfbeeld, onbegrepen voelen, weinig sociale vaardigheden of een moeizame thuissituatie.</a:t>
             </a:r>
           </a:p>
+        </p:txBody>
+      </p:sp>
+      <p:sp>
+        <p:nvSpPr>
+          <p:cNvPr id="21" name="Grafiek eenzaam">
+            <a:extLst>
+              <a:ext uri="{FF2B5EF4-FFF2-40B4-BE49-F238E27FC236}">
+                <a16:creationId xmlns:a16="http://schemas.microsoft.com/office/drawing/2014/main" id="{A1DFC9B8-E1E8-33C7-87FC-C3F346814DBD}"/>
+              </a:ext>
+            </a:extLst>
+          </p:cNvPr>
+          <p:cNvSpPr>
+            <a:spLocks noGrp="1"/>
+          </p:cNvSpPr>
+          <p:nvPr>
+            <p:ph type="chart" sz="quarter" idx="20"/>
+          </p:nvPr>
+        </p:nvSpPr>
+        <p:spPr>
+          <a:xfrm>
+            <a:off x="8280407" y="4024800"/>
+            <a:ext cx="3456000" cy="2340000"/>
+          </a:xfrm>
+          <a:prstGeom prst="rect">
+            <a:avLst/>
+          </a:prstGeom>
+        </p:spPr>
+        <p:txBody>
+          <a:bodyPr/>
+          <a:lstStyle>
+            <a:lvl1pPr marL="0" indent="0">
+              <a:buNone/>
+              <a:defRPr sz="2800"/>
+            </a:lvl1pPr>
+          </a:lstStyle>
+          <a:p>
+            <a:endParaRPr lang="nl-NL" dirty="0"/>
+          </a:p>
+        </p:txBody>
+      </p:sp>
+      <p:sp>
+        <p:nvSpPr>
+          <p:cNvPr id="9" name="Percentage eenzaam">
+            <a:extLst>
+              <a:ext uri="{FF2B5EF4-FFF2-40B4-BE49-F238E27FC236}">
+                <a16:creationId xmlns:a16="http://schemas.microsoft.com/office/drawing/2014/main" id="{48474979-3912-7E33-CD5B-7CCA5A5FF403}"/>
+              </a:ext>
+            </a:extLst>
+          </p:cNvPr>
+          <p:cNvSpPr>
+            <a:spLocks noGrp="1"/>
+          </p:cNvSpPr>
+          <p:nvPr>
+            <p:ph type="body" sz="quarter" idx="22" hasCustomPrompt="1"/>
+          </p:nvPr>
+        </p:nvSpPr>
+        <p:spPr>
+          <a:xfrm>
+            <a:off x="8511120" y="2772868"/>
+            <a:ext cx="838200" cy="838200"/>
+          </a:xfrm>
+          <a:prstGeom prst="ellipse">
+            <a:avLst/>
+          </a:prstGeom>
+          <a:solidFill>
+            <a:schemeClr val="accent3"/>
+          </a:solidFill>
+          <a:ln>
+            <a:noFill/>
+          </a:ln>
+        </p:spPr>
+        <p:txBody>
+          <a:bodyPr anchor="ctr"/>
+          <a:lstStyle>
+            <a:lvl1pPr marL="0" indent="0" algn="ctr">
+              <a:buNone/>
+              <a:defRPr sz="1600" b="1">
+                <a:solidFill>
+                  <a:schemeClr val="bg1"/>
+                </a:solidFill>
+                <a:latin typeface="Century Gothic" panose="020B0502020202020204" pitchFamily="34" charset="0"/>
+              </a:defRPr>
+            </a:lvl1pPr>
+            <a:lvl2pPr marL="502159" indent="0">
+              <a:buNone/>
+              <a:defRPr/>
+            </a:lvl2pPr>
+            <a:lvl3pPr marL="1004316" indent="0">
+              <a:buNone/>
+              <a:defRPr/>
+            </a:lvl3pPr>
+            <a:lvl4pPr marL="1506476" indent="0">
+              <a:buNone/>
+              <a:defRPr/>
+            </a:lvl4pPr>
+            <a:lvl5pPr marL="2008632" indent="0">
+              <a:buNone/>
+              <a:defRPr/>
+            </a:lvl5pPr>
+          </a:lstStyle>
+          <a:p>
+            <a:pPr lvl="0"/>
+            <a:r>
+              <a:rPr lang="nl-NL" dirty="0"/>
+              <a:t>xx%</a:t>
+            </a:r>
+          </a:p>
+        </p:txBody>
+      </p:sp>
+      <p:sp>
+        <p:nvSpPr>
+          <p:cNvPr id="23" name="Grafiek mentaal">
+            <a:extLst>
+              <a:ext uri="{FF2B5EF4-FFF2-40B4-BE49-F238E27FC236}">
+                <a16:creationId xmlns:a16="http://schemas.microsoft.com/office/drawing/2014/main" id="{14582CEC-4D12-FA6E-3C61-CC5836BB026E}"/>
+              </a:ext>
+            </a:extLst>
+          </p:cNvPr>
+          <p:cNvSpPr>
+            <a:spLocks noGrp="1"/>
+          </p:cNvSpPr>
+          <p:nvPr>
+            <p:ph type="chart" sz="quarter" idx="19"/>
+          </p:nvPr>
+        </p:nvSpPr>
+        <p:spPr>
+          <a:xfrm>
+            <a:off x="4365366" y="4024800"/>
+            <a:ext cx="3456000" cy="2340000"/>
+          </a:xfrm>
+          <a:prstGeom prst="rect">
+            <a:avLst/>
+          </a:prstGeom>
+        </p:spPr>
+        <p:txBody>
+          <a:bodyPr/>
+          <a:lstStyle>
+            <a:lvl1pPr marL="0" indent="0">
+              <a:buNone/>
+              <a:defRPr sz="2800"/>
+            </a:lvl1pPr>
+          </a:lstStyle>
+          <a:p>
+            <a:endParaRPr lang="nl-NL" dirty="0"/>
+          </a:p>
+        </p:txBody>
+      </p:sp>
+      <p:sp>
+        <p:nvSpPr>
+          <p:cNvPr id="4" name="Percentage mentaal">
+            <a:extLst>
+              <a:ext uri="{FF2B5EF4-FFF2-40B4-BE49-F238E27FC236}">
+                <a16:creationId xmlns:a16="http://schemas.microsoft.com/office/drawing/2014/main" id="{90719C87-AD08-2C55-B688-CD3815C29D24}"/>
+              </a:ext>
+            </a:extLst>
+          </p:cNvPr>
+          <p:cNvSpPr>
+            <a:spLocks noGrp="1"/>
+          </p:cNvSpPr>
+          <p:nvPr>
+            <p:ph type="body" sz="quarter" idx="18" hasCustomPrompt="1"/>
+          </p:nvPr>
+        </p:nvSpPr>
+        <p:spPr>
+          <a:xfrm>
+            <a:off x="4557454" y="2772868"/>
+            <a:ext cx="838200" cy="838200"/>
+          </a:xfrm>
+          <a:prstGeom prst="ellipse">
+            <a:avLst/>
+          </a:prstGeom>
+          <a:solidFill>
+            <a:schemeClr val="accent3"/>
+          </a:solidFill>
+          <a:ln>
+            <a:noFill/>
+          </a:ln>
+        </p:spPr>
+        <p:txBody>
+          <a:bodyPr anchor="ctr"/>
+          <a:lstStyle>
+            <a:lvl1pPr marL="0" indent="0" algn="ctr">
+              <a:buNone/>
+              <a:defRPr sz="1600" b="1">
+                <a:solidFill>
+                  <a:schemeClr val="bg1"/>
+                </a:solidFill>
+                <a:latin typeface="Century Gothic" panose="020B0502020202020204" pitchFamily="34" charset="0"/>
+              </a:defRPr>
+            </a:lvl1pPr>
+            <a:lvl2pPr marL="502159" indent="0">
+              <a:buNone/>
+              <a:defRPr/>
+            </a:lvl2pPr>
+            <a:lvl3pPr marL="1004316" indent="0">
+              <a:buNone/>
+              <a:defRPr/>
+            </a:lvl3pPr>
+            <a:lvl4pPr marL="1506476" indent="0">
+              <a:buNone/>
+              <a:defRPr/>
+            </a:lvl4pPr>
+            <a:lvl5pPr marL="2008632" indent="0">
+              <a:buNone/>
+              <a:defRPr/>
+            </a:lvl5pPr>
+          </a:lstStyle>
+          <a:p>
+            <a:pPr lvl="0"/>
+            <a:r>
+              <a:rPr lang="nl-NL" dirty="0"/>
+              <a:t>xx%</a:t>
+            </a:r>
+          </a:p>
+        </p:txBody>
+      </p:sp>
+      <p:sp>
+        <p:nvSpPr>
+          <p:cNvPr id="22" name="Grafiek gezondheid">
+            <a:extLst>
+              <a:ext uri="{FF2B5EF4-FFF2-40B4-BE49-F238E27FC236}">
+                <a16:creationId xmlns:a16="http://schemas.microsoft.com/office/drawing/2014/main" id="{AEC6019B-E5C6-DD62-B766-72C2710F2BA9}"/>
+              </a:ext>
+            </a:extLst>
+          </p:cNvPr>
+          <p:cNvSpPr>
+            <a:spLocks noGrp="1"/>
+          </p:cNvSpPr>
+          <p:nvPr>
+            <p:ph type="chart" sz="quarter" idx="21"/>
+          </p:nvPr>
+        </p:nvSpPr>
+        <p:spPr>
+          <a:xfrm>
+            <a:off x="455539" y="4024800"/>
+            <a:ext cx="3456000" cy="2340000"/>
+          </a:xfrm>
+          <a:prstGeom prst="rect">
+            <a:avLst/>
+          </a:prstGeom>
+        </p:spPr>
+        <p:txBody>
+          <a:bodyPr/>
+          <a:lstStyle>
+            <a:lvl1pPr marL="0" indent="0">
+              <a:buNone/>
+              <a:defRPr sz="2800"/>
+            </a:lvl1pPr>
+          </a:lstStyle>
+          <a:p>
+            <a:endParaRPr lang="nl-NL" dirty="0"/>
+          </a:p>
+        </p:txBody>
+      </p:sp>
+      <p:sp>
+        <p:nvSpPr>
+          <p:cNvPr id="13" name="Percentage gezondheid">
+            <a:extLst>
+              <a:ext uri="{FF2B5EF4-FFF2-40B4-BE49-F238E27FC236}">
+                <a16:creationId xmlns:a16="http://schemas.microsoft.com/office/drawing/2014/main" id="{8FE7DD93-8611-447B-5FC7-F00B51EFA9AC}"/>
+              </a:ext>
+            </a:extLst>
+          </p:cNvPr>
+          <p:cNvSpPr>
+            <a:spLocks noGrp="1"/>
+          </p:cNvSpPr>
+          <p:nvPr>
+            <p:ph type="body" sz="quarter" idx="23" hasCustomPrompt="1"/>
+          </p:nvPr>
+        </p:nvSpPr>
+        <p:spPr>
+          <a:xfrm>
+            <a:off x="687524" y="2772868"/>
+            <a:ext cx="838200" cy="838200"/>
+          </a:xfrm>
+          <a:prstGeom prst="ellipse">
+            <a:avLst/>
+          </a:prstGeom>
+          <a:solidFill>
+            <a:schemeClr val="accent3"/>
+          </a:solidFill>
+          <a:ln>
+            <a:noFill/>
+          </a:ln>
+        </p:spPr>
+        <p:txBody>
+          <a:bodyPr anchor="ctr"/>
+          <a:lstStyle>
+            <a:lvl1pPr marL="0" indent="0" algn="ctr">
+              <a:buNone/>
+              <a:defRPr sz="1600" b="1">
+                <a:solidFill>
+                  <a:schemeClr val="bg1"/>
+                </a:solidFill>
+                <a:latin typeface="Century Gothic" panose="020B0502020202020204" pitchFamily="34" charset="0"/>
+              </a:defRPr>
+            </a:lvl1pPr>
+            <a:lvl2pPr marL="502159" indent="0">
+              <a:buNone/>
+              <a:defRPr/>
+            </a:lvl2pPr>
+            <a:lvl3pPr marL="1004316" indent="0">
+              <a:buNone/>
+              <a:defRPr/>
+            </a:lvl3pPr>
+            <a:lvl4pPr marL="1506476" indent="0">
+              <a:buNone/>
+              <a:defRPr/>
+            </a:lvl4pPr>
+            <a:lvl5pPr marL="2008632" indent="0">
+              <a:buNone/>
+              <a:defRPr/>
+            </a:lvl5pPr>
+          </a:lstStyle>
+          <a:p>
+            <a:pPr lvl="0"/>
+            <a:r>
+              <a:rPr lang="nl-NL" dirty="0"/>
+              <a:t>xx%</a:t>
+            </a:r>
+          </a:p>
+        </p:txBody>
+      </p:sp>
+    </p:spTree>
+    <p:extLst>
+      <p:ext uri="{BB962C8B-B14F-4D97-AF65-F5344CB8AC3E}">
+        <p14:creationId xmlns:p14="http://schemas.microsoft.com/office/powerpoint/2010/main" val="1058498703"/>
+      </p:ext>
+    </p:extLst>
+  </p:cSld>
+  <p:clrMapOvr>
+    <a:masterClrMapping/>
+  </p:clrMapOvr>
+</p:sldLayout>
+</file>
+
+<file path=ppt/slideLayouts/slideLayout5.xml><?xml version="1.0" encoding="utf-8"?>
+<p:sldLayout xmlns:a="http://schemas.openxmlformats.org/drawingml/2006/main" xmlns:r="http://schemas.openxmlformats.org/officeDocument/2006/relationships" xmlns:p="http://schemas.openxmlformats.org/presentationml/2006/main" preserve="1" userDrawn="1">
+  <p:cSld name="Gezondheid 2">
+    <p:spTree>
+      <p:nvGrpSpPr>
+        <p:cNvPr id="1" name=""/>
+        <p:cNvGrpSpPr/>
+        <p:nvPr/>
+      </p:nvGrpSpPr>
+      <p:grpSpPr>
+        <a:xfrm>
+          <a:off x="0" y="0"/>
+          <a:ext cx="0" cy="0"/>
+          <a:chOff x="0" y="0"/>
+          <a:chExt cx="0" cy="0"/>
+        </a:xfrm>
+      </p:grpSpPr>
+      <p:cxnSp>
+        <p:nvCxnSpPr>
+          <p:cNvPr id="6" name="Rechter scheidingslijn">
+            <a:extLst>
+              <a:ext uri="{FF2B5EF4-FFF2-40B4-BE49-F238E27FC236}">
+                <a16:creationId xmlns:a16="http://schemas.microsoft.com/office/drawing/2014/main" id="{7DC6EEF1-E10D-4A9D-BAAB-B80128CFA9A0}"/>
+              </a:ext>
+            </a:extLst>
+          </p:cNvPr>
+          <p:cNvCxnSpPr>
+            <a:cxnSpLocks/>
+          </p:cNvCxnSpPr>
+          <p:nvPr userDrawn="1"/>
+        </p:nvCxnSpPr>
+        <p:spPr>
+          <a:xfrm flipV="1">
+            <a:off x="8051825" y="1519200"/>
+            <a:ext cx="0" cy="4881600"/>
+          </a:xfrm>
+          <a:prstGeom prst="line">
+            <a:avLst/>
+          </a:prstGeom>
+          <a:ln w="12700">
+            <a:solidFill>
+              <a:schemeClr val="tx2">
+                <a:lumMod val="20000"/>
+                <a:lumOff val="80000"/>
+              </a:schemeClr>
+            </a:solidFill>
+          </a:ln>
+        </p:spPr>
+        <p:style>
+          <a:lnRef idx="1">
+            <a:schemeClr val="accent1"/>
+          </a:lnRef>
+          <a:fillRef idx="0">
+            <a:schemeClr val="accent1"/>
+          </a:fillRef>
+          <a:effectRef idx="0">
+            <a:schemeClr val="accent1"/>
+          </a:effectRef>
+          <a:fontRef idx="minor">
+            <a:schemeClr val="tx1"/>
+          </a:fontRef>
+        </p:style>
+      </p:cxnSp>
+      <p:cxnSp>
+        <p:nvCxnSpPr>
+          <p:cNvPr id="7" name="Linker scheidingslijn">
+            <a:extLst>
+              <a:ext uri="{FF2B5EF4-FFF2-40B4-BE49-F238E27FC236}">
+                <a16:creationId xmlns:a16="http://schemas.microsoft.com/office/drawing/2014/main" id="{5D2F1186-7B59-72A8-4592-0DFDF921B9C6}"/>
+              </a:ext>
+            </a:extLst>
+          </p:cNvPr>
+          <p:cNvCxnSpPr>
+            <a:cxnSpLocks/>
+          </p:cNvCxnSpPr>
+          <p:nvPr userDrawn="1"/>
+        </p:nvCxnSpPr>
+        <p:spPr>
+          <a:xfrm flipV="1">
+            <a:off x="4140175" y="1519200"/>
+            <a:ext cx="0" cy="4881600"/>
+          </a:xfrm>
+          <a:prstGeom prst="line">
+            <a:avLst/>
+          </a:prstGeom>
+          <a:ln w="12700">
+            <a:solidFill>
+              <a:schemeClr val="tx2">
+                <a:lumMod val="20000"/>
+                <a:lumOff val="80000"/>
+              </a:schemeClr>
+            </a:solidFill>
+          </a:ln>
+        </p:spPr>
+        <p:style>
+          <a:lnRef idx="1">
+            <a:schemeClr val="accent1"/>
+          </a:lnRef>
+          <a:fillRef idx="0">
+            <a:schemeClr val="accent1"/>
+          </a:fillRef>
+          <a:effectRef idx="0">
+            <a:schemeClr val="accent1"/>
+          </a:effectRef>
+          <a:fontRef idx="minor">
+            <a:schemeClr val="tx1"/>
+          </a:fontRef>
+        </p:style>
+      </p:cxnSp>
+      <p:sp>
+        <p:nvSpPr>
+          <p:cNvPr id="11" name="Rechtervlak" hidden="1">
+            <a:extLst>
+              <a:ext uri="{FF2B5EF4-FFF2-40B4-BE49-F238E27FC236}">
+                <a16:creationId xmlns:a16="http://schemas.microsoft.com/office/drawing/2014/main" id="{2AB83298-1132-DCAE-0651-FFCF6A6BBED0}"/>
+              </a:ext>
+            </a:extLst>
+          </p:cNvPr>
+          <p:cNvSpPr/>
+          <p:nvPr userDrawn="1"/>
+        </p:nvSpPr>
+        <p:spPr>
+          <a:xfrm>
+            <a:off x="8280409" y="1520170"/>
+            <a:ext cx="3454375" cy="4880630"/>
+          </a:xfrm>
+          <a:prstGeom prst="rect">
+            <a:avLst/>
+          </a:prstGeom>
+          <a:solidFill>
+            <a:schemeClr val="bg1">
+              <a:lumMod val="95000"/>
+            </a:schemeClr>
+          </a:solidFill>
+          <a:ln>
+            <a:noFill/>
+          </a:ln>
+        </p:spPr>
+        <p:style>
+          <a:lnRef idx="2">
+            <a:schemeClr val="accent1">
+              <a:shade val="15000"/>
+            </a:schemeClr>
+          </a:lnRef>
+          <a:fillRef idx="1">
+            <a:schemeClr val="accent1"/>
+          </a:fillRef>
+          <a:effectRef idx="0">
+            <a:schemeClr val="accent1"/>
+          </a:effectRef>
+          <a:fontRef idx="minor">
+            <a:schemeClr val="lt1"/>
+          </a:fontRef>
+        </p:style>
+        <p:txBody>
+          <a:bodyPr rtlCol="0" anchor="ctr"/>
+          <a:lstStyle/>
+          <a:p>
+            <a:pPr algn="ctr"/>
+            <a:endParaRPr lang="nl-NL" sz="1240"/>
+          </a:p>
+        </p:txBody>
+      </p:sp>
+      <p:sp>
+        <p:nvSpPr>
+          <p:cNvPr id="14" name="Middenvlak" hidden="1">
+            <a:extLst>
+              <a:ext uri="{FF2B5EF4-FFF2-40B4-BE49-F238E27FC236}">
+                <a16:creationId xmlns:a16="http://schemas.microsoft.com/office/drawing/2014/main" id="{C49D12F7-13AF-A61C-E6A3-0B8A65611D07}"/>
+              </a:ext>
+            </a:extLst>
+          </p:cNvPr>
+          <p:cNvSpPr/>
+          <p:nvPr userDrawn="1"/>
+        </p:nvSpPr>
+        <p:spPr>
+          <a:xfrm>
+            <a:off x="4368814" y="1520170"/>
+            <a:ext cx="3454375" cy="4880630"/>
+          </a:xfrm>
+          <a:prstGeom prst="rect">
+            <a:avLst/>
+          </a:prstGeom>
+          <a:solidFill>
+            <a:schemeClr val="bg1">
+              <a:lumMod val="95000"/>
+            </a:schemeClr>
+          </a:solidFill>
+          <a:ln>
+            <a:noFill/>
+          </a:ln>
+        </p:spPr>
+        <p:style>
+          <a:lnRef idx="2">
+            <a:schemeClr val="accent1">
+              <a:shade val="15000"/>
+            </a:schemeClr>
+          </a:lnRef>
+          <a:fillRef idx="1">
+            <a:schemeClr val="accent1"/>
+          </a:fillRef>
+          <a:effectRef idx="0">
+            <a:schemeClr val="accent1"/>
+          </a:effectRef>
+          <a:fontRef idx="minor">
+            <a:schemeClr val="lt1"/>
+          </a:fontRef>
+        </p:style>
+        <p:txBody>
+          <a:bodyPr rtlCol="0" anchor="ctr"/>
+          <a:lstStyle/>
+          <a:p>
+            <a:pPr algn="ctr"/>
+            <a:endParaRPr lang="nl-NL" sz="1240"/>
+          </a:p>
+        </p:txBody>
+      </p:sp>
+      <p:sp>
+        <p:nvSpPr>
+          <p:cNvPr id="15" name="Linkervlak" hidden="1">
+            <a:extLst>
+              <a:ext uri="{FF2B5EF4-FFF2-40B4-BE49-F238E27FC236}">
+                <a16:creationId xmlns:a16="http://schemas.microsoft.com/office/drawing/2014/main" id="{966327DC-A2CA-F917-57C8-2311909BFC4B}"/>
+              </a:ext>
+            </a:extLst>
+          </p:cNvPr>
+          <p:cNvSpPr/>
+          <p:nvPr userDrawn="1"/>
+        </p:nvSpPr>
+        <p:spPr>
+          <a:xfrm>
+            <a:off x="457221" y="1520170"/>
+            <a:ext cx="3454375" cy="4880630"/>
+          </a:xfrm>
+          <a:prstGeom prst="rect">
+            <a:avLst/>
+          </a:prstGeom>
+          <a:solidFill>
+            <a:schemeClr val="bg1">
+              <a:lumMod val="95000"/>
+            </a:schemeClr>
+          </a:solidFill>
+          <a:ln>
+            <a:noFill/>
+          </a:ln>
+        </p:spPr>
+        <p:style>
+          <a:lnRef idx="2">
+            <a:schemeClr val="accent1">
+              <a:shade val="15000"/>
+            </a:schemeClr>
+          </a:lnRef>
+          <a:fillRef idx="1">
+            <a:schemeClr val="accent1"/>
+          </a:fillRef>
+          <a:effectRef idx="0">
+            <a:schemeClr val="accent1"/>
+          </a:effectRef>
+          <a:fontRef idx="minor">
+            <a:schemeClr val="lt1"/>
+          </a:fontRef>
+        </p:style>
+        <p:txBody>
+          <a:bodyPr rtlCol="0" anchor="ctr"/>
+          <a:lstStyle/>
+          <a:p>
+            <a:pPr algn="ctr"/>
+            <a:endParaRPr lang="nl-NL" sz="1240"/>
+          </a:p>
+        </p:txBody>
+      </p:sp>
+      <p:sp>
+        <p:nvSpPr>
+          <p:cNvPr id="19" name="Driehoek">
+            <a:extLst>
+              <a:ext uri="{FF2B5EF4-FFF2-40B4-BE49-F238E27FC236}">
+                <a16:creationId xmlns:a16="http://schemas.microsoft.com/office/drawing/2014/main" id="{586A169A-7A17-2F3F-B192-FACC840B9957}"/>
+              </a:ext>
+            </a:extLst>
+          </p:cNvPr>
+          <p:cNvSpPr/>
+          <p:nvPr userDrawn="1"/>
+        </p:nvSpPr>
+        <p:spPr>
+          <a:xfrm rot="10800000" flipH="1">
+            <a:off x="9719595" y="0"/>
+            <a:ext cx="576000" cy="1066800"/>
+          </a:xfrm>
+          <a:prstGeom prst="rtTriangle">
+            <a:avLst/>
+          </a:prstGeom>
+          <a:solidFill>
+            <a:schemeClr val="accent3"/>
+          </a:solidFill>
+          <a:ln>
+            <a:noFill/>
+          </a:ln>
+        </p:spPr>
+        <p:style>
+          <a:lnRef idx="2">
+            <a:schemeClr val="accent1">
+              <a:shade val="50000"/>
+            </a:schemeClr>
+          </a:lnRef>
+          <a:fillRef idx="1">
+            <a:schemeClr val="accent1"/>
+          </a:fillRef>
+          <a:effectRef idx="0">
+            <a:schemeClr val="accent1"/>
+          </a:effectRef>
+          <a:fontRef idx="minor">
+            <a:schemeClr val="lt1"/>
+          </a:fontRef>
+        </p:style>
+        <p:txBody>
+          <a:bodyPr rtlCol="0" anchor="ctr"/>
+          <a:lstStyle/>
           <a:p>
             <a:pPr algn="l"/>
-            <a:endParaRPr lang="nl-NL" sz="1000" b="0" dirty="0">
+            <a:endParaRPr lang="en-US" sz="1793" b="1">
               <a:latin typeface="Century Gothic" panose="020B0502020202020204" pitchFamily="34" charset="0"/>
-              <a:cs typeface="Arial" panose="020B0604020202020204" pitchFamily="34" charset="0"/>
             </a:endParaRPr>
           </a:p>
-          <a:p>
-            <a:pPr algn="l"/>
+        </p:txBody>
+      </p:sp>
+      <p:sp>
+        <p:nvSpPr>
+          <p:cNvPr id="20" name="Titelblok">
+            <a:extLst>
+              <a:ext uri="{FF2B5EF4-FFF2-40B4-BE49-F238E27FC236}">
+                <a16:creationId xmlns:a16="http://schemas.microsoft.com/office/drawing/2014/main" id="{09DB097E-8577-1284-CB7B-3627CC87E052}"/>
+              </a:ext>
+            </a:extLst>
+          </p:cNvPr>
+          <p:cNvSpPr/>
+          <p:nvPr userDrawn="1"/>
+        </p:nvSpPr>
+        <p:spPr>
+          <a:xfrm>
+            <a:off x="0" y="0"/>
+            <a:ext cx="9719589" cy="1066800"/>
+          </a:xfrm>
+          <a:prstGeom prst="rect">
+            <a:avLst/>
+          </a:prstGeom>
+          <a:solidFill>
+            <a:schemeClr val="accent3"/>
+          </a:solidFill>
+          <a:ln>
+            <a:noFill/>
+          </a:ln>
+        </p:spPr>
+        <p:style>
+          <a:lnRef idx="2">
+            <a:schemeClr val="accent1">
+              <a:shade val="50000"/>
+            </a:schemeClr>
+          </a:lnRef>
+          <a:fillRef idx="1">
+            <a:schemeClr val="accent1"/>
+          </a:fillRef>
+          <a:effectRef idx="0">
+            <a:schemeClr val="accent1"/>
+          </a:effectRef>
+          <a:fontRef idx="minor">
+            <a:schemeClr val="lt1"/>
+          </a:fontRef>
+        </p:style>
+        <p:txBody>
+          <a:bodyPr rtlCol="0" anchor="ctr"/>
+          <a:lstStyle/>
+          <a:p>
+            <a:pPr marL="0" indent="270272" algn="l"/>
             <a:r>
-              <a:rPr lang="nl-NL" sz="1000" b="0" dirty="0">
+              <a:rPr lang="nl-NL" sz="2400" b="1" noProof="0" dirty="0">
                 <a:latin typeface="Century Gothic" panose="020B0502020202020204" pitchFamily="34" charset="0"/>
-                <a:cs typeface="Arial" panose="020B0604020202020204" pitchFamily="34" charset="0"/>
               </a:rPr>
-              <a:t>Meisjes ervaren meestal een lager emotioneel welbevinden dan jongens. Ook ervaren meisjes vaker stress dan jongens.</a:t>
+              <a:t>Emotioneel welbevinden, stress en weerbaarheid</a:t>
             </a:r>
           </a:p>
         </p:txBody>
       </p:sp>
       <p:sp>
         <p:nvSpPr>
-          <p:cNvPr id="17" name="TextBox 1">
-            <a:extLst>
-              <a:ext uri="{FF2B5EF4-FFF2-40B4-BE49-F238E27FC236}">
-                <a16:creationId xmlns:a16="http://schemas.microsoft.com/office/drawing/2014/main" id="{83BD08AD-0583-B8D4-FD8D-EC44809BEB33}"/>
+          <p:cNvPr id="29" name="TextBox 1">
+            <a:extLst>
+              <a:ext uri="{FF2B5EF4-FFF2-40B4-BE49-F238E27FC236}">
+                <a16:creationId xmlns:a16="http://schemas.microsoft.com/office/drawing/2014/main" id="{665FFA3C-9688-3102-AB45-7828DF662A5A}"/>
               </a:ext>
             </a:extLst>
           </p:cNvPr>
@@ -10803,8 +12240,8 @@
         </p:nvSpPr>
         <p:spPr>
           <a:xfrm>
-            <a:off x="8273513" y="1519199"/>
-            <a:ext cx="3456000" cy="1762021"/>
+            <a:off x="457219" y="1519201"/>
+            <a:ext cx="3456000" cy="1146468"/>
           </a:xfrm>
           <a:prstGeom prst="rect">
             <a:avLst/>
@@ -10920,7 +12357,160 @@
                 <a:latin typeface="Century Gothic" panose="020B0502020202020204" pitchFamily="34" charset="0"/>
                 <a:cs typeface="Arial" panose="020B0604020202020204" pitchFamily="34" charset="0"/>
               </a:rPr>
-              <a:t>Weerbaarheid is opkomen voor jezelf en het maken van keuzes. Het helpt jongeren omgaan met stressvolle situaties en beschermt hen tegen mentale problemen en risicogedrag, zoals durven 'nee' te zegen tegen middelengebruik of grensoverschrijdend gedrag.</a:t>
+              <a:t>Emotioneel welbevinden wordt gemeten met 5 vragen (WHO-5), zoals: ‘Voelde je je in de laatste 2 weken actief en vol energie?’</a:t>
+            </a:r>
+          </a:p>
+          <a:p>
+            <a:pPr algn="l"/>
+            <a:endParaRPr lang="nl-NL" sz="1000" b="0" dirty="0">
+              <a:latin typeface="Century Gothic" panose="020B0502020202020204" pitchFamily="34" charset="0"/>
+              <a:cs typeface="Arial" panose="020B0604020202020204" pitchFamily="34" charset="0"/>
+            </a:endParaRPr>
+          </a:p>
+          <a:p>
+            <a:pPr algn="l"/>
+            <a:r>
+              <a:rPr lang="nl-NL" sz="1000" b="0" dirty="0">
+                <a:latin typeface="Century Gothic" panose="020B0502020202020204" pitchFamily="34" charset="0"/>
+                <a:cs typeface="Arial" panose="020B0604020202020204" pitchFamily="34" charset="0"/>
+              </a:rPr>
+              <a:t>Meisjes ervaren meestal een lager emotioneel welbevinden dan jongens. Ook ervaren meisjes vaker stress dan jongens.</a:t>
+            </a:r>
+          </a:p>
+        </p:txBody>
+      </p:sp>
+      <p:sp>
+        <p:nvSpPr>
+          <p:cNvPr id="17" name="TextBox 1">
+            <a:extLst>
+              <a:ext uri="{FF2B5EF4-FFF2-40B4-BE49-F238E27FC236}">
+                <a16:creationId xmlns:a16="http://schemas.microsoft.com/office/drawing/2014/main" id="{83BD08AD-0583-B8D4-FD8D-EC44809BEB33}"/>
+              </a:ext>
+            </a:extLst>
+          </p:cNvPr>
+          <p:cNvSpPr txBox="1"/>
+          <p:nvPr userDrawn="1"/>
+        </p:nvSpPr>
+        <p:spPr>
+          <a:xfrm>
+            <a:off x="8273512" y="1519199"/>
+            <a:ext cx="3559183" cy="1608133"/>
+          </a:xfrm>
+          <a:prstGeom prst="rect">
+            <a:avLst/>
+          </a:prstGeom>
+          <a:noFill/>
+        </p:spPr>
+        <p:txBody>
+          <a:bodyPr rot="0" spcFirstLastPara="0" vert="horz" wrap="square" lIns="68580" tIns="34290" rIns="68580" bIns="34290" numCol="1" spcCol="0" rtlCol="0" fromWordArt="0" anchor="t" anchorCtr="0" forceAA="0" compatLnSpc="1">
+            <a:prstTxWarp prst="textNoShape">
+              <a:avLst/>
+            </a:prstTxWarp>
+            <a:spAutoFit/>
+          </a:bodyPr>
+          <a:lstStyle>
+            <a:defPPr>
+              <a:defRPr lang="nl-NL"/>
+            </a:defPPr>
+            <a:lvl1pPr marL="0" algn="l" defTabSz="839852" rtl="0" eaLnBrk="1" latinLnBrk="0" hangingPunct="1">
+              <a:defRPr sz="1653" kern="1200">
+                <a:solidFill>
+                  <a:schemeClr val="tx1"/>
+                </a:solidFill>
+                <a:latin typeface="+mn-lt"/>
+                <a:ea typeface="+mn-ea"/>
+                <a:cs typeface="+mn-cs"/>
+              </a:defRPr>
+            </a:lvl1pPr>
+            <a:lvl2pPr marL="419926" algn="l" defTabSz="839852" rtl="0" eaLnBrk="1" latinLnBrk="0" hangingPunct="1">
+              <a:defRPr sz="1653" kern="1200">
+                <a:solidFill>
+                  <a:schemeClr val="tx1"/>
+                </a:solidFill>
+                <a:latin typeface="+mn-lt"/>
+                <a:ea typeface="+mn-ea"/>
+                <a:cs typeface="+mn-cs"/>
+              </a:defRPr>
+            </a:lvl2pPr>
+            <a:lvl3pPr marL="839852" algn="l" defTabSz="839852" rtl="0" eaLnBrk="1" latinLnBrk="0" hangingPunct="1">
+              <a:defRPr sz="1653" kern="1200">
+                <a:solidFill>
+                  <a:schemeClr val="tx1"/>
+                </a:solidFill>
+                <a:latin typeface="+mn-lt"/>
+                <a:ea typeface="+mn-ea"/>
+                <a:cs typeface="+mn-cs"/>
+              </a:defRPr>
+            </a:lvl3pPr>
+            <a:lvl4pPr marL="1259779" algn="l" defTabSz="839852" rtl="0" eaLnBrk="1" latinLnBrk="0" hangingPunct="1">
+              <a:defRPr sz="1653" kern="1200">
+                <a:solidFill>
+                  <a:schemeClr val="tx1"/>
+                </a:solidFill>
+                <a:latin typeface="+mn-lt"/>
+                <a:ea typeface="+mn-ea"/>
+                <a:cs typeface="+mn-cs"/>
+              </a:defRPr>
+            </a:lvl4pPr>
+            <a:lvl5pPr marL="1679704" algn="l" defTabSz="839852" rtl="0" eaLnBrk="1" latinLnBrk="0" hangingPunct="1">
+              <a:defRPr sz="1653" kern="1200">
+                <a:solidFill>
+                  <a:schemeClr val="tx1"/>
+                </a:solidFill>
+                <a:latin typeface="+mn-lt"/>
+                <a:ea typeface="+mn-ea"/>
+                <a:cs typeface="+mn-cs"/>
+              </a:defRPr>
+            </a:lvl5pPr>
+            <a:lvl6pPr marL="2099630" algn="l" defTabSz="839852" rtl="0" eaLnBrk="1" latinLnBrk="0" hangingPunct="1">
+              <a:defRPr sz="1653" kern="1200">
+                <a:solidFill>
+                  <a:schemeClr val="tx1"/>
+                </a:solidFill>
+                <a:latin typeface="+mn-lt"/>
+                <a:ea typeface="+mn-ea"/>
+                <a:cs typeface="+mn-cs"/>
+              </a:defRPr>
+            </a:lvl6pPr>
+            <a:lvl7pPr marL="2519556" algn="l" defTabSz="839852" rtl="0" eaLnBrk="1" latinLnBrk="0" hangingPunct="1">
+              <a:defRPr sz="1653" kern="1200">
+                <a:solidFill>
+                  <a:schemeClr val="tx1"/>
+                </a:solidFill>
+                <a:latin typeface="+mn-lt"/>
+                <a:ea typeface="+mn-ea"/>
+                <a:cs typeface="+mn-cs"/>
+              </a:defRPr>
+            </a:lvl7pPr>
+            <a:lvl8pPr marL="2939482" algn="l" defTabSz="839852" rtl="0" eaLnBrk="1" latinLnBrk="0" hangingPunct="1">
+              <a:defRPr sz="1653" kern="1200">
+                <a:solidFill>
+                  <a:schemeClr val="tx1"/>
+                </a:solidFill>
+                <a:latin typeface="+mn-lt"/>
+                <a:ea typeface="+mn-ea"/>
+                <a:cs typeface="+mn-cs"/>
+              </a:defRPr>
+            </a:lvl8pPr>
+            <a:lvl9pPr marL="3359408" algn="l" defTabSz="839852" rtl="0" eaLnBrk="1" latinLnBrk="0" hangingPunct="1">
+              <a:defRPr sz="1653" kern="1200">
+                <a:solidFill>
+                  <a:schemeClr val="tx1"/>
+                </a:solidFill>
+                <a:latin typeface="+mn-lt"/>
+                <a:ea typeface="+mn-ea"/>
+                <a:cs typeface="+mn-cs"/>
+              </a:defRPr>
+            </a:lvl9pPr>
+          </a:lstStyle>
+          <a:p>
+            <a:pPr algn="l"/>
+            <a:r>
+              <a:rPr lang="nl-NL" sz="1000" b="0" dirty="0">
+                <a:latin typeface="Century Gothic" panose="020B0502020202020204" pitchFamily="34" charset="0"/>
+                <a:cs typeface="Arial" panose="020B0604020202020204" pitchFamily="34" charset="0"/>
+              </a:rPr>
+              <a:t>Weerbaarheid is opkomen voor jezelf en het maken van keuzes. Het helpt jongeren omgaan met stressvolle situaties en beschermt hen tegen mentale problemen en risicogedrag, zoals durven 'nee' te zeggen tegen middelengebruik of grensoverschrijdend gedrag.</a:t>
             </a:r>
           </a:p>
           <a:p>
@@ -14440,7 +16030,7 @@
         <p:sp>
           <p:nvSpPr>
             <p:cNvPr id="30" name="Rectangle 23">
-              <a:hlinkClick r:id="rId18" action="ppaction://hlinksldjump"/>
+              <a:hlinkClick r:id="rId20" action="ppaction://hlinksldjump"/>
               <a:extLst>
                 <a:ext uri="{FF2B5EF4-FFF2-40B4-BE49-F238E27FC236}">
                   <a16:creationId xmlns:a16="http://schemas.microsoft.com/office/drawing/2014/main" id="{CB127B58-0E04-70A9-47ED-461794FE8617}"/>
@@ -14493,7 +16083,7 @@
         <p:pic>
           <p:nvPicPr>
             <p:cNvPr id="31" name="Graphic 30" descr="Pictogram hamburgermenu met effen opvulling">
-              <a:hlinkClick r:id="rId18" action="ppaction://hlinksldjump"/>
+              <a:hlinkClick r:id="rId20" action="ppaction://hlinksldjump"/>
               <a:extLst>
                 <a:ext uri="{FF2B5EF4-FFF2-40B4-BE49-F238E27FC236}">
                   <a16:creationId xmlns:a16="http://schemas.microsoft.com/office/drawing/2014/main" id="{99DE48E4-4AEA-BCAC-EEA9-967EF7C21301}"/>
@@ -14506,13 +16096,13 @@
             <p:nvPr userDrawn="1"/>
           </p:nvPicPr>
           <p:blipFill>
-            <a:blip r:embed="rId19" cstate="print">
+            <a:blip r:embed="rId21" cstate="print">
               <a:extLst>
                 <a:ext uri="{28A0092B-C50C-407E-A947-70E740481C1C}">
                   <a14:useLocalDpi xmlns:a14="http://schemas.microsoft.com/office/drawing/2010/main" val="0"/>
                 </a:ext>
                 <a:ext uri="{96DAC541-7B7A-43D3-8B79-37D633B846F1}">
-                  <asvg:svgBlip xmlns:asvg="http://schemas.microsoft.com/office/drawing/2016/SVG/main" r:embed="rId20"/>
+                  <asvg:svgBlip xmlns:asvg="http://schemas.microsoft.com/office/drawing/2016/SVG/main" r:embed="rId22"/>
                 </a:ext>
               </a:extLst>
             </a:blip>
@@ -14546,7 +16136,7 @@
           <p:nvPr userDrawn="1"/>
         </p:nvPicPr>
         <p:blipFill>
-          <a:blip r:embed="rId21">
+          <a:blip r:embed="rId23">
             <a:extLst>
               <a:ext uri="{28A0092B-C50C-407E-A947-70E740481C1C}">
                 <a14:useLocalDpi xmlns:a14="http://schemas.microsoft.com/office/drawing/2010/main" val="0"/>
@@ -14586,13 +16176,15 @@
     <p:sldLayoutId id="2147483663" r:id="rId7"/>
     <p:sldLayoutId id="2147483664" r:id="rId8"/>
     <p:sldLayoutId id="2147483682" r:id="rId9"/>
-    <p:sldLayoutId id="2147483679" r:id="rId10"/>
-    <p:sldLayoutId id="2147483680" r:id="rId11"/>
-    <p:sldLayoutId id="2147483701" r:id="rId12"/>
-    <p:sldLayoutId id="2147483703" r:id="rId13"/>
-    <p:sldLayoutId id="2147483704" r:id="rId14"/>
-    <p:sldLayoutId id="2147483676" r:id="rId15"/>
-    <p:sldLayoutId id="2147483700" r:id="rId16"/>
+    <p:sldLayoutId id="2147483706" r:id="rId10"/>
+    <p:sldLayoutId id="2147483679" r:id="rId11"/>
+    <p:sldLayoutId id="2147483680" r:id="rId12"/>
+    <p:sldLayoutId id="2147483701" r:id="rId13"/>
+    <p:sldLayoutId id="2147483703" r:id="rId14"/>
+    <p:sldLayoutId id="2147483704" r:id="rId15"/>
+    <p:sldLayoutId id="2147483676" r:id="rId16"/>
+    <p:sldLayoutId id="2147483700" r:id="rId17"/>
+    <p:sldLayoutId id="2147483707" r:id="rId18"/>
   </p:sldLayoutIdLst>
   <p:txStyles>
     <p:titleStyle>
@@ -14943,7 +16535,7 @@
     </p:spTree>
     <p:extLst>
       <p:ext uri="{BB962C8B-B14F-4D97-AF65-F5344CB8AC3E}">
-        <p14:creationId xmlns:p14="http://schemas.microsoft.com/office/powerpoint/2010/main" val="325107848"/>
+        <p14:creationId xmlns:p14="http://schemas.microsoft.com/office/powerpoint/2010/main" val="1709752066"/>
       </p:ext>
     </p:extLst>
   </p:cSld>
@@ -14973,6 +16565,36 @@
     </p:spTree>
     <p:extLst>
       <p:ext uri="{BB962C8B-B14F-4D97-AF65-F5344CB8AC3E}">
+        <p14:creationId xmlns:p14="http://schemas.microsoft.com/office/powerpoint/2010/main" val="325107848"/>
+      </p:ext>
+    </p:extLst>
+  </p:cSld>
+  <p:clrMapOvr>
+    <a:masterClrMapping/>
+  </p:clrMapOvr>
+</p:sld>
+</file>
+
+<file path=ppt/slides/slide13.xml><?xml version="1.0" encoding="utf-8"?>
+<p:sld xmlns:a="http://schemas.openxmlformats.org/drawingml/2006/main" xmlns:r="http://schemas.openxmlformats.org/officeDocument/2006/relationships" xmlns:p="http://schemas.openxmlformats.org/presentationml/2006/main">
+  <p:cSld>
+    <p:spTree>
+      <p:nvGrpSpPr>
+        <p:cNvPr id="1" name=""/>
+        <p:cNvGrpSpPr/>
+        <p:nvPr/>
+      </p:nvGrpSpPr>
+      <p:grpSpPr>
+        <a:xfrm>
+          <a:off x="0" y="0"/>
+          <a:ext cx="0" cy="0"/>
+          <a:chOff x="0" y="0"/>
+          <a:chExt cx="0" cy="0"/>
+        </a:xfrm>
+      </p:grpSpPr>
+    </p:spTree>
+    <p:extLst>
+      <p:ext uri="{BB962C8B-B14F-4D97-AF65-F5344CB8AC3E}">
         <p14:creationId xmlns:p14="http://schemas.microsoft.com/office/powerpoint/2010/main" val="1584460984"/>
       </p:ext>
     </p:extLst>
@@ -14983,7 +16605,7 @@
 </p:sld>
 </file>
 
-<file path=ppt/slides/slide13.xml><?xml version="1.0" encoding="utf-8"?>
+<file path=ppt/slides/slide14.xml><?xml version="1.0" encoding="utf-8"?>
 <p:sld xmlns:a="http://schemas.openxmlformats.org/drawingml/2006/main" xmlns:r="http://schemas.openxmlformats.org/officeDocument/2006/relationships" xmlns:p="http://schemas.openxmlformats.org/presentationml/2006/main">
   <p:cSld>
     <p:spTree>
@@ -15019,7 +16641,7 @@
 </p:sld>
 </file>
 
-<file path=ppt/slides/slide14.xml><?xml version="1.0" encoding="utf-8"?>
+<file path=ppt/slides/slide15.xml><?xml version="1.0" encoding="utf-8"?>
 <p:sld xmlns:a="http://schemas.openxmlformats.org/drawingml/2006/main" xmlns:r="http://schemas.openxmlformats.org/officeDocument/2006/relationships" xmlns:p="http://schemas.openxmlformats.org/presentationml/2006/main">
   <p:cSld>
     <p:spTree>
@@ -15055,7 +16677,7 @@
 </p:sld>
 </file>
 
-<file path=ppt/slides/slide15.xml><?xml version="1.0" encoding="utf-8"?>
+<file path=ppt/slides/slide16.xml><?xml version="1.0" encoding="utf-8"?>
 <p:sld xmlns:a="http://schemas.openxmlformats.org/drawingml/2006/main" xmlns:r="http://schemas.openxmlformats.org/officeDocument/2006/relationships" xmlns:p="http://schemas.openxmlformats.org/presentationml/2006/main">
   <p:cSld>
     <p:spTree>
@@ -15091,7 +16713,7 @@
 </p:sld>
 </file>
 
-<file path=ppt/slides/slide16.xml><?xml version="1.0" encoding="utf-8"?>
+<file path=ppt/slides/slide17.xml><?xml version="1.0" encoding="utf-8"?>
 <p:sld xmlns:a="http://schemas.openxmlformats.org/drawingml/2006/main" xmlns:r="http://schemas.openxmlformats.org/officeDocument/2006/relationships" xmlns:p="http://schemas.openxmlformats.org/presentationml/2006/main">
   <p:cSld>
     <p:spTree>
@@ -15127,7 +16749,7 @@
 </p:sld>
 </file>
 
-<file path=ppt/slides/slide17.xml><?xml version="1.0" encoding="utf-8"?>
+<file path=ppt/slides/slide18.xml><?xml version="1.0" encoding="utf-8"?>
 <p:sld xmlns:a="http://schemas.openxmlformats.org/drawingml/2006/main" xmlns:r="http://schemas.openxmlformats.org/officeDocument/2006/relationships" xmlns:p="http://schemas.openxmlformats.org/presentationml/2006/main">
   <p:cSld>
     <p:spTree>
@@ -15154,6 +16776,66 @@
     <p:extLst>
       <p:ext uri="{BB962C8B-B14F-4D97-AF65-F5344CB8AC3E}">
         <p14:creationId xmlns:p14="http://schemas.microsoft.com/office/powerpoint/2010/main" val="1082037663"/>
+      </p:ext>
+    </p:extLst>
+  </p:cSld>
+  <p:clrMapOvr>
+    <a:masterClrMapping/>
+  </p:clrMapOvr>
+</p:sld>
+</file>
+
+<file path=ppt/slides/slide19.xml><?xml version="1.0" encoding="utf-8"?>
+<p:sld xmlns:a="http://schemas.openxmlformats.org/drawingml/2006/main" xmlns:r="http://schemas.openxmlformats.org/officeDocument/2006/relationships" xmlns:p="http://schemas.openxmlformats.org/presentationml/2006/main">
+  <p:cSld>
+    <p:spTree>
+      <p:nvGrpSpPr>
+        <p:cNvPr id="1" name=""/>
+        <p:cNvGrpSpPr/>
+        <p:nvPr/>
+      </p:nvGrpSpPr>
+      <p:grpSpPr>
+        <a:xfrm>
+          <a:off x="0" y="0"/>
+          <a:ext cx="0" cy="0"/>
+          <a:chOff x="0" y="0"/>
+          <a:chExt cx="0" cy="0"/>
+        </a:xfrm>
+      </p:grpSpPr>
+      <p:sp>
+        <p:nvSpPr>
+          <p:cNvPr id="6" name="Tijdelijke aanduiding voor tekst 5">
+            <a:extLst>
+              <a:ext uri="{FF2B5EF4-FFF2-40B4-BE49-F238E27FC236}">
+                <a16:creationId xmlns:a16="http://schemas.microsoft.com/office/drawing/2014/main" id="{417D7511-0ADB-1912-1524-CB1730A640E6}"/>
+              </a:ext>
+            </a:extLst>
+          </p:cNvPr>
+          <p:cNvSpPr>
+            <a:spLocks noGrp="1"/>
+          </p:cNvSpPr>
+          <p:nvPr>
+            <p:ph type="body" sz="quarter" idx="10"/>
+          </p:nvPr>
+        </p:nvSpPr>
+        <p:spPr>
+          <a:xfrm>
+            <a:off x="457218" y="2033035"/>
+            <a:ext cx="5178425" cy="2586038"/>
+          </a:xfrm>
+        </p:spPr>
+        <p:txBody>
+          <a:bodyPr/>
+          <a:lstStyle/>
+          <a:p>
+            <a:endParaRPr lang="nl-NL" dirty="0"/>
+          </a:p>
+        </p:txBody>
+      </p:sp>
+    </p:spTree>
+    <p:extLst>
+      <p:ext uri="{BB962C8B-B14F-4D97-AF65-F5344CB8AC3E}">
+        <p14:creationId xmlns:p14="http://schemas.microsoft.com/office/powerpoint/2010/main" val="1573809413"/>
       </p:ext>
     </p:extLst>
   </p:cSld>
@@ -16382,76 +18064,16 @@
         <a:srgbClr val="EAF4F8"/>
       </a:folHlink>
     </a:clrScheme>
-    <a:fontScheme name="Century Gothic">
+    <a:fontScheme name="OKO">
       <a:majorFont>
-        <a:latin typeface="Century Gothic" panose="020F0302020204030204"/>
+        <a:latin typeface="Century Gothic"/>
         <a:ea typeface=""/>
         <a:cs typeface=""/>
-        <a:font script="Jpan" typeface="メイリオ"/>
-        <a:font script="Hang" typeface="맑은 고딕"/>
-        <a:font script="Hans" typeface="宋体"/>
-        <a:font script="Hant" typeface="新細明體"/>
-        <a:font script="Arab" typeface="Times New Roman"/>
-        <a:font script="Hebr" typeface="Times New Roman"/>
-        <a:font script="Thai" typeface="Angsana New"/>
-        <a:font script="Ethi" typeface="Nyala"/>
-        <a:font script="Beng" typeface="Vrinda"/>
-        <a:font script="Gujr" typeface="Shruti"/>
-        <a:font script="Khmr" typeface="MoolBoran"/>
-        <a:font script="Knda" typeface="Tunga"/>
-        <a:font script="Guru" typeface="Raavi"/>
-        <a:font script="Cans" typeface="Euphemia"/>
-        <a:font script="Cher" typeface="Plantagenet Cherokee"/>
-        <a:font script="Yiii" typeface="Microsoft Yi Baiti"/>
-        <a:font script="Tibt" typeface="Microsoft Himalaya"/>
-        <a:font script="Thaa" typeface="MV Boli"/>
-        <a:font script="Deva" typeface="Mangal"/>
-        <a:font script="Telu" typeface="Gautami"/>
-        <a:font script="Taml" typeface="Latha"/>
-        <a:font script="Syrc" typeface="Estrangelo Edessa"/>
-        <a:font script="Orya" typeface="Kalinga"/>
-        <a:font script="Mlym" typeface="Kartika"/>
-        <a:font script="Laoo" typeface="DokChampa"/>
-        <a:font script="Sinh" typeface="Iskoola Pota"/>
-        <a:font script="Mong" typeface="Mongolian Baiti"/>
-        <a:font script="Viet" typeface="Times New Roman"/>
-        <a:font script="Uigh" typeface="Microsoft Uighur"/>
-        <a:font script="Geor" typeface="Sylfaen"/>
       </a:majorFont>
       <a:minorFont>
-        <a:latin typeface="Century Gothic" panose="020F0302020204030204"/>
+        <a:latin typeface="Century Gothic"/>
         <a:ea typeface=""/>
         <a:cs typeface=""/>
-        <a:font script="Jpan" typeface="メイリオ"/>
-        <a:font script="Hang" typeface="맑은 고딕"/>
-        <a:font script="Hans" typeface="宋体"/>
-        <a:font script="Hant" typeface="新細明體"/>
-        <a:font script="Arab" typeface="Arial"/>
-        <a:font script="Hebr" typeface="Arial"/>
-        <a:font script="Thai" typeface="Cordia New"/>
-        <a:font script="Ethi" typeface="Nyala"/>
-        <a:font script="Beng" typeface="Vrinda"/>
-        <a:font script="Gujr" typeface="Shruti"/>
-        <a:font script="Khmr" typeface="DaunPenh"/>
-        <a:font script="Knda" typeface="Tunga"/>
-        <a:font script="Guru" typeface="Raavi"/>
-        <a:font script="Cans" typeface="Euphemia"/>
-        <a:font script="Cher" typeface="Plantagenet Cherokee"/>
-        <a:font script="Yiii" typeface="Microsoft Yi Baiti"/>
-        <a:font script="Tibt" typeface="Microsoft Himalaya"/>
-        <a:font script="Thaa" typeface="MV Boli"/>
-        <a:font script="Deva" typeface="Mangal"/>
-        <a:font script="Telu" typeface="Gautami"/>
-        <a:font script="Taml" typeface="Latha"/>
-        <a:font script="Syrc" typeface="Estrangelo Edessa"/>
-        <a:font script="Orya" typeface="Kalinga"/>
-        <a:font script="Mlym" typeface="Kartika"/>
-        <a:font script="Laoo" typeface="DokChampa"/>
-        <a:font script="Sinh" typeface="Iskoola Pota"/>
-        <a:font script="Mong" typeface="Mongolian Baiti"/>
-        <a:font script="Viet" typeface="Arial"/>
-        <a:font script="Uigh" typeface="Microsoft Uighur"/>
-        <a:font script="Geor" typeface="Sylfaen"/>
       </a:minorFont>
     </a:fontScheme>
     <a:fmtScheme name="Office">
@@ -16643,16 +18265,76 @@
         <a:srgbClr val="EAF4F8"/>
       </a:folHlink>
     </a:clrScheme>
-    <a:fontScheme name="OKO">
+    <a:fontScheme name="Calibri">
       <a:majorFont>
-        <a:latin typeface="Century Gothic"/>
+        <a:latin typeface="Calibri" panose="020F0502020204030204"/>
         <a:ea typeface=""/>
         <a:cs typeface=""/>
+        <a:font script="Jpan" typeface="メイリオ"/>
+        <a:font script="Hang" typeface="맑은 고딕"/>
+        <a:font script="Hans" typeface="宋体"/>
+        <a:font script="Hant" typeface="新細明體"/>
+        <a:font script="Arab" typeface="Arial"/>
+        <a:font script="Hebr" typeface="Arial"/>
+        <a:font script="Thai" typeface="Cordia New"/>
+        <a:font script="Ethi" typeface="Nyala"/>
+        <a:font script="Beng" typeface="Vrinda"/>
+        <a:font script="Gujr" typeface="Shruti"/>
+        <a:font script="Khmr" typeface="DaunPenh"/>
+        <a:font script="Knda" typeface="Tunga"/>
+        <a:font script="Guru" typeface="Raavi"/>
+        <a:font script="Cans" typeface="Euphemia"/>
+        <a:font script="Cher" typeface="Plantagenet Cherokee"/>
+        <a:font script="Yiii" typeface="Microsoft Yi Baiti"/>
+        <a:font script="Tibt" typeface="Microsoft Himalaya"/>
+        <a:font script="Thaa" typeface="MV Boli"/>
+        <a:font script="Deva" typeface="Mangal"/>
+        <a:font script="Telu" typeface="Gautami"/>
+        <a:font script="Taml" typeface="Latha"/>
+        <a:font script="Syrc" typeface="Estrangelo Edessa"/>
+        <a:font script="Orya" typeface="Kalinga"/>
+        <a:font script="Mlym" typeface="Kartika"/>
+        <a:font script="Laoo" typeface="DokChampa"/>
+        <a:font script="Sinh" typeface="Iskoola Pota"/>
+        <a:font script="Mong" typeface="Mongolian Baiti"/>
+        <a:font script="Viet" typeface="Tahoma"/>
+        <a:font script="Uigh" typeface="Microsoft Uighur"/>
+        <a:font script="Geor" typeface="Sylfaen"/>
       </a:majorFont>
       <a:minorFont>
-        <a:latin typeface="Century Gothic"/>
+        <a:latin typeface="Calibri" panose="020F0502020204030204"/>
         <a:ea typeface=""/>
         <a:cs typeface=""/>
+        <a:font script="Jpan" typeface="メイリオ"/>
+        <a:font script="Hang" typeface="맑은 고딕"/>
+        <a:font script="Hans" typeface="宋体"/>
+        <a:font script="Hant" typeface="新細明體"/>
+        <a:font script="Arab" typeface="Arial"/>
+        <a:font script="Hebr" typeface="Arial"/>
+        <a:font script="Thai" typeface="Cordia New"/>
+        <a:font script="Ethi" typeface="Nyala"/>
+        <a:font script="Beng" typeface="Vrinda"/>
+        <a:font script="Gujr" typeface="Shruti"/>
+        <a:font script="Khmr" typeface="DaunPenh"/>
+        <a:font script="Knda" typeface="Tunga"/>
+        <a:font script="Guru" typeface="Raavi"/>
+        <a:font script="Cans" typeface="Euphemia"/>
+        <a:font script="Cher" typeface="Plantagenet Cherokee"/>
+        <a:font script="Yiii" typeface="Microsoft Yi Baiti"/>
+        <a:font script="Tibt" typeface="Microsoft Himalaya"/>
+        <a:font script="Thaa" typeface="MV Boli"/>
+        <a:font script="Deva" typeface="Mangal"/>
+        <a:font script="Telu" typeface="Gautami"/>
+        <a:font script="Taml" typeface="Latha"/>
+        <a:font script="Syrc" typeface="Estrangelo Edessa"/>
+        <a:font script="Orya" typeface="Kalinga"/>
+        <a:font script="Mlym" typeface="Kartika"/>
+        <a:font script="Laoo" typeface="DokChampa"/>
+        <a:font script="Sinh" typeface="Iskoola Pota"/>
+        <a:font script="Mong" typeface="Mongolian Baiti"/>
+        <a:font script="Viet" typeface="Tahoma"/>
+        <a:font script="Uigh" typeface="Microsoft Uighur"/>
+        <a:font script="Geor" typeface="Sylfaen"/>
       </a:minorFont>
     </a:fontScheme>
     <a:fmtScheme name="Kantoor">
@@ -17435,8 +19117,8 @@
 </file>
 
 <file path=customXml/item1.xml><?xml version="1.0" encoding="utf-8"?>
-<ct:contentTypeSchema xmlns:ct="http://schemas.microsoft.com/office/2006/metadata/contentType" xmlns:ma="http://schemas.microsoft.com/office/2006/metadata/properties/metaAttributes" ct:_="" ma:_="" ma:contentTypeName="Document" ma:contentTypeID="0x010100C4EA295FB1FB9547A73C9F5819D6E613" ma:contentTypeVersion="22" ma:contentTypeDescription="Een nieuw document maken." ma:contentTypeScope="" ma:versionID="e49181b65574406c5282aee675d2d615">
-  <xsd:schema xmlns:xsd="http://www.w3.org/2001/XMLSchema" xmlns:xs="http://www.w3.org/2001/XMLSchema" xmlns:p="http://schemas.microsoft.com/office/2006/metadata/properties" xmlns:ns1="http://schemas.microsoft.com/sharepoint/v3" xmlns:ns2="4e95bed8-6d15-4403-ad70-a53422338dca" xmlns:ns3="10d3344f-2d16-43d9-a145-97142f5cb288" xmlns:ns4="d045ab76-3bb7-45f5-ab41-d7b04aa0dc94" targetNamespace="http://schemas.microsoft.com/office/2006/metadata/properties" ma:root="true" ma:fieldsID="cc6d884b6a76c93e77d17ea8b02330de" ns1:_="" ns2:_="" ns3:_="" ns4:_="">
+<ct:contentTypeSchema xmlns:ct="http://schemas.microsoft.com/office/2006/metadata/contentType" xmlns:ma="http://schemas.microsoft.com/office/2006/metadata/properties/metaAttributes" ct:_="" ma:_="" ma:contentTypeName="Document" ma:contentTypeID="0x010100C4EA295FB1FB9547A73C9F5819D6E613" ma:contentTypeVersion="22" ma:contentTypeDescription="Een nieuw document maken." ma:contentTypeScope="" ma:versionID="586e6f9b10cb27d3f03483507ae7cb9d">
+  <xsd:schema xmlns:xsd="http://www.w3.org/2001/XMLSchema" xmlns:xs="http://www.w3.org/2001/XMLSchema" xmlns:p="http://schemas.microsoft.com/office/2006/metadata/properties" xmlns:ns1="http://schemas.microsoft.com/sharepoint/v3" xmlns:ns2="4e95bed8-6d15-4403-ad70-a53422338dca" xmlns:ns3="10d3344f-2d16-43d9-a145-97142f5cb288" xmlns:ns4="d045ab76-3bb7-45f5-ab41-d7b04aa0dc94" targetNamespace="http://schemas.microsoft.com/office/2006/metadata/properties" ma:root="true" ma:fieldsID="f29125cba2118f3064d103e6e0ba85ce" ns1:_="" ns2:_="" ns3:_="" ns4:_="">
     <xsd:import namespace="http://schemas.microsoft.com/sharepoint/v3"/>
     <xsd:import namespace="4e95bed8-6d15-4403-ad70-a53422338dca"/>
     <xsd:import namespace="10d3344f-2d16-43d9-a145-97142f5cb288"/>
@@ -17720,6 +19402,15 @@
 </file>
 
 <file path=customXml/item2.xml><?xml version="1.0" encoding="utf-8"?>
+<?mso-contentType ?>
+<FormTemplates xmlns="http://schemas.microsoft.com/sharepoint/v3/contenttype/forms">
+  <Display>DocumentLibraryForm</Display>
+  <Edit>DocumentLibraryForm</Edit>
+  <New>DocumentLibraryForm</New>
+</FormTemplates>
+</file>
+
+<file path=customXml/item3.xml><?xml version="1.0" encoding="utf-8"?>
 <p:properties xmlns:p="http://schemas.microsoft.com/office/2006/metadata/properties" xmlns:xsi="http://www.w3.org/2001/XMLSchema-instance" xmlns:pc="http://schemas.microsoft.com/office/infopath/2007/PartnerControls">
   <documentManagement>
     <_ip_UnifiedCompliancePolicyUIAction xmlns="http://schemas.microsoft.com/sharepoint/v3" xsi:nil="true"/>
@@ -17735,17 +19426,8 @@
 </p:properties>
 </file>
 
-<file path=customXml/item3.xml><?xml version="1.0" encoding="utf-8"?>
-<?mso-contentType ?>
-<FormTemplates xmlns="http://schemas.microsoft.com/sharepoint/v3/contenttype/forms">
-  <Display>DocumentLibraryForm</Display>
-  <Edit>DocumentLibraryForm</Edit>
-  <New>DocumentLibraryForm</New>
-</FormTemplates>
-</file>
-
 <file path=customXml/itemProps1.xml><?xml version="1.0" encoding="utf-8"?>
-<ds:datastoreItem xmlns:ds="http://schemas.openxmlformats.org/officeDocument/2006/customXml" ds:itemID="{4F1CF73A-4EA0-4141-87E3-9F6DA2499A43}">
+<ds:datastoreItem xmlns:ds="http://schemas.openxmlformats.org/officeDocument/2006/customXml" ds:itemID="{3877EA04-D8B7-4991-BFA8-6EA9B8CD23EF}">
   <ds:schemaRefs>
     <ds:schemaRef ds:uri="http://schemas.microsoft.com/office/2006/metadata/contentType"/>
     <ds:schemaRef ds:uri="http://schemas.microsoft.com/office/2006/metadata/properties/metaAttributes"/>
@@ -17766,6 +19448,14 @@
 </file>
 
 <file path=customXml/itemProps2.xml><?xml version="1.0" encoding="utf-8"?>
+<ds:datastoreItem xmlns:ds="http://schemas.openxmlformats.org/officeDocument/2006/customXml" ds:itemID="{D4797234-1F06-4080-A1F9-30DCE4CF2F06}">
+  <ds:schemaRefs>
+    <ds:schemaRef ds:uri="http://schemas.microsoft.com/sharepoint/v3/contenttype/forms"/>
+  </ds:schemaRefs>
+</ds:datastoreItem>
+</file>
+
+<file path=customXml/itemProps3.xml><?xml version="1.0" encoding="utf-8"?>
 <ds:datastoreItem xmlns:ds="http://schemas.openxmlformats.org/officeDocument/2006/customXml" ds:itemID="{428373FD-713A-4C43-B3FE-80F0E3D63506}">
   <ds:schemaRefs>
     <ds:schemaRef ds:uri="http://schemas.microsoft.com/office/2006/documentManagement/types"/>
@@ -17782,12 +19472,4 @@
     <ds:schemaRef ds:uri="d045ab76-3bb7-45f5-ab41-d7b04aa0dc94"/>
   </ds:schemaRefs>
 </ds:datastoreItem>
-</file>
-
-<file path=customXml/itemProps3.xml><?xml version="1.0" encoding="utf-8"?>
-<ds:datastoreItem xmlns:ds="http://schemas.openxmlformats.org/officeDocument/2006/customXml" ds:itemID="{D4797234-1F06-4080-A1F9-30DCE4CF2F06}">
-  <ds:schemaRefs>
-    <ds:schemaRef ds:uri="http://schemas.microsoft.com/sharepoint/v3/contenttype/forms"/>
-  </ds:schemaRefs>
-</ds:datastoreItem>
 </file>